--- a/mhw1.pptx
+++ b/mhw1.pptx
@@ -5,24 +5,26 @@
     <p:sldMasterId id="2147483696" r:id="rId4"/>
   </p:sldMasterIdLst>
   <p:notesMasterIdLst>
-    <p:notesMasterId r:id="rId17"/>
+    <p:notesMasterId r:id="rId19"/>
   </p:notesMasterIdLst>
   <p:handoutMasterIdLst>
-    <p:handoutMasterId r:id="rId18"/>
+    <p:handoutMasterId r:id="rId20"/>
   </p:handoutMasterIdLst>
   <p:sldIdLst>
     <p:sldId id="306" r:id="rId5"/>
     <p:sldId id="307" r:id="rId6"/>
     <p:sldId id="308" r:id="rId7"/>
     <p:sldId id="309" r:id="rId8"/>
-    <p:sldId id="311" r:id="rId9"/>
-    <p:sldId id="312" r:id="rId10"/>
-    <p:sldId id="313" r:id="rId11"/>
-    <p:sldId id="314" r:id="rId12"/>
-    <p:sldId id="316" r:id="rId13"/>
-    <p:sldId id="315" r:id="rId14"/>
-    <p:sldId id="317" r:id="rId15"/>
-    <p:sldId id="318" r:id="rId16"/>
+    <p:sldId id="321" r:id="rId9"/>
+    <p:sldId id="311" r:id="rId10"/>
+    <p:sldId id="314" r:id="rId11"/>
+    <p:sldId id="322" r:id="rId12"/>
+    <p:sldId id="312" r:id="rId13"/>
+    <p:sldId id="313" r:id="rId14"/>
+    <p:sldId id="316" r:id="rId15"/>
+    <p:sldId id="315" r:id="rId16"/>
+    <p:sldId id="317" r:id="rId17"/>
+    <p:sldId id="318" r:id="rId18"/>
   </p:sldIdLst>
   <p:sldSz cx="12192000" cy="6858000"/>
   <p:notesSz cx="6858000" cy="9144000"/>
@@ -248,7 +250,7 @@
           <a:p>
             <a:fld id="{73EDD7B2-2DB1-4292-9CED-B6D9BDCC5040}" type="datetime1">
               <a:rPr lang="it-IT" smtClean="0"/>
-              <a:t>25/03/2021</a:t>
+              <a:t>26/03/2021</a:t>
             </a:fld>
             <a:endParaRPr lang="it-IT" dirty="0"/>
           </a:p>
@@ -428,7 +430,7 @@
             <a:fld id="{456F714F-066B-41A5-A6BD-50516EB8C346}" type="datetime1">
               <a:rPr lang="it-IT" smtClean="0"/>
               <a:pPr/>
-              <a:t>25/03/2021</a:t>
+              <a:t>26/03/2021</a:t>
             </a:fld>
             <a:endParaRPr lang="it-IT" dirty="0"/>
           </a:p>
@@ -1105,7 +1107,7 @@
             <a:pPr rtl="0"/>
             <a:fld id="{D5939589-3E79-4C82-AA4A-FE78234FAA59}" type="slidenum">
               <a:rPr lang="it-IT" smtClean="0"/>
-              <a:t>5</a:t>
+              <a:t>6</a:t>
             </a:fld>
             <a:endParaRPr lang="it-IT" dirty="0"/>
           </a:p>
@@ -1190,7 +1192,7 @@
             <a:pPr rtl="0"/>
             <a:fld id="{D5939589-3E79-4C82-AA4A-FE78234FAA59}" type="slidenum">
               <a:rPr lang="it-IT" smtClean="0"/>
-              <a:t>9</a:t>
+              <a:t>11</a:t>
             </a:fld>
             <a:endParaRPr lang="it-IT" dirty="0"/>
           </a:p>
@@ -1275,7 +1277,7 @@
             <a:pPr rtl="0"/>
             <a:fld id="{D5939589-3E79-4C82-AA4A-FE78234FAA59}" type="slidenum">
               <a:rPr lang="it-IT" smtClean="0"/>
-              <a:t>10</a:t>
+              <a:t>12</a:t>
             </a:fld>
             <a:endParaRPr lang="it-IT" dirty="0"/>
           </a:p>
@@ -1360,7 +1362,7 @@
             <a:pPr rtl="0"/>
             <a:fld id="{D5939589-3E79-4C82-AA4A-FE78234FAA59}" type="slidenum">
               <a:rPr lang="it-IT" smtClean="0"/>
-              <a:t>11</a:t>
+              <a:t>13</a:t>
             </a:fld>
             <a:endParaRPr lang="it-IT" dirty="0"/>
           </a:p>
@@ -1445,7 +1447,7 @@
             <a:pPr rtl="0"/>
             <a:fld id="{D5939589-3E79-4C82-AA4A-FE78234FAA59}" type="slidenum">
               <a:rPr lang="it-IT" smtClean="0"/>
-              <a:t>12</a:t>
+              <a:t>14</a:t>
             </a:fld>
             <a:endParaRPr lang="it-IT" dirty="0"/>
           </a:p>
@@ -12361,42 +12363,12 @@
           <a:chExt cx="0" cy="0"/>
         </a:xfrm>
       </p:grpSpPr>
-      <p:pic>
-        <p:nvPicPr>
-          <p:cNvPr id="83" name="Immagine 82">
-            <a:extLst>
-              <a:ext uri="{FF2B5EF4-FFF2-40B4-BE49-F238E27FC236}">
-                <a16:creationId xmlns:a16="http://schemas.microsoft.com/office/drawing/2014/main" id="{6EA5BBD6-9654-48C4-85CD-D2901D600473}"/>
-              </a:ext>
-            </a:extLst>
-          </p:cNvPr>
-          <p:cNvPicPr>
-            <a:picLocks noChangeAspect="1"/>
-          </p:cNvPicPr>
-          <p:nvPr/>
-        </p:nvPicPr>
-        <p:blipFill>
-          <a:blip r:embed="rId3"/>
-          <a:stretch>
-            <a:fillRect/>
-          </a:stretch>
-        </p:blipFill>
-        <p:spPr>
-          <a:xfrm>
-            <a:off x="5659849" y="574956"/>
-            <a:ext cx="6263445" cy="5559079"/>
-          </a:xfrm>
-          <a:prstGeom prst="rect">
-            <a:avLst/>
-          </a:prstGeom>
-        </p:spPr>
-      </p:pic>
       <p:sp>
         <p:nvSpPr>
           <p:cNvPr id="3" name="Titolo 2">
             <a:extLst>
               <a:ext uri="{FF2B5EF4-FFF2-40B4-BE49-F238E27FC236}">
-                <a16:creationId xmlns:a16="http://schemas.microsoft.com/office/drawing/2014/main" id="{0115FF41-AFA4-4D25-AB42-AB034F4B4FEC}"/>
+                <a16:creationId xmlns:a16="http://schemas.microsoft.com/office/drawing/2014/main" id="{521F2F04-BD37-485B-A8DD-2EA952F6A8A3}"/>
               </a:ext>
             </a:extLst>
           </p:cNvPr>
@@ -12409,125 +12381,27 @@
         </p:nvSpPr>
         <p:spPr>
           <a:xfrm>
-            <a:off x="839789" y="457200"/>
-            <a:ext cx="3335165" cy="1013791"/>
-          </a:xfrm>
-        </p:spPr>
-        <p:txBody>
-          <a:bodyPr rtlCol="0" anchor="b">
-            <a:normAutofit/>
-          </a:bodyPr>
+            <a:off x="850392" y="986917"/>
+            <a:ext cx="6190488" cy="1179576"/>
+          </a:xfrm>
+        </p:spPr>
+        <p:txBody>
+          <a:bodyPr/>
           <a:lstStyle/>
           <a:p>
-            <a:pPr rtl="0"/>
             <a:r>
               <a:rPr lang="it-IT" dirty="0"/>
-              <a:t>Modalità Tablet</a:t>
-            </a:r>
-          </a:p>
-        </p:txBody>
-      </p:sp>
-      <p:sp>
-        <p:nvSpPr>
-          <p:cNvPr id="4" name="Segnaposto contenuto 3">
-            <a:extLst>
-              <a:ext uri="{FF2B5EF4-FFF2-40B4-BE49-F238E27FC236}">
-                <a16:creationId xmlns:a16="http://schemas.microsoft.com/office/drawing/2014/main" id="{B0881FA9-F3B0-4912-B0E1-352094195C30}"/>
-              </a:ext>
-            </a:extLst>
-          </p:cNvPr>
-          <p:cNvSpPr>
-            <a:spLocks noGrp="1"/>
-          </p:cNvSpPr>
-          <p:nvPr>
-            <p:ph type="body" sz="half" idx="2"/>
-          </p:nvPr>
-        </p:nvSpPr>
-        <p:spPr>
-          <a:xfrm>
-            <a:off x="838200" y="1826216"/>
-            <a:ext cx="3238423" cy="3739297"/>
-          </a:xfrm>
-        </p:spPr>
-        <p:txBody>
-          <a:bodyPr rtlCol="0">
-            <a:normAutofit/>
-          </a:bodyPr>
-          <a:lstStyle/>
-          <a:p>
-            <a:pPr rtl="0"/>
-            <a:r>
-              <a:rPr lang="it-IT" dirty="0"/>
-              <a:t>La pagina tablet è pensata per mantenere un header ampio ma che da più importanza ai contenuti. Le info sull’account vengono inglobate nella search bar che ora contiene l’immagine di profilo.</a:t>
-            </a:r>
-          </a:p>
-          <a:p>
-            <a:pPr rtl="0"/>
-            <a:r>
-              <a:rPr lang="it-IT" dirty="0"/>
-              <a:t>La navbar, con position fixed, va sotto per un utilizzo più comodo e i contenuti sono disposti in verticale. Le icone bianche che prima erano nascoste e l’immagine di profilo nella search bar ora hanno display: </a:t>
-            </a:r>
-            <a:r>
-              <a:rPr lang="it-IT" dirty="0" err="1"/>
-              <a:t>block</a:t>
-            </a:r>
-            <a:r>
-              <a:rPr lang="it-IT" dirty="0"/>
-              <a:t>;</a:t>
-            </a:r>
-          </a:p>
-          <a:p>
-            <a:pPr rtl="0"/>
-            <a:endParaRPr lang="it-IT" dirty="0"/>
-          </a:p>
-        </p:txBody>
-      </p:sp>
-      <p:sp>
-        <p:nvSpPr>
-          <p:cNvPr id="9" name="Segnaposto data 8">
-            <a:extLst>
-              <a:ext uri="{FF2B5EF4-FFF2-40B4-BE49-F238E27FC236}">
-                <a16:creationId xmlns:a16="http://schemas.microsoft.com/office/drawing/2014/main" id="{D45C472E-4078-40A0-83A2-652E8356EDCB}"/>
-              </a:ext>
-            </a:extLst>
-          </p:cNvPr>
-          <p:cNvSpPr>
-            <a:spLocks noGrp="1"/>
-          </p:cNvSpPr>
-          <p:nvPr>
-            <p:ph type="dt" sz="half" idx="10"/>
-          </p:nvPr>
-        </p:nvSpPr>
-        <p:spPr>
-          <a:xfrm>
-            <a:off x="838200" y="6356350"/>
-            <a:ext cx="2743200" cy="365125"/>
-          </a:xfrm>
-        </p:spPr>
-        <p:txBody>
-          <a:bodyPr rtlCol="0" anchor="ctr">
-            <a:normAutofit/>
-          </a:bodyPr>
-          <a:lstStyle/>
-          <a:p>
-            <a:pPr rtl="0">
-              <a:spcAft>
-                <a:spcPts val="600"/>
-              </a:spcAft>
-            </a:pPr>
-            <a:r>
-              <a:rPr lang="it-IT" dirty="0"/>
-              <a:t>Sito Tablet</a:t>
-            </a:r>
-          </a:p>
-        </p:txBody>
-      </p:sp>
-      <p:sp>
-        <p:nvSpPr>
-          <p:cNvPr id="10" name="Segnaposto piè di pagina 9">
-            <a:extLst>
-              <a:ext uri="{FF2B5EF4-FFF2-40B4-BE49-F238E27FC236}">
-                <a16:creationId xmlns:a16="http://schemas.microsoft.com/office/drawing/2014/main" id="{A8C7C3A0-5E78-49C8-B8D4-F3DF62B2BC93}"/>
+              <a:t>Footer</a:t>
+            </a:r>
+          </a:p>
+        </p:txBody>
+      </p:sp>
+      <p:sp>
+        <p:nvSpPr>
+          <p:cNvPr id="6" name="Segnaposto piè di pagina 5">
+            <a:extLst>
+              <a:ext uri="{FF2B5EF4-FFF2-40B4-BE49-F238E27FC236}">
+                <a16:creationId xmlns:a16="http://schemas.microsoft.com/office/drawing/2014/main" id="{6C749850-EB3B-4D69-B97A-C893450ADE67}"/>
               </a:ext>
             </a:extLst>
           </p:cNvPr>
@@ -12538,19 +12412,12 @@
             <p:ph type="ftr" sz="quarter" idx="11"/>
           </p:nvPr>
         </p:nvSpPr>
-        <p:spPr>
-          <a:xfrm>
-            <a:off x="4038600" y="6356350"/>
-            <a:ext cx="4114800" cy="365125"/>
-          </a:xfrm>
-        </p:spPr>
-        <p:txBody>
-          <a:bodyPr rtlCol="0" anchor="ctr">
-            <a:normAutofit/>
-          </a:bodyPr>
+        <p:spPr/>
+        <p:txBody>
+          <a:bodyPr/>
           <a:lstStyle/>
           <a:p>
-            <a:pPr rtl="0">
+            <a:pPr algn="l" rtl="0">
               <a:spcAft>
                 <a:spcPts val="600"/>
               </a:spcAft>
@@ -12564,10 +12431,10 @@
       </p:sp>
       <p:sp>
         <p:nvSpPr>
-          <p:cNvPr id="11" name="Segnaposto numero diapositiva 10">
-            <a:extLst>
-              <a:ext uri="{FF2B5EF4-FFF2-40B4-BE49-F238E27FC236}">
-                <a16:creationId xmlns:a16="http://schemas.microsoft.com/office/drawing/2014/main" id="{56AE2454-CE9A-4A6B-AB5A-349E0D967654}"/>
+          <p:cNvPr id="7" name="Segnaposto numero diapositiva 6">
+            <a:extLst>
+              <a:ext uri="{FF2B5EF4-FFF2-40B4-BE49-F238E27FC236}">
+                <a16:creationId xmlns:a16="http://schemas.microsoft.com/office/drawing/2014/main" id="{2AC01978-DF16-45D2-B13C-7E6C03356894}"/>
               </a:ext>
             </a:extLst>
           </p:cNvPr>
@@ -12578,42 +12445,56 @@
             <p:ph type="sldNum" sz="quarter" idx="12"/>
           </p:nvPr>
         </p:nvSpPr>
-        <p:spPr>
-          <a:xfrm>
-            <a:off x="8610600" y="6356350"/>
-            <a:ext cx="2743200" cy="365125"/>
-          </a:xfrm>
-        </p:spPr>
-        <p:txBody>
-          <a:bodyPr rtlCol="0" anchor="ctr">
-            <a:normAutofit/>
-          </a:bodyPr>
+        <p:spPr/>
+        <p:txBody>
+          <a:bodyPr/>
           <a:lstStyle/>
           <a:p>
-            <a:pPr rtl="0">
-              <a:spcAft>
-                <a:spcPts val="600"/>
-              </a:spcAft>
-            </a:pPr>
+            <a:pPr rtl="0"/>
             <a:fld id="{D8DA9DAA-006C-4F4B-980E-E3DF019B24E2}" type="slidenum">
-              <a:rPr lang="it-IT" smtClean="0"/>
-              <a:pPr rtl="0">
-                <a:spcAft>
-                  <a:spcPts val="600"/>
-                </a:spcAft>
-              </a:pPr>
+              <a:rPr lang="it-IT" noProof="0" smtClean="0"/>
+              <a:pPr rtl="0"/>
               <a:t>10</a:t>
             </a:fld>
-            <a:endParaRPr lang="it-IT" dirty="0"/>
-          </a:p>
-        </p:txBody>
-      </p:sp>
+            <a:endParaRPr lang="it-IT" noProof="0" dirty="0"/>
+          </a:p>
+        </p:txBody>
+      </p:sp>
+      <p:pic>
+        <p:nvPicPr>
+          <p:cNvPr id="13" name="Segnaposto contenuto 12" descr="Immagine che contiene testo, monitor, schermo, televisione&#10;&#10;Descrizione generata automaticamente">
+            <a:extLst>
+              <a:ext uri="{FF2B5EF4-FFF2-40B4-BE49-F238E27FC236}">
+                <a16:creationId xmlns:a16="http://schemas.microsoft.com/office/drawing/2014/main" id="{06841D5A-C251-4527-A508-E62DFDE249AC}"/>
+              </a:ext>
+            </a:extLst>
+          </p:cNvPr>
+          <p:cNvPicPr>
+            <a:picLocks noGrp="1" noChangeAspect="1"/>
+          </p:cNvPicPr>
+          <p:nvPr>
+            <p:ph idx="1"/>
+          </p:nvPr>
+        </p:nvPicPr>
+        <p:blipFill>
+          <a:blip r:embed="rId2"/>
+          <a:stretch>
+            <a:fillRect/>
+          </a:stretch>
+        </p:blipFill>
+        <p:spPr>
+          <a:xfrm>
+            <a:off x="182035" y="3316872"/>
+            <a:ext cx="11827929" cy="2095534"/>
+          </a:xfrm>
+        </p:spPr>
+      </p:pic>
       <p:cxnSp>
         <p:nvCxnSpPr>
-          <p:cNvPr id="28" name="Connettore 2 27">
-            <a:extLst>
-              <a:ext uri="{FF2B5EF4-FFF2-40B4-BE49-F238E27FC236}">
-                <a16:creationId xmlns:a16="http://schemas.microsoft.com/office/drawing/2014/main" id="{07BD8037-3A50-4402-8BB6-5BAD418C0247}"/>
+          <p:cNvPr id="15" name="Connettore 2 14">
+            <a:extLst>
+              <a:ext uri="{FF2B5EF4-FFF2-40B4-BE49-F238E27FC236}">
+                <a16:creationId xmlns:a16="http://schemas.microsoft.com/office/drawing/2014/main" id="{D5732477-CC8C-4E7D-9049-DA0FD7D1CE3C}"/>
               </a:ext>
             </a:extLst>
           </p:cNvPr>
@@ -12624,77 +12505,43 @@
         </p:nvCxnSpPr>
         <p:spPr>
           <a:xfrm>
-            <a:off x="5504177" y="574956"/>
-            <a:ext cx="0" cy="1624084"/>
+            <a:off x="373422" y="4869712"/>
+            <a:ext cx="0" cy="526285"/>
           </a:xfrm>
           <a:prstGeom prst="straightConnector1">
             <a:avLst/>
           </a:prstGeom>
-          <a:ln>
-            <a:headEnd type="triangle"/>
-            <a:tailEnd type="triangle"/>
+          <a:ln w="9525" cap="flat" cmpd="sng" algn="ctr">
+            <a:solidFill>
+              <a:schemeClr val="bg1"/>
+            </a:solidFill>
+            <a:prstDash val="dash"/>
+            <a:round/>
+            <a:headEnd type="none" w="med" len="med"/>
+            <a:tailEnd type="none" w="med" len="med"/>
           </a:ln>
         </p:spPr>
         <p:style>
-          <a:lnRef idx="1">
-            <a:schemeClr val="accent1"/>
+          <a:lnRef idx="0">
+            <a:scrgbClr r="0" g="0" b="0"/>
           </a:lnRef>
           <a:fillRef idx="0">
-            <a:schemeClr val="accent1"/>
+            <a:scrgbClr r="0" g="0" b="0"/>
           </a:fillRef>
           <a:effectRef idx="0">
-            <a:schemeClr val="accent1"/>
+            <a:scrgbClr r="0" g="0" b="0"/>
           </a:effectRef>
           <a:fontRef idx="minor">
             <a:schemeClr val="tx1"/>
           </a:fontRef>
         </p:style>
       </p:cxnSp>
-      <p:sp>
-        <p:nvSpPr>
-          <p:cNvPr id="32" name="CasellaDiTesto 31">
-            <a:extLst>
-              <a:ext uri="{FF2B5EF4-FFF2-40B4-BE49-F238E27FC236}">
-                <a16:creationId xmlns:a16="http://schemas.microsoft.com/office/drawing/2014/main" id="{3068ECC0-A0FE-4E1C-8B35-10AF25C28256}"/>
-              </a:ext>
-            </a:extLst>
-          </p:cNvPr>
-          <p:cNvSpPr txBox="1"/>
-          <p:nvPr/>
-        </p:nvSpPr>
-        <p:spPr>
-          <a:xfrm rot="16200000">
-            <a:off x="4815663" y="1387683"/>
-            <a:ext cx="710451" cy="369332"/>
-          </a:xfrm>
-          <a:prstGeom prst="rect">
-            <a:avLst/>
-          </a:prstGeom>
-          <a:noFill/>
-        </p:spPr>
-        <p:txBody>
-          <a:bodyPr wrap="none" rtlCol="0">
-            <a:spAutoFit/>
-          </a:bodyPr>
-          <a:lstStyle/>
-          <a:p>
-            <a:r>
-              <a:rPr lang="it-IT" dirty="0">
-                <a:solidFill>
-                  <a:schemeClr val="accent1"/>
-                </a:solidFill>
-              </a:rPr>
-              <a:t>30vh</a:t>
-            </a:r>
-          </a:p>
-        </p:txBody>
-      </p:sp>
       <p:cxnSp>
         <p:nvCxnSpPr>
-          <p:cNvPr id="37" name="Connettore 2 36">
-            <a:extLst>
-              <a:ext uri="{FF2B5EF4-FFF2-40B4-BE49-F238E27FC236}">
-                <a16:creationId xmlns:a16="http://schemas.microsoft.com/office/drawing/2014/main" id="{15436DC5-2D1B-4B2B-A03F-4237181501A5}"/>
+          <p:cNvPr id="18" name="Connettore 2 17">
+            <a:extLst>
+              <a:ext uri="{FF2B5EF4-FFF2-40B4-BE49-F238E27FC236}">
+                <a16:creationId xmlns:a16="http://schemas.microsoft.com/office/drawing/2014/main" id="{1BDEEC68-B8D2-4D3B-89A5-C82B2A978AEB}"/>
               </a:ext>
             </a:extLst>
           </p:cNvPr>
@@ -12705,77 +12552,43 @@
         </p:nvCxnSpPr>
         <p:spPr>
           <a:xfrm>
-            <a:off x="6020463" y="1826217"/>
-            <a:ext cx="5565948" cy="0"/>
+            <a:off x="11818577" y="4886121"/>
+            <a:ext cx="0" cy="526285"/>
           </a:xfrm>
           <a:prstGeom prst="straightConnector1">
             <a:avLst/>
           </a:prstGeom>
-          <a:ln>
-            <a:headEnd type="triangle"/>
-            <a:tailEnd type="triangle"/>
+          <a:ln w="9525" cap="flat" cmpd="sng" algn="ctr">
+            <a:solidFill>
+              <a:schemeClr val="bg1"/>
+            </a:solidFill>
+            <a:prstDash val="dash"/>
+            <a:round/>
+            <a:headEnd type="none" w="med" len="med"/>
+            <a:tailEnd type="none" w="med" len="med"/>
           </a:ln>
         </p:spPr>
         <p:style>
-          <a:lnRef idx="3">
-            <a:schemeClr val="accent4"/>
+          <a:lnRef idx="0">
+            <a:scrgbClr r="0" g="0" b="0"/>
           </a:lnRef>
           <a:fillRef idx="0">
-            <a:schemeClr val="accent4"/>
+            <a:scrgbClr r="0" g="0" b="0"/>
           </a:fillRef>
-          <a:effectRef idx="2">
-            <a:schemeClr val="accent4"/>
+          <a:effectRef idx="0">
+            <a:scrgbClr r="0" g="0" b="0"/>
           </a:effectRef>
           <a:fontRef idx="minor">
             <a:schemeClr val="tx1"/>
           </a:fontRef>
         </p:style>
       </p:cxnSp>
-      <p:sp>
-        <p:nvSpPr>
-          <p:cNvPr id="38" name="CasellaDiTesto 37">
-            <a:extLst>
-              <a:ext uri="{FF2B5EF4-FFF2-40B4-BE49-F238E27FC236}">
-                <a16:creationId xmlns:a16="http://schemas.microsoft.com/office/drawing/2014/main" id="{A1CEF3B4-4135-4A37-A82C-AFEAC946E74A}"/>
-              </a:ext>
-            </a:extLst>
-          </p:cNvPr>
-          <p:cNvSpPr txBox="1"/>
-          <p:nvPr/>
-        </p:nvSpPr>
-        <p:spPr>
-          <a:xfrm>
-            <a:off x="9438461" y="1672328"/>
-            <a:ext cx="543739" cy="307777"/>
-          </a:xfrm>
-          <a:prstGeom prst="rect">
-            <a:avLst/>
-          </a:prstGeom>
-          <a:noFill/>
-        </p:spPr>
-        <p:txBody>
-          <a:bodyPr wrap="none" rtlCol="0">
-            <a:spAutoFit/>
-          </a:bodyPr>
-          <a:lstStyle/>
-          <a:p>
-            <a:r>
-              <a:rPr lang="it-IT" sz="1400" b="1" dirty="0">
-                <a:highlight>
-                  <a:srgbClr val="FF9022"/>
-                </a:highlight>
-              </a:rPr>
-              <a:t>90%</a:t>
-            </a:r>
-          </a:p>
-        </p:txBody>
-      </p:sp>
       <p:cxnSp>
         <p:nvCxnSpPr>
-          <p:cNvPr id="47" name="Connettore 2 46">
-            <a:extLst>
-              <a:ext uri="{FF2B5EF4-FFF2-40B4-BE49-F238E27FC236}">
-                <a16:creationId xmlns:a16="http://schemas.microsoft.com/office/drawing/2014/main" id="{CF1862BC-E43F-4B12-BBA5-9402E84F1B22}"/>
+          <p:cNvPr id="20" name="Connettore 2 19">
+            <a:extLst>
+              <a:ext uri="{FF2B5EF4-FFF2-40B4-BE49-F238E27FC236}">
+                <a16:creationId xmlns:a16="http://schemas.microsoft.com/office/drawing/2014/main" id="{FE901111-A9C1-4D42-A967-9204E9C89883}"/>
               </a:ext>
             </a:extLst>
           </p:cNvPr>
@@ -12785,94 +12598,20 @@
           <p:nvPr/>
         </p:nvCxnSpPr>
         <p:spPr>
-          <a:xfrm flipV="1">
-            <a:off x="7089780" y="3311291"/>
-            <a:ext cx="0" cy="1299478"/>
+          <a:xfrm>
+            <a:off x="182035" y="4869712"/>
+            <a:ext cx="191387" cy="1"/>
           </a:xfrm>
           <a:prstGeom prst="straightConnector1">
             <a:avLst/>
           </a:prstGeom>
-          <a:ln>
-            <a:headEnd type="triangle"/>
-            <a:tailEnd type="triangle"/>
+          <a:ln w="19050">
+            <a:solidFill>
+              <a:schemeClr val="bg1"/>
+            </a:solidFill>
+            <a:headEnd type="triangle" w="med" len="sm"/>
+            <a:tailEnd type="triangle" w="med" len="sm"/>
           </a:ln>
-        </p:spPr>
-        <p:style>
-          <a:lnRef idx="1">
-            <a:schemeClr val="accent1"/>
-          </a:lnRef>
-          <a:fillRef idx="0">
-            <a:schemeClr val="accent1"/>
-          </a:fillRef>
-          <a:effectRef idx="0">
-            <a:schemeClr val="accent1"/>
-          </a:effectRef>
-          <a:fontRef idx="minor">
-            <a:schemeClr val="tx1"/>
-          </a:fontRef>
-        </p:style>
-      </p:cxnSp>
-      <p:sp>
-        <p:nvSpPr>
-          <p:cNvPr id="50" name="CasellaDiTesto 49">
-            <a:extLst>
-              <a:ext uri="{FF2B5EF4-FFF2-40B4-BE49-F238E27FC236}">
-                <a16:creationId xmlns:a16="http://schemas.microsoft.com/office/drawing/2014/main" id="{32DFA62A-3799-42BB-8AEC-46127C011F05}"/>
-              </a:ext>
-            </a:extLst>
-          </p:cNvPr>
-          <p:cNvSpPr txBox="1"/>
-          <p:nvPr/>
-        </p:nvSpPr>
-        <p:spPr>
-          <a:xfrm rot="16200000">
-            <a:off x="6687262" y="3892697"/>
-            <a:ext cx="506870" cy="261610"/>
-          </a:xfrm>
-          <a:prstGeom prst="rect">
-            <a:avLst/>
-          </a:prstGeom>
-          <a:noFill/>
-        </p:spPr>
-        <p:txBody>
-          <a:bodyPr wrap="none" rtlCol="0">
-            <a:spAutoFit/>
-          </a:bodyPr>
-          <a:lstStyle/>
-          <a:p>
-            <a:r>
-              <a:rPr lang="it-IT" sz="1100" dirty="0">
-                <a:solidFill>
-                  <a:schemeClr val="accent1"/>
-                </a:solidFill>
-              </a:rPr>
-              <a:t>24vh</a:t>
-            </a:r>
-          </a:p>
-        </p:txBody>
-      </p:sp>
-      <p:cxnSp>
-        <p:nvCxnSpPr>
-          <p:cNvPr id="59" name="Connettore diritto 58">
-            <a:extLst>
-              <a:ext uri="{FF2B5EF4-FFF2-40B4-BE49-F238E27FC236}">
-                <a16:creationId xmlns:a16="http://schemas.microsoft.com/office/drawing/2014/main" id="{C835894B-D52D-4CDE-94DD-38610852433D}"/>
-              </a:ext>
-            </a:extLst>
-          </p:cNvPr>
-          <p:cNvCxnSpPr>
-            <a:cxnSpLocks/>
-          </p:cNvCxnSpPr>
-          <p:nvPr/>
-        </p:nvCxnSpPr>
-        <p:spPr>
-          <a:xfrm flipH="1">
-            <a:off x="5849686" y="3129154"/>
-            <a:ext cx="5628081" cy="0"/>
-          </a:xfrm>
-          <a:prstGeom prst="line">
-            <a:avLst/>
-          </a:prstGeom>
         </p:spPr>
         <p:style>
           <a:lnRef idx="1">
@@ -12891,10 +12630,10 @@
       </p:cxnSp>
       <p:cxnSp>
         <p:nvCxnSpPr>
-          <p:cNvPr id="61" name="Connettore 2 60">
-            <a:extLst>
-              <a:ext uri="{FF2B5EF4-FFF2-40B4-BE49-F238E27FC236}">
-                <a16:creationId xmlns:a16="http://schemas.microsoft.com/office/drawing/2014/main" id="{FD301A18-D48E-488C-8A44-F430B2E3DB9B}"/>
+          <p:cNvPr id="22" name="Connettore 2 21">
+            <a:extLst>
+              <a:ext uri="{FF2B5EF4-FFF2-40B4-BE49-F238E27FC236}">
+                <a16:creationId xmlns:a16="http://schemas.microsoft.com/office/drawing/2014/main" id="{B4888AA4-7A3B-4565-A5E4-A15EFE6DC0B3}"/>
               </a:ext>
             </a:extLst>
           </p:cNvPr>
@@ -12904,16 +12643,19 @@
           <p:nvPr/>
         </p:nvCxnSpPr>
         <p:spPr>
-          <a:xfrm flipV="1">
-            <a:off x="5900292" y="3129155"/>
-            <a:ext cx="0" cy="1788694"/>
+          <a:xfrm>
+            <a:off x="11818577" y="4886121"/>
+            <a:ext cx="191387" cy="1"/>
           </a:xfrm>
           <a:prstGeom prst="straightConnector1">
             <a:avLst/>
           </a:prstGeom>
-          <a:ln>
-            <a:headEnd type="triangle"/>
-            <a:tailEnd type="triangle"/>
+          <a:ln w="19050">
+            <a:solidFill>
+              <a:schemeClr val="bg1"/>
+            </a:solidFill>
+            <a:headEnd type="triangle" w="med" len="sm"/>
+            <a:tailEnd type="triangle" w="med" len="sm"/>
           </a:ln>
         </p:spPr>
         <p:style>
@@ -12933,10 +12675,10 @@
       </p:cxnSp>
       <p:sp>
         <p:nvSpPr>
-          <p:cNvPr id="65" name="CasellaDiTesto 64">
-            <a:extLst>
-              <a:ext uri="{FF2B5EF4-FFF2-40B4-BE49-F238E27FC236}">
-                <a16:creationId xmlns:a16="http://schemas.microsoft.com/office/drawing/2014/main" id="{FE7D3015-F5D0-4377-BB0E-702B8BBB744E}"/>
+          <p:cNvPr id="23" name="CasellaDiTesto 22">
+            <a:extLst>
+              <a:ext uri="{FF2B5EF4-FFF2-40B4-BE49-F238E27FC236}">
+                <a16:creationId xmlns:a16="http://schemas.microsoft.com/office/drawing/2014/main" id="{1AAE6728-7E2C-4603-8347-CDC52EE393A3}"/>
               </a:ext>
             </a:extLst>
           </p:cNvPr>
@@ -12944,9 +12686,9 @@
           <p:nvPr/>
         </p:nvSpPr>
         <p:spPr>
-          <a:xfrm rot="16200000">
-            <a:off x="5494732" y="3557561"/>
-            <a:ext cx="534121" cy="276999"/>
+          <a:xfrm>
+            <a:off x="230321" y="4516789"/>
+            <a:ext cx="710451" cy="369332"/>
           </a:xfrm>
           <a:prstGeom prst="rect">
             <a:avLst/>
@@ -12960,39 +12702,79 @@
           <a:lstStyle/>
           <a:p>
             <a:r>
-              <a:rPr lang="it-IT" sz="1200" dirty="0">
+              <a:rPr lang="it-IT" dirty="0">
                 <a:solidFill>
-                  <a:schemeClr val="accent1"/>
+                  <a:schemeClr val="bg1"/>
                 </a:solidFill>
               </a:rPr>
-              <a:t>30vh</a:t>
+              <a:t>24px</a:t>
+            </a:r>
+          </a:p>
+        </p:txBody>
+      </p:sp>
+      <p:sp>
+        <p:nvSpPr>
+          <p:cNvPr id="24" name="CasellaDiTesto 23">
+            <a:extLst>
+              <a:ext uri="{FF2B5EF4-FFF2-40B4-BE49-F238E27FC236}">
+                <a16:creationId xmlns:a16="http://schemas.microsoft.com/office/drawing/2014/main" id="{CEE6FA87-0FB0-4450-99C9-625A9450E3CD}"/>
+              </a:ext>
+            </a:extLst>
+          </p:cNvPr>
+          <p:cNvSpPr txBox="1"/>
+          <p:nvPr/>
+        </p:nvSpPr>
+        <p:spPr>
+          <a:xfrm>
+            <a:off x="11251228" y="4516789"/>
+            <a:ext cx="710451" cy="369332"/>
+          </a:xfrm>
+          <a:prstGeom prst="rect">
+            <a:avLst/>
+          </a:prstGeom>
+          <a:noFill/>
+        </p:spPr>
+        <p:txBody>
+          <a:bodyPr wrap="none" rtlCol="0">
+            <a:spAutoFit/>
+          </a:bodyPr>
+          <a:lstStyle/>
+          <a:p>
+            <a:r>
+              <a:rPr lang="it-IT" dirty="0">
+                <a:solidFill>
+                  <a:schemeClr val="bg1"/>
+                </a:solidFill>
+              </a:rPr>
+              <a:t>24px</a:t>
             </a:r>
           </a:p>
         </p:txBody>
       </p:sp>
       <p:cxnSp>
         <p:nvCxnSpPr>
-          <p:cNvPr id="70" name="Connettore 2 69">
-            <a:extLst>
-              <a:ext uri="{FF2B5EF4-FFF2-40B4-BE49-F238E27FC236}">
-                <a16:creationId xmlns:a16="http://schemas.microsoft.com/office/drawing/2014/main" id="{5CC05CE4-6AAC-48CE-9807-0F5B9F273DC4}"/>
-              </a:ext>
-            </a:extLst>
-          </p:cNvPr>
-          <p:cNvCxnSpPr>
-            <a:cxnSpLocks/>
-          </p:cNvCxnSpPr>
+          <p:cNvPr id="26" name="Connettore 2 25">
+            <a:extLst>
+              <a:ext uri="{FF2B5EF4-FFF2-40B4-BE49-F238E27FC236}">
+                <a16:creationId xmlns:a16="http://schemas.microsoft.com/office/drawing/2014/main" id="{C580ABFF-C7FC-4EB2-BE18-0CD1DB8A985D}"/>
+              </a:ext>
+            </a:extLst>
+          </p:cNvPr>
+          <p:cNvCxnSpPr/>
           <p:nvPr/>
         </p:nvCxnSpPr>
         <p:spPr>
-          <a:xfrm flipH="1" flipV="1">
-            <a:off x="5761793" y="5666872"/>
-            <a:ext cx="5043" cy="438960"/>
+          <a:xfrm>
+            <a:off x="1219200" y="5149263"/>
+            <a:ext cx="6256421" cy="0"/>
           </a:xfrm>
           <a:prstGeom prst="straightConnector1">
             <a:avLst/>
           </a:prstGeom>
           <a:ln>
+            <a:solidFill>
+              <a:schemeClr val="bg1"/>
+            </a:solidFill>
             <a:headEnd type="triangle"/>
             <a:tailEnd type="triangle"/>
           </a:ln>
@@ -13012,88 +12794,12 @@
           </a:fontRef>
         </p:style>
       </p:cxnSp>
-      <p:cxnSp>
-        <p:nvCxnSpPr>
-          <p:cNvPr id="75" name="Connettore diritto 74">
-            <a:extLst>
-              <a:ext uri="{FF2B5EF4-FFF2-40B4-BE49-F238E27FC236}">
-                <a16:creationId xmlns:a16="http://schemas.microsoft.com/office/drawing/2014/main" id="{54E45016-B5BE-4620-B57C-7CEEEBF94771}"/>
-              </a:ext>
-            </a:extLst>
-          </p:cNvPr>
-          <p:cNvCxnSpPr>
-            <a:cxnSpLocks/>
-          </p:cNvCxnSpPr>
-          <p:nvPr/>
-        </p:nvCxnSpPr>
-        <p:spPr>
-          <a:xfrm flipH="1">
-            <a:off x="5659849" y="5666872"/>
-            <a:ext cx="360614" cy="0"/>
-          </a:xfrm>
-          <a:prstGeom prst="line">
-            <a:avLst/>
-          </a:prstGeom>
-        </p:spPr>
-        <p:style>
-          <a:lnRef idx="1">
-            <a:schemeClr val="accent1"/>
-          </a:lnRef>
-          <a:fillRef idx="0">
-            <a:schemeClr val="accent1"/>
-          </a:fillRef>
-          <a:effectRef idx="0">
-            <a:schemeClr val="accent1"/>
-          </a:effectRef>
-          <a:fontRef idx="minor">
-            <a:schemeClr val="tx1"/>
-          </a:fontRef>
-        </p:style>
-      </p:cxnSp>
-      <p:cxnSp>
-        <p:nvCxnSpPr>
-          <p:cNvPr id="76" name="Connettore diritto 75">
-            <a:extLst>
-              <a:ext uri="{FF2B5EF4-FFF2-40B4-BE49-F238E27FC236}">
-                <a16:creationId xmlns:a16="http://schemas.microsoft.com/office/drawing/2014/main" id="{B06937A9-501E-494F-9CFF-62BA24F443A9}"/>
-              </a:ext>
-            </a:extLst>
-          </p:cNvPr>
-          <p:cNvCxnSpPr>
-            <a:cxnSpLocks/>
-          </p:cNvCxnSpPr>
-          <p:nvPr/>
-        </p:nvCxnSpPr>
-        <p:spPr>
-          <a:xfrm flipH="1">
-            <a:off x="5659849" y="6119933"/>
-            <a:ext cx="379675" cy="0"/>
-          </a:xfrm>
-          <a:prstGeom prst="line">
-            <a:avLst/>
-          </a:prstGeom>
-        </p:spPr>
-        <p:style>
-          <a:lnRef idx="1">
-            <a:schemeClr val="accent1"/>
-          </a:lnRef>
-          <a:fillRef idx="0">
-            <a:schemeClr val="accent1"/>
-          </a:fillRef>
-          <a:effectRef idx="0">
-            <a:schemeClr val="accent1"/>
-          </a:effectRef>
-          <a:fontRef idx="minor">
-            <a:schemeClr val="tx1"/>
-          </a:fontRef>
-        </p:style>
-      </p:cxnSp>
-      <p:sp>
-        <p:nvSpPr>
-          <p:cNvPr id="79" name="CasellaDiTesto 78">
-            <a:extLst>
-              <a:ext uri="{FF2B5EF4-FFF2-40B4-BE49-F238E27FC236}">
-                <a16:creationId xmlns:a16="http://schemas.microsoft.com/office/drawing/2014/main" id="{BA660AC2-1B5E-4C43-8600-504A009F1541}"/>
+      <p:sp>
+        <p:nvSpPr>
+          <p:cNvPr id="27" name="CasellaDiTesto 26">
+            <a:extLst>
+              <a:ext uri="{FF2B5EF4-FFF2-40B4-BE49-F238E27FC236}">
+                <a16:creationId xmlns:a16="http://schemas.microsoft.com/office/drawing/2014/main" id="{B41C3BA1-3967-48BB-9AD5-C53041463469}"/>
               </a:ext>
             </a:extLst>
           </p:cNvPr>
@@ -13102,8 +12808,8 @@
         </p:nvSpPr>
         <p:spPr>
           <a:xfrm>
-            <a:off x="5733719" y="5732463"/>
-            <a:ext cx="444352" cy="307777"/>
+            <a:off x="3013329" y="4701455"/>
+            <a:ext cx="1864613" cy="369332"/>
           </a:xfrm>
           <a:prstGeom prst="rect">
             <a:avLst/>
@@ -13117,102 +12823,22 @@
           <a:lstStyle/>
           <a:p>
             <a:r>
-              <a:rPr lang="it-IT" sz="1400" dirty="0">
+              <a:rPr lang="it-IT" dirty="0">
                 <a:solidFill>
-                  <a:schemeClr val="accent1"/>
+                  <a:schemeClr val="bg1"/>
                 </a:solidFill>
               </a:rPr>
-              <a:t>5%</a:t>
-            </a:r>
-          </a:p>
-        </p:txBody>
-      </p:sp>
-      <p:cxnSp>
-        <p:nvCxnSpPr>
-          <p:cNvPr id="88" name="Connettore diritto 87">
-            <a:extLst>
-              <a:ext uri="{FF2B5EF4-FFF2-40B4-BE49-F238E27FC236}">
-                <a16:creationId xmlns:a16="http://schemas.microsoft.com/office/drawing/2014/main" id="{729AA524-34E0-4029-9003-5F51F944192B}"/>
-              </a:ext>
-            </a:extLst>
-          </p:cNvPr>
-          <p:cNvCxnSpPr>
-            <a:cxnSpLocks/>
-          </p:cNvCxnSpPr>
-          <p:nvPr/>
-        </p:nvCxnSpPr>
-        <p:spPr>
-          <a:xfrm flipH="1">
-            <a:off x="5840156" y="4917849"/>
-            <a:ext cx="5628081" cy="0"/>
-          </a:xfrm>
-          <a:prstGeom prst="line">
-            <a:avLst/>
-          </a:prstGeom>
-        </p:spPr>
-        <p:style>
-          <a:lnRef idx="1">
-            <a:schemeClr val="accent1"/>
-          </a:lnRef>
-          <a:fillRef idx="0">
-            <a:schemeClr val="accent1"/>
-          </a:fillRef>
-          <a:effectRef idx="0">
-            <a:schemeClr val="accent1"/>
-          </a:effectRef>
-          <a:fontRef idx="minor">
-            <a:schemeClr val="tx1"/>
-          </a:fontRef>
-        </p:style>
-      </p:cxnSp>
-      <p:cxnSp>
-        <p:nvCxnSpPr>
-          <p:cNvPr id="93" name="Connettore 2 92">
-            <a:extLst>
-              <a:ext uri="{FF2B5EF4-FFF2-40B4-BE49-F238E27FC236}">
-                <a16:creationId xmlns:a16="http://schemas.microsoft.com/office/drawing/2014/main" id="{17D154F1-DF2B-45DE-B5AC-FA7BF794DC3D}"/>
-              </a:ext>
-            </a:extLst>
-          </p:cNvPr>
-          <p:cNvCxnSpPr>
-            <a:cxnSpLocks/>
-          </p:cNvCxnSpPr>
-          <p:nvPr/>
-        </p:nvCxnSpPr>
-        <p:spPr>
-          <a:xfrm flipH="1">
-            <a:off x="7191770" y="4686452"/>
-            <a:ext cx="2348015" cy="0"/>
-          </a:xfrm>
-          <a:prstGeom prst="straightConnector1">
-            <a:avLst/>
-          </a:prstGeom>
-          <a:ln>
-            <a:headEnd type="triangle"/>
-            <a:tailEnd type="triangle"/>
-          </a:ln>
-        </p:spPr>
-        <p:style>
-          <a:lnRef idx="1">
-            <a:schemeClr val="accent1"/>
-          </a:lnRef>
-          <a:fillRef idx="0">
-            <a:schemeClr val="accent1"/>
-          </a:fillRef>
-          <a:effectRef idx="0">
-            <a:schemeClr val="accent1"/>
-          </a:effectRef>
-          <a:fontRef idx="minor">
-            <a:schemeClr val="tx1"/>
-          </a:fontRef>
-        </p:style>
-      </p:cxnSp>
-      <p:sp>
-        <p:nvSpPr>
-          <p:cNvPr id="95" name="CasellaDiTesto 94">
-            <a:extLst>
-              <a:ext uri="{FF2B5EF4-FFF2-40B4-BE49-F238E27FC236}">
-                <a16:creationId xmlns:a16="http://schemas.microsoft.com/office/drawing/2014/main" id="{75230BAF-5F0A-48B2-A32F-27FA817E1E45}"/>
+              <a:t>Space Between</a:t>
+            </a:r>
+          </a:p>
+        </p:txBody>
+      </p:sp>
+      <p:sp>
+        <p:nvSpPr>
+          <p:cNvPr id="28" name="CasellaDiTesto 27">
+            <a:extLst>
+              <a:ext uri="{FF2B5EF4-FFF2-40B4-BE49-F238E27FC236}">
+                <a16:creationId xmlns:a16="http://schemas.microsoft.com/office/drawing/2014/main" id="{66F8DC48-671F-48E4-9497-D79CF5F174B7}"/>
               </a:ext>
             </a:extLst>
           </p:cNvPr>
@@ -13221,8 +12847,8 @@
         </p:nvSpPr>
         <p:spPr>
           <a:xfrm>
-            <a:off x="7943906" y="4654685"/>
-            <a:ext cx="859531" cy="261610"/>
+            <a:off x="940773" y="2166493"/>
+            <a:ext cx="10413028" cy="1015663"/>
           </a:xfrm>
           <a:prstGeom prst="rect">
             <a:avLst/>
@@ -13230,18 +12856,14 @@
           <a:noFill/>
         </p:spPr>
         <p:txBody>
-          <a:bodyPr wrap="none" rtlCol="0">
+          <a:bodyPr wrap="square" rtlCol="0">
             <a:spAutoFit/>
           </a:bodyPr>
           <a:lstStyle/>
           <a:p>
             <a:r>
-              <a:rPr lang="it-IT" sz="1100" dirty="0">
-                <a:solidFill>
-                  <a:schemeClr val="accent1"/>
-                </a:solidFill>
-              </a:rPr>
-              <a:t>24vh*16/9</a:t>
+              <a:rPr lang="it-IT" sz="2000" dirty="0"/>
+              <a:t>Il footer è un flex container con padding 24px e disposizione space between. Il testo ha dimensioni 0.8rem. Contiene 3 link ai miei social e il mio nome, cognome e numero di matricola.</a:t>
             </a:r>
           </a:p>
         </p:txBody>
@@ -13249,7 +12871,7 @@
     </p:spTree>
     <p:extLst>
       <p:ext uri="{BB962C8B-B14F-4D97-AF65-F5344CB8AC3E}">
-        <p14:creationId xmlns:p14="http://schemas.microsoft.com/office/powerpoint/2010/main" val="172881332"/>
+        <p14:creationId xmlns:p14="http://schemas.microsoft.com/office/powerpoint/2010/main" val="3184484411"/>
       </p:ext>
     </p:extLst>
   </p:cSld>
@@ -13305,7 +12927,7 @@
                 </a:solidFill>
                 <a:latin typeface="+mn-lt"/>
               </a:rPr>
-              <a:t>Modalità Mobile</a:t>
+              <a:t>Modalità tablet</a:t>
             </a:r>
             <a:endParaRPr lang="it-IT" dirty="0"/>
           </a:p>
@@ -13348,7 +12970,7 @@
     </p:spTree>
     <p:extLst>
       <p:ext uri="{BB962C8B-B14F-4D97-AF65-F5344CB8AC3E}">
-        <p14:creationId xmlns:p14="http://schemas.microsoft.com/office/powerpoint/2010/main" val="3192554213"/>
+        <p14:creationId xmlns:p14="http://schemas.microsoft.com/office/powerpoint/2010/main" val="312504046"/>
       </p:ext>
     </p:extLst>
   </p:cSld>
@@ -13375,48 +12997,12 @@
           <a:chExt cx="0" cy="0"/>
         </a:xfrm>
       </p:grpSpPr>
-      <p:sp>
-        <p:nvSpPr>
-          <p:cNvPr id="3" name="Titolo 2">
-            <a:extLst>
-              <a:ext uri="{FF2B5EF4-FFF2-40B4-BE49-F238E27FC236}">
-                <a16:creationId xmlns:a16="http://schemas.microsoft.com/office/drawing/2014/main" id="{0115FF41-AFA4-4D25-AB42-AB034F4B4FEC}"/>
-              </a:ext>
-            </a:extLst>
-          </p:cNvPr>
-          <p:cNvSpPr>
-            <a:spLocks noGrp="1"/>
-          </p:cNvSpPr>
-          <p:nvPr>
-            <p:ph type="title"/>
-          </p:nvPr>
-        </p:nvSpPr>
-        <p:spPr>
-          <a:xfrm>
-            <a:off x="839788" y="457200"/>
-            <a:ext cx="3932237" cy="1600200"/>
-          </a:xfrm>
-        </p:spPr>
-        <p:txBody>
-          <a:bodyPr rtlCol="0" anchor="b">
-            <a:normAutofit/>
-          </a:bodyPr>
-          <a:lstStyle/>
-          <a:p>
-            <a:pPr rtl="0"/>
-            <a:r>
-              <a:rPr lang="it-IT" dirty="0"/>
-              <a:t>Modalità Mobile</a:t>
-            </a:r>
-          </a:p>
-        </p:txBody>
-      </p:sp>
       <p:pic>
         <p:nvPicPr>
-          <p:cNvPr id="5" name="Immagine 4">
-            <a:extLst>
-              <a:ext uri="{FF2B5EF4-FFF2-40B4-BE49-F238E27FC236}">
-                <a16:creationId xmlns:a16="http://schemas.microsoft.com/office/drawing/2014/main" id="{920274A3-C636-42AC-9DF8-4A4BC8FF677C}"/>
+          <p:cNvPr id="83" name="Immagine 82">
+            <a:extLst>
+              <a:ext uri="{FF2B5EF4-FFF2-40B4-BE49-F238E27FC236}">
+                <a16:creationId xmlns:a16="http://schemas.microsoft.com/office/drawing/2014/main" id="{6EA5BBD6-9654-48C4-85CD-D2901D600473}"/>
               </a:ext>
             </a:extLst>
           </p:cNvPr>
@@ -13433,15 +13019,50 @@
         </p:blipFill>
         <p:spPr>
           <a:xfrm>
-            <a:off x="6948186" y="245707"/>
-            <a:ext cx="3324827" cy="5732463"/>
+            <a:off x="5659849" y="574956"/>
+            <a:ext cx="6263445" cy="5559079"/>
           </a:xfrm>
           <a:prstGeom prst="rect">
             <a:avLst/>
           </a:prstGeom>
-          <a:noFill/>
         </p:spPr>
       </p:pic>
+      <p:sp>
+        <p:nvSpPr>
+          <p:cNvPr id="3" name="Titolo 2">
+            <a:extLst>
+              <a:ext uri="{FF2B5EF4-FFF2-40B4-BE49-F238E27FC236}">
+                <a16:creationId xmlns:a16="http://schemas.microsoft.com/office/drawing/2014/main" id="{0115FF41-AFA4-4D25-AB42-AB034F4B4FEC}"/>
+              </a:ext>
+            </a:extLst>
+          </p:cNvPr>
+          <p:cNvSpPr>
+            <a:spLocks noGrp="1"/>
+          </p:cNvSpPr>
+          <p:nvPr>
+            <p:ph type="title"/>
+          </p:nvPr>
+        </p:nvSpPr>
+        <p:spPr>
+          <a:xfrm>
+            <a:off x="839789" y="457200"/>
+            <a:ext cx="3335165" cy="1013791"/>
+          </a:xfrm>
+        </p:spPr>
+        <p:txBody>
+          <a:bodyPr rtlCol="0" anchor="b">
+            <a:normAutofit/>
+          </a:bodyPr>
+          <a:lstStyle/>
+          <a:p>
+            <a:pPr rtl="0"/>
+            <a:r>
+              <a:rPr lang="it-IT" dirty="0"/>
+              <a:t>Modalità Tablet</a:t>
+            </a:r>
+          </a:p>
+        </p:txBody>
+      </p:sp>
       <p:sp>
         <p:nvSpPr>
           <p:cNvPr id="4" name="Segnaposto contenuto 3">
@@ -13460,8 +13081,8 @@
         </p:nvSpPr>
         <p:spPr>
           <a:xfrm>
-            <a:off x="839788" y="2057400"/>
-            <a:ext cx="3932237" cy="3811588"/>
+            <a:off x="838200" y="1826216"/>
+            <a:ext cx="3238423" cy="3739297"/>
           </a:xfrm>
         </p:spPr>
         <p:txBody>
@@ -13473,21 +13094,22 @@
             <a:pPr rtl="0"/>
             <a:r>
               <a:rPr lang="it-IT" dirty="0"/>
-              <a:t>La pagina mobile è studiata in modo tale da rendere semplice all’utente il trovare un contenuto ed accedere velocemente alle sezioni del sito.</a:t>
+              <a:t>La pagina tablet è pensata per mantenere un header ampio ma che da più importanza ai contenuti. Le info sull’account vengono inglobate nella search bar che ora contiene l’immagine di profilo.</a:t>
             </a:r>
           </a:p>
           <a:p>
             <a:pPr rtl="0"/>
             <a:r>
               <a:rPr lang="it-IT" dirty="0"/>
-              <a:t>L’header diventa senza immagine di background mostrando solo il minimo indispensabile, ovvero la search bar con l’icona del profilo. La posizione è fixed così come quella della navbar. L’utente può dunque raggiungere i comandi in modo semplice.</a:t>
-            </a:r>
-          </a:p>
-          <a:p>
-            <a:pPr rtl="0"/>
+              <a:t>La navbar, con position fixed, va sotto per un utilizzo più comodo e i contenuti sono disposti in verticale. Le icone bianche che prima erano nascoste e l’immagine di profilo nella search bar ora hanno display: </a:t>
+            </a:r>
+            <a:r>
+              <a:rPr lang="it-IT" dirty="0" err="1"/>
+              <a:t>block</a:t>
+            </a:r>
             <a:r>
               <a:rPr lang="it-IT" dirty="0"/>
-              <a:t>Le card hanno una UI più user-friendly con titolo e creatore in basso, sotto la copertina del video.</a:t>
+              <a:t>;</a:t>
             </a:r>
           </a:p>
           <a:p>
@@ -13531,7 +13153,7 @@
             </a:pPr>
             <a:r>
               <a:rPr lang="it-IT" dirty="0"/>
-              <a:t>Sito MOBILE</a:t>
+              <a:t>Sito Tablet</a:t>
             </a:r>
           </a:p>
         </p:txBody>
@@ -13617,6 +13239,1020 @@
                 </a:spcAft>
               </a:pPr>
               <a:t>12</a:t>
+            </a:fld>
+            <a:endParaRPr lang="it-IT" dirty="0"/>
+          </a:p>
+        </p:txBody>
+      </p:sp>
+      <p:cxnSp>
+        <p:nvCxnSpPr>
+          <p:cNvPr id="28" name="Connettore 2 27">
+            <a:extLst>
+              <a:ext uri="{FF2B5EF4-FFF2-40B4-BE49-F238E27FC236}">
+                <a16:creationId xmlns:a16="http://schemas.microsoft.com/office/drawing/2014/main" id="{07BD8037-3A50-4402-8BB6-5BAD418C0247}"/>
+              </a:ext>
+            </a:extLst>
+          </p:cNvPr>
+          <p:cNvCxnSpPr>
+            <a:cxnSpLocks/>
+          </p:cNvCxnSpPr>
+          <p:nvPr/>
+        </p:nvCxnSpPr>
+        <p:spPr>
+          <a:xfrm>
+            <a:off x="5504177" y="574956"/>
+            <a:ext cx="0" cy="1624084"/>
+          </a:xfrm>
+          <a:prstGeom prst="straightConnector1">
+            <a:avLst/>
+          </a:prstGeom>
+          <a:ln>
+            <a:headEnd type="triangle"/>
+            <a:tailEnd type="triangle"/>
+          </a:ln>
+        </p:spPr>
+        <p:style>
+          <a:lnRef idx="1">
+            <a:schemeClr val="accent1"/>
+          </a:lnRef>
+          <a:fillRef idx="0">
+            <a:schemeClr val="accent1"/>
+          </a:fillRef>
+          <a:effectRef idx="0">
+            <a:schemeClr val="accent1"/>
+          </a:effectRef>
+          <a:fontRef idx="minor">
+            <a:schemeClr val="tx1"/>
+          </a:fontRef>
+        </p:style>
+      </p:cxnSp>
+      <p:sp>
+        <p:nvSpPr>
+          <p:cNvPr id="32" name="CasellaDiTesto 31">
+            <a:extLst>
+              <a:ext uri="{FF2B5EF4-FFF2-40B4-BE49-F238E27FC236}">
+                <a16:creationId xmlns:a16="http://schemas.microsoft.com/office/drawing/2014/main" id="{3068ECC0-A0FE-4E1C-8B35-10AF25C28256}"/>
+              </a:ext>
+            </a:extLst>
+          </p:cNvPr>
+          <p:cNvSpPr txBox="1"/>
+          <p:nvPr/>
+        </p:nvSpPr>
+        <p:spPr>
+          <a:xfrm rot="16200000">
+            <a:off x="4815663" y="1387683"/>
+            <a:ext cx="710451" cy="369332"/>
+          </a:xfrm>
+          <a:prstGeom prst="rect">
+            <a:avLst/>
+          </a:prstGeom>
+          <a:noFill/>
+        </p:spPr>
+        <p:txBody>
+          <a:bodyPr wrap="none" rtlCol="0">
+            <a:spAutoFit/>
+          </a:bodyPr>
+          <a:lstStyle/>
+          <a:p>
+            <a:r>
+              <a:rPr lang="it-IT" dirty="0">
+                <a:solidFill>
+                  <a:schemeClr val="accent1"/>
+                </a:solidFill>
+              </a:rPr>
+              <a:t>30vh</a:t>
+            </a:r>
+          </a:p>
+        </p:txBody>
+      </p:sp>
+      <p:cxnSp>
+        <p:nvCxnSpPr>
+          <p:cNvPr id="37" name="Connettore 2 36">
+            <a:extLst>
+              <a:ext uri="{FF2B5EF4-FFF2-40B4-BE49-F238E27FC236}">
+                <a16:creationId xmlns:a16="http://schemas.microsoft.com/office/drawing/2014/main" id="{15436DC5-2D1B-4B2B-A03F-4237181501A5}"/>
+              </a:ext>
+            </a:extLst>
+          </p:cNvPr>
+          <p:cNvCxnSpPr>
+            <a:cxnSpLocks/>
+          </p:cNvCxnSpPr>
+          <p:nvPr/>
+        </p:nvCxnSpPr>
+        <p:spPr>
+          <a:xfrm>
+            <a:off x="6020463" y="1826217"/>
+            <a:ext cx="5565948" cy="0"/>
+          </a:xfrm>
+          <a:prstGeom prst="straightConnector1">
+            <a:avLst/>
+          </a:prstGeom>
+          <a:ln>
+            <a:headEnd type="triangle"/>
+            <a:tailEnd type="triangle"/>
+          </a:ln>
+        </p:spPr>
+        <p:style>
+          <a:lnRef idx="3">
+            <a:schemeClr val="accent4"/>
+          </a:lnRef>
+          <a:fillRef idx="0">
+            <a:schemeClr val="accent4"/>
+          </a:fillRef>
+          <a:effectRef idx="2">
+            <a:schemeClr val="accent4"/>
+          </a:effectRef>
+          <a:fontRef idx="minor">
+            <a:schemeClr val="tx1"/>
+          </a:fontRef>
+        </p:style>
+      </p:cxnSp>
+      <p:sp>
+        <p:nvSpPr>
+          <p:cNvPr id="38" name="CasellaDiTesto 37">
+            <a:extLst>
+              <a:ext uri="{FF2B5EF4-FFF2-40B4-BE49-F238E27FC236}">
+                <a16:creationId xmlns:a16="http://schemas.microsoft.com/office/drawing/2014/main" id="{A1CEF3B4-4135-4A37-A82C-AFEAC946E74A}"/>
+              </a:ext>
+            </a:extLst>
+          </p:cNvPr>
+          <p:cNvSpPr txBox="1"/>
+          <p:nvPr/>
+        </p:nvSpPr>
+        <p:spPr>
+          <a:xfrm>
+            <a:off x="9438461" y="1672328"/>
+            <a:ext cx="543739" cy="307777"/>
+          </a:xfrm>
+          <a:prstGeom prst="rect">
+            <a:avLst/>
+          </a:prstGeom>
+          <a:noFill/>
+        </p:spPr>
+        <p:txBody>
+          <a:bodyPr wrap="none" rtlCol="0">
+            <a:spAutoFit/>
+          </a:bodyPr>
+          <a:lstStyle/>
+          <a:p>
+            <a:r>
+              <a:rPr lang="it-IT" sz="1400" b="1" dirty="0">
+                <a:highlight>
+                  <a:srgbClr val="FF9022"/>
+                </a:highlight>
+              </a:rPr>
+              <a:t>90%</a:t>
+            </a:r>
+          </a:p>
+        </p:txBody>
+      </p:sp>
+      <p:cxnSp>
+        <p:nvCxnSpPr>
+          <p:cNvPr id="47" name="Connettore 2 46">
+            <a:extLst>
+              <a:ext uri="{FF2B5EF4-FFF2-40B4-BE49-F238E27FC236}">
+                <a16:creationId xmlns:a16="http://schemas.microsoft.com/office/drawing/2014/main" id="{CF1862BC-E43F-4B12-BBA5-9402E84F1B22}"/>
+              </a:ext>
+            </a:extLst>
+          </p:cNvPr>
+          <p:cNvCxnSpPr>
+            <a:cxnSpLocks/>
+          </p:cNvCxnSpPr>
+          <p:nvPr/>
+        </p:nvCxnSpPr>
+        <p:spPr>
+          <a:xfrm flipV="1">
+            <a:off x="7089780" y="3311291"/>
+            <a:ext cx="0" cy="1299478"/>
+          </a:xfrm>
+          <a:prstGeom prst="straightConnector1">
+            <a:avLst/>
+          </a:prstGeom>
+          <a:ln>
+            <a:headEnd type="triangle"/>
+            <a:tailEnd type="triangle"/>
+          </a:ln>
+        </p:spPr>
+        <p:style>
+          <a:lnRef idx="1">
+            <a:schemeClr val="accent1"/>
+          </a:lnRef>
+          <a:fillRef idx="0">
+            <a:schemeClr val="accent1"/>
+          </a:fillRef>
+          <a:effectRef idx="0">
+            <a:schemeClr val="accent1"/>
+          </a:effectRef>
+          <a:fontRef idx="minor">
+            <a:schemeClr val="tx1"/>
+          </a:fontRef>
+        </p:style>
+      </p:cxnSp>
+      <p:sp>
+        <p:nvSpPr>
+          <p:cNvPr id="50" name="CasellaDiTesto 49">
+            <a:extLst>
+              <a:ext uri="{FF2B5EF4-FFF2-40B4-BE49-F238E27FC236}">
+                <a16:creationId xmlns:a16="http://schemas.microsoft.com/office/drawing/2014/main" id="{32DFA62A-3799-42BB-8AEC-46127C011F05}"/>
+              </a:ext>
+            </a:extLst>
+          </p:cNvPr>
+          <p:cNvSpPr txBox="1"/>
+          <p:nvPr/>
+        </p:nvSpPr>
+        <p:spPr>
+          <a:xfrm rot="16200000">
+            <a:off x="6687262" y="3892697"/>
+            <a:ext cx="506870" cy="261610"/>
+          </a:xfrm>
+          <a:prstGeom prst="rect">
+            <a:avLst/>
+          </a:prstGeom>
+          <a:noFill/>
+        </p:spPr>
+        <p:txBody>
+          <a:bodyPr wrap="none" rtlCol="0">
+            <a:spAutoFit/>
+          </a:bodyPr>
+          <a:lstStyle/>
+          <a:p>
+            <a:r>
+              <a:rPr lang="it-IT" sz="1100" dirty="0">
+                <a:solidFill>
+                  <a:schemeClr val="accent1"/>
+                </a:solidFill>
+              </a:rPr>
+              <a:t>24vh</a:t>
+            </a:r>
+          </a:p>
+        </p:txBody>
+      </p:sp>
+      <p:cxnSp>
+        <p:nvCxnSpPr>
+          <p:cNvPr id="59" name="Connettore diritto 58">
+            <a:extLst>
+              <a:ext uri="{FF2B5EF4-FFF2-40B4-BE49-F238E27FC236}">
+                <a16:creationId xmlns:a16="http://schemas.microsoft.com/office/drawing/2014/main" id="{C835894B-D52D-4CDE-94DD-38610852433D}"/>
+              </a:ext>
+            </a:extLst>
+          </p:cNvPr>
+          <p:cNvCxnSpPr>
+            <a:cxnSpLocks/>
+          </p:cNvCxnSpPr>
+          <p:nvPr/>
+        </p:nvCxnSpPr>
+        <p:spPr>
+          <a:xfrm flipH="1">
+            <a:off x="5849686" y="3129154"/>
+            <a:ext cx="5628081" cy="0"/>
+          </a:xfrm>
+          <a:prstGeom prst="line">
+            <a:avLst/>
+          </a:prstGeom>
+        </p:spPr>
+        <p:style>
+          <a:lnRef idx="1">
+            <a:schemeClr val="accent1"/>
+          </a:lnRef>
+          <a:fillRef idx="0">
+            <a:schemeClr val="accent1"/>
+          </a:fillRef>
+          <a:effectRef idx="0">
+            <a:schemeClr val="accent1"/>
+          </a:effectRef>
+          <a:fontRef idx="minor">
+            <a:schemeClr val="tx1"/>
+          </a:fontRef>
+        </p:style>
+      </p:cxnSp>
+      <p:cxnSp>
+        <p:nvCxnSpPr>
+          <p:cNvPr id="61" name="Connettore 2 60">
+            <a:extLst>
+              <a:ext uri="{FF2B5EF4-FFF2-40B4-BE49-F238E27FC236}">
+                <a16:creationId xmlns:a16="http://schemas.microsoft.com/office/drawing/2014/main" id="{FD301A18-D48E-488C-8A44-F430B2E3DB9B}"/>
+              </a:ext>
+            </a:extLst>
+          </p:cNvPr>
+          <p:cNvCxnSpPr>
+            <a:cxnSpLocks/>
+          </p:cNvCxnSpPr>
+          <p:nvPr/>
+        </p:nvCxnSpPr>
+        <p:spPr>
+          <a:xfrm flipV="1">
+            <a:off x="5900292" y="3129155"/>
+            <a:ext cx="0" cy="1788694"/>
+          </a:xfrm>
+          <a:prstGeom prst="straightConnector1">
+            <a:avLst/>
+          </a:prstGeom>
+          <a:ln>
+            <a:headEnd type="triangle"/>
+            <a:tailEnd type="triangle"/>
+          </a:ln>
+        </p:spPr>
+        <p:style>
+          <a:lnRef idx="1">
+            <a:schemeClr val="accent1"/>
+          </a:lnRef>
+          <a:fillRef idx="0">
+            <a:schemeClr val="accent1"/>
+          </a:fillRef>
+          <a:effectRef idx="0">
+            <a:schemeClr val="accent1"/>
+          </a:effectRef>
+          <a:fontRef idx="minor">
+            <a:schemeClr val="tx1"/>
+          </a:fontRef>
+        </p:style>
+      </p:cxnSp>
+      <p:sp>
+        <p:nvSpPr>
+          <p:cNvPr id="65" name="CasellaDiTesto 64">
+            <a:extLst>
+              <a:ext uri="{FF2B5EF4-FFF2-40B4-BE49-F238E27FC236}">
+                <a16:creationId xmlns:a16="http://schemas.microsoft.com/office/drawing/2014/main" id="{FE7D3015-F5D0-4377-BB0E-702B8BBB744E}"/>
+              </a:ext>
+            </a:extLst>
+          </p:cNvPr>
+          <p:cNvSpPr txBox="1"/>
+          <p:nvPr/>
+        </p:nvSpPr>
+        <p:spPr>
+          <a:xfrm rot="16200000">
+            <a:off x="5494732" y="3557561"/>
+            <a:ext cx="534121" cy="276999"/>
+          </a:xfrm>
+          <a:prstGeom prst="rect">
+            <a:avLst/>
+          </a:prstGeom>
+          <a:noFill/>
+        </p:spPr>
+        <p:txBody>
+          <a:bodyPr wrap="none" rtlCol="0">
+            <a:spAutoFit/>
+          </a:bodyPr>
+          <a:lstStyle/>
+          <a:p>
+            <a:r>
+              <a:rPr lang="it-IT" sz="1200" dirty="0">
+                <a:solidFill>
+                  <a:schemeClr val="accent1"/>
+                </a:solidFill>
+              </a:rPr>
+              <a:t>30vh</a:t>
+            </a:r>
+          </a:p>
+        </p:txBody>
+      </p:sp>
+      <p:cxnSp>
+        <p:nvCxnSpPr>
+          <p:cNvPr id="70" name="Connettore 2 69">
+            <a:extLst>
+              <a:ext uri="{FF2B5EF4-FFF2-40B4-BE49-F238E27FC236}">
+                <a16:creationId xmlns:a16="http://schemas.microsoft.com/office/drawing/2014/main" id="{5CC05CE4-6AAC-48CE-9807-0F5B9F273DC4}"/>
+              </a:ext>
+            </a:extLst>
+          </p:cNvPr>
+          <p:cNvCxnSpPr>
+            <a:cxnSpLocks/>
+          </p:cNvCxnSpPr>
+          <p:nvPr/>
+        </p:nvCxnSpPr>
+        <p:spPr>
+          <a:xfrm flipH="1" flipV="1">
+            <a:off x="5761793" y="5666872"/>
+            <a:ext cx="5043" cy="438960"/>
+          </a:xfrm>
+          <a:prstGeom prst="straightConnector1">
+            <a:avLst/>
+          </a:prstGeom>
+          <a:ln>
+            <a:headEnd type="triangle"/>
+            <a:tailEnd type="triangle"/>
+          </a:ln>
+        </p:spPr>
+        <p:style>
+          <a:lnRef idx="1">
+            <a:schemeClr val="accent1"/>
+          </a:lnRef>
+          <a:fillRef idx="0">
+            <a:schemeClr val="accent1"/>
+          </a:fillRef>
+          <a:effectRef idx="0">
+            <a:schemeClr val="accent1"/>
+          </a:effectRef>
+          <a:fontRef idx="minor">
+            <a:schemeClr val="tx1"/>
+          </a:fontRef>
+        </p:style>
+      </p:cxnSp>
+      <p:cxnSp>
+        <p:nvCxnSpPr>
+          <p:cNvPr id="75" name="Connettore diritto 74">
+            <a:extLst>
+              <a:ext uri="{FF2B5EF4-FFF2-40B4-BE49-F238E27FC236}">
+                <a16:creationId xmlns:a16="http://schemas.microsoft.com/office/drawing/2014/main" id="{54E45016-B5BE-4620-B57C-7CEEEBF94771}"/>
+              </a:ext>
+            </a:extLst>
+          </p:cNvPr>
+          <p:cNvCxnSpPr>
+            <a:cxnSpLocks/>
+          </p:cNvCxnSpPr>
+          <p:nvPr/>
+        </p:nvCxnSpPr>
+        <p:spPr>
+          <a:xfrm flipH="1">
+            <a:off x="5659849" y="5666872"/>
+            <a:ext cx="360614" cy="0"/>
+          </a:xfrm>
+          <a:prstGeom prst="line">
+            <a:avLst/>
+          </a:prstGeom>
+        </p:spPr>
+        <p:style>
+          <a:lnRef idx="1">
+            <a:schemeClr val="accent1"/>
+          </a:lnRef>
+          <a:fillRef idx="0">
+            <a:schemeClr val="accent1"/>
+          </a:fillRef>
+          <a:effectRef idx="0">
+            <a:schemeClr val="accent1"/>
+          </a:effectRef>
+          <a:fontRef idx="minor">
+            <a:schemeClr val="tx1"/>
+          </a:fontRef>
+        </p:style>
+      </p:cxnSp>
+      <p:cxnSp>
+        <p:nvCxnSpPr>
+          <p:cNvPr id="76" name="Connettore diritto 75">
+            <a:extLst>
+              <a:ext uri="{FF2B5EF4-FFF2-40B4-BE49-F238E27FC236}">
+                <a16:creationId xmlns:a16="http://schemas.microsoft.com/office/drawing/2014/main" id="{B06937A9-501E-494F-9CFF-62BA24F443A9}"/>
+              </a:ext>
+            </a:extLst>
+          </p:cNvPr>
+          <p:cNvCxnSpPr>
+            <a:cxnSpLocks/>
+          </p:cNvCxnSpPr>
+          <p:nvPr/>
+        </p:nvCxnSpPr>
+        <p:spPr>
+          <a:xfrm flipH="1">
+            <a:off x="5659849" y="6119933"/>
+            <a:ext cx="379675" cy="0"/>
+          </a:xfrm>
+          <a:prstGeom prst="line">
+            <a:avLst/>
+          </a:prstGeom>
+        </p:spPr>
+        <p:style>
+          <a:lnRef idx="1">
+            <a:schemeClr val="accent1"/>
+          </a:lnRef>
+          <a:fillRef idx="0">
+            <a:schemeClr val="accent1"/>
+          </a:fillRef>
+          <a:effectRef idx="0">
+            <a:schemeClr val="accent1"/>
+          </a:effectRef>
+          <a:fontRef idx="minor">
+            <a:schemeClr val="tx1"/>
+          </a:fontRef>
+        </p:style>
+      </p:cxnSp>
+      <p:sp>
+        <p:nvSpPr>
+          <p:cNvPr id="79" name="CasellaDiTesto 78">
+            <a:extLst>
+              <a:ext uri="{FF2B5EF4-FFF2-40B4-BE49-F238E27FC236}">
+                <a16:creationId xmlns:a16="http://schemas.microsoft.com/office/drawing/2014/main" id="{BA660AC2-1B5E-4C43-8600-504A009F1541}"/>
+              </a:ext>
+            </a:extLst>
+          </p:cNvPr>
+          <p:cNvSpPr txBox="1"/>
+          <p:nvPr/>
+        </p:nvSpPr>
+        <p:spPr>
+          <a:xfrm>
+            <a:off x="5733719" y="5732463"/>
+            <a:ext cx="444352" cy="307777"/>
+          </a:xfrm>
+          <a:prstGeom prst="rect">
+            <a:avLst/>
+          </a:prstGeom>
+          <a:noFill/>
+        </p:spPr>
+        <p:txBody>
+          <a:bodyPr wrap="none" rtlCol="0">
+            <a:spAutoFit/>
+          </a:bodyPr>
+          <a:lstStyle/>
+          <a:p>
+            <a:r>
+              <a:rPr lang="it-IT" sz="1400" dirty="0">
+                <a:solidFill>
+                  <a:schemeClr val="accent1"/>
+                </a:solidFill>
+              </a:rPr>
+              <a:t>5%</a:t>
+            </a:r>
+          </a:p>
+        </p:txBody>
+      </p:sp>
+      <p:cxnSp>
+        <p:nvCxnSpPr>
+          <p:cNvPr id="88" name="Connettore diritto 87">
+            <a:extLst>
+              <a:ext uri="{FF2B5EF4-FFF2-40B4-BE49-F238E27FC236}">
+                <a16:creationId xmlns:a16="http://schemas.microsoft.com/office/drawing/2014/main" id="{729AA524-34E0-4029-9003-5F51F944192B}"/>
+              </a:ext>
+            </a:extLst>
+          </p:cNvPr>
+          <p:cNvCxnSpPr>
+            <a:cxnSpLocks/>
+          </p:cNvCxnSpPr>
+          <p:nvPr/>
+        </p:nvCxnSpPr>
+        <p:spPr>
+          <a:xfrm flipH="1">
+            <a:off x="5840156" y="4917849"/>
+            <a:ext cx="5628081" cy="0"/>
+          </a:xfrm>
+          <a:prstGeom prst="line">
+            <a:avLst/>
+          </a:prstGeom>
+        </p:spPr>
+        <p:style>
+          <a:lnRef idx="1">
+            <a:schemeClr val="accent1"/>
+          </a:lnRef>
+          <a:fillRef idx="0">
+            <a:schemeClr val="accent1"/>
+          </a:fillRef>
+          <a:effectRef idx="0">
+            <a:schemeClr val="accent1"/>
+          </a:effectRef>
+          <a:fontRef idx="minor">
+            <a:schemeClr val="tx1"/>
+          </a:fontRef>
+        </p:style>
+      </p:cxnSp>
+      <p:cxnSp>
+        <p:nvCxnSpPr>
+          <p:cNvPr id="93" name="Connettore 2 92">
+            <a:extLst>
+              <a:ext uri="{FF2B5EF4-FFF2-40B4-BE49-F238E27FC236}">
+                <a16:creationId xmlns:a16="http://schemas.microsoft.com/office/drawing/2014/main" id="{17D154F1-DF2B-45DE-B5AC-FA7BF794DC3D}"/>
+              </a:ext>
+            </a:extLst>
+          </p:cNvPr>
+          <p:cNvCxnSpPr>
+            <a:cxnSpLocks/>
+          </p:cNvCxnSpPr>
+          <p:nvPr/>
+        </p:nvCxnSpPr>
+        <p:spPr>
+          <a:xfrm flipH="1">
+            <a:off x="7191770" y="4686452"/>
+            <a:ext cx="2348015" cy="0"/>
+          </a:xfrm>
+          <a:prstGeom prst="straightConnector1">
+            <a:avLst/>
+          </a:prstGeom>
+          <a:ln>
+            <a:headEnd type="triangle"/>
+            <a:tailEnd type="triangle"/>
+          </a:ln>
+        </p:spPr>
+        <p:style>
+          <a:lnRef idx="1">
+            <a:schemeClr val="accent1"/>
+          </a:lnRef>
+          <a:fillRef idx="0">
+            <a:schemeClr val="accent1"/>
+          </a:fillRef>
+          <a:effectRef idx="0">
+            <a:schemeClr val="accent1"/>
+          </a:effectRef>
+          <a:fontRef idx="minor">
+            <a:schemeClr val="tx1"/>
+          </a:fontRef>
+        </p:style>
+      </p:cxnSp>
+      <p:sp>
+        <p:nvSpPr>
+          <p:cNvPr id="95" name="CasellaDiTesto 94">
+            <a:extLst>
+              <a:ext uri="{FF2B5EF4-FFF2-40B4-BE49-F238E27FC236}">
+                <a16:creationId xmlns:a16="http://schemas.microsoft.com/office/drawing/2014/main" id="{75230BAF-5F0A-48B2-A32F-27FA817E1E45}"/>
+              </a:ext>
+            </a:extLst>
+          </p:cNvPr>
+          <p:cNvSpPr txBox="1"/>
+          <p:nvPr/>
+        </p:nvSpPr>
+        <p:spPr>
+          <a:xfrm>
+            <a:off x="7943906" y="4654685"/>
+            <a:ext cx="859531" cy="261610"/>
+          </a:xfrm>
+          <a:prstGeom prst="rect">
+            <a:avLst/>
+          </a:prstGeom>
+          <a:noFill/>
+        </p:spPr>
+        <p:txBody>
+          <a:bodyPr wrap="none" rtlCol="0">
+            <a:spAutoFit/>
+          </a:bodyPr>
+          <a:lstStyle/>
+          <a:p>
+            <a:r>
+              <a:rPr lang="it-IT" sz="1100" dirty="0">
+                <a:solidFill>
+                  <a:schemeClr val="accent1"/>
+                </a:solidFill>
+              </a:rPr>
+              <a:t>24vh*16/9</a:t>
+            </a:r>
+          </a:p>
+        </p:txBody>
+      </p:sp>
+    </p:spTree>
+    <p:extLst>
+      <p:ext uri="{BB962C8B-B14F-4D97-AF65-F5344CB8AC3E}">
+        <p14:creationId xmlns:p14="http://schemas.microsoft.com/office/powerpoint/2010/main" val="172881332"/>
+      </p:ext>
+    </p:extLst>
+  </p:cSld>
+  <p:clrMapOvr>
+    <a:masterClrMapping/>
+  </p:clrMapOvr>
+</p:sld>
+</file>
+
+<file path=ppt/slides/slide13.xml><?xml version="1.0" encoding="utf-8"?>
+<p:sld xmlns:a="http://schemas.openxmlformats.org/drawingml/2006/main" xmlns:r="http://schemas.openxmlformats.org/officeDocument/2006/relationships" xmlns:p="http://schemas.openxmlformats.org/presentationml/2006/main">
+  <p:cSld>
+    <p:spTree>
+      <p:nvGrpSpPr>
+        <p:cNvPr id="1" name=""/>
+        <p:cNvGrpSpPr/>
+        <p:nvPr/>
+      </p:nvGrpSpPr>
+      <p:grpSpPr>
+        <a:xfrm>
+          <a:off x="0" y="0"/>
+          <a:ext cx="0" cy="0"/>
+          <a:chOff x="0" y="0"/>
+          <a:chExt cx="0" cy="0"/>
+        </a:xfrm>
+      </p:grpSpPr>
+      <p:sp>
+        <p:nvSpPr>
+          <p:cNvPr id="2" name="Titolo 1">
+            <a:extLst>
+              <a:ext uri="{FF2B5EF4-FFF2-40B4-BE49-F238E27FC236}">
+                <a16:creationId xmlns:a16="http://schemas.microsoft.com/office/drawing/2014/main" id="{C5F2FB0B-15EC-453B-BC9B-69AD35DDCEA3}"/>
+              </a:ext>
+            </a:extLst>
+          </p:cNvPr>
+          <p:cNvSpPr>
+            <a:spLocks noGrp="1"/>
+          </p:cNvSpPr>
+          <p:nvPr>
+            <p:ph type="ctrTitle"/>
+          </p:nvPr>
+        </p:nvSpPr>
+        <p:spPr/>
+        <p:txBody>
+          <a:bodyPr rtlCol="0"/>
+          <a:lstStyle/>
+          <a:p>
+            <a:pPr rtl="0"/>
+            <a:r>
+              <a:rPr lang="it-IT" b="1" cap="all" spc="400" dirty="0">
+                <a:solidFill>
+                  <a:schemeClr val="bg1"/>
+                </a:solidFill>
+                <a:latin typeface="+mn-lt"/>
+              </a:rPr>
+              <a:t>Modalità Mobile</a:t>
+            </a:r>
+            <a:endParaRPr lang="it-IT" dirty="0"/>
+          </a:p>
+        </p:txBody>
+      </p:sp>
+      <p:sp>
+        <p:nvSpPr>
+          <p:cNvPr id="3" name="Sottotitolo 2">
+            <a:extLst>
+              <a:ext uri="{FF2B5EF4-FFF2-40B4-BE49-F238E27FC236}">
+                <a16:creationId xmlns:a16="http://schemas.microsoft.com/office/drawing/2014/main" id="{05408798-0DB3-46BF-880E-7BB904D700F6}"/>
+              </a:ext>
+            </a:extLst>
+          </p:cNvPr>
+          <p:cNvSpPr>
+            <a:spLocks noGrp="1"/>
+          </p:cNvSpPr>
+          <p:nvPr>
+            <p:ph type="subTitle" idx="1"/>
+          </p:nvPr>
+        </p:nvSpPr>
+        <p:spPr/>
+        <p:txBody>
+          <a:bodyPr rtlCol="0"/>
+          <a:lstStyle/>
+          <a:p>
+            <a:pPr rtl="0"/>
+            <a:r>
+              <a:rPr lang="it-IT" sz="2000" dirty="0">
+                <a:solidFill>
+                  <a:schemeClr val="bg1"/>
+                </a:solidFill>
+              </a:rPr>
+              <a:t>_______________________________________</a:t>
+            </a:r>
+            <a:endParaRPr lang="it-IT" dirty="0"/>
+          </a:p>
+        </p:txBody>
+      </p:sp>
+    </p:spTree>
+    <p:extLst>
+      <p:ext uri="{BB962C8B-B14F-4D97-AF65-F5344CB8AC3E}">
+        <p14:creationId xmlns:p14="http://schemas.microsoft.com/office/powerpoint/2010/main" val="3192554213"/>
+      </p:ext>
+    </p:extLst>
+  </p:cSld>
+  <p:clrMapOvr>
+    <a:masterClrMapping/>
+  </p:clrMapOvr>
+</p:sld>
+</file>
+
+<file path=ppt/slides/slide14.xml><?xml version="1.0" encoding="utf-8"?>
+<p:sld xmlns:a="http://schemas.openxmlformats.org/drawingml/2006/main" xmlns:r="http://schemas.openxmlformats.org/officeDocument/2006/relationships" xmlns:p="http://schemas.openxmlformats.org/presentationml/2006/main">
+  <p:cSld>
+    <p:spTree>
+      <p:nvGrpSpPr>
+        <p:cNvPr id="1" name=""/>
+        <p:cNvGrpSpPr/>
+        <p:nvPr/>
+      </p:nvGrpSpPr>
+      <p:grpSpPr>
+        <a:xfrm>
+          <a:off x="0" y="0"/>
+          <a:ext cx="0" cy="0"/>
+          <a:chOff x="0" y="0"/>
+          <a:chExt cx="0" cy="0"/>
+        </a:xfrm>
+      </p:grpSpPr>
+      <p:sp>
+        <p:nvSpPr>
+          <p:cNvPr id="3" name="Titolo 2">
+            <a:extLst>
+              <a:ext uri="{FF2B5EF4-FFF2-40B4-BE49-F238E27FC236}">
+                <a16:creationId xmlns:a16="http://schemas.microsoft.com/office/drawing/2014/main" id="{0115FF41-AFA4-4D25-AB42-AB034F4B4FEC}"/>
+              </a:ext>
+            </a:extLst>
+          </p:cNvPr>
+          <p:cNvSpPr>
+            <a:spLocks noGrp="1"/>
+          </p:cNvSpPr>
+          <p:nvPr>
+            <p:ph type="title"/>
+          </p:nvPr>
+        </p:nvSpPr>
+        <p:spPr>
+          <a:xfrm>
+            <a:off x="839788" y="457200"/>
+            <a:ext cx="3932237" cy="1600200"/>
+          </a:xfrm>
+        </p:spPr>
+        <p:txBody>
+          <a:bodyPr rtlCol="0" anchor="b">
+            <a:normAutofit/>
+          </a:bodyPr>
+          <a:lstStyle/>
+          <a:p>
+            <a:pPr rtl="0"/>
+            <a:r>
+              <a:rPr lang="it-IT" dirty="0"/>
+              <a:t>Modalità Mobile</a:t>
+            </a:r>
+          </a:p>
+        </p:txBody>
+      </p:sp>
+      <p:pic>
+        <p:nvPicPr>
+          <p:cNvPr id="5" name="Immagine 4">
+            <a:extLst>
+              <a:ext uri="{FF2B5EF4-FFF2-40B4-BE49-F238E27FC236}">
+                <a16:creationId xmlns:a16="http://schemas.microsoft.com/office/drawing/2014/main" id="{920274A3-C636-42AC-9DF8-4A4BC8FF677C}"/>
+              </a:ext>
+            </a:extLst>
+          </p:cNvPr>
+          <p:cNvPicPr>
+            <a:picLocks noChangeAspect="1"/>
+          </p:cNvPicPr>
+          <p:nvPr/>
+        </p:nvPicPr>
+        <p:blipFill>
+          <a:blip r:embed="rId3"/>
+          <a:stretch>
+            <a:fillRect/>
+          </a:stretch>
+        </p:blipFill>
+        <p:spPr>
+          <a:xfrm>
+            <a:off x="6948186" y="245707"/>
+            <a:ext cx="3324827" cy="5732463"/>
+          </a:xfrm>
+          <a:prstGeom prst="rect">
+            <a:avLst/>
+          </a:prstGeom>
+          <a:noFill/>
+        </p:spPr>
+      </p:pic>
+      <p:sp>
+        <p:nvSpPr>
+          <p:cNvPr id="4" name="Segnaposto contenuto 3">
+            <a:extLst>
+              <a:ext uri="{FF2B5EF4-FFF2-40B4-BE49-F238E27FC236}">
+                <a16:creationId xmlns:a16="http://schemas.microsoft.com/office/drawing/2014/main" id="{B0881FA9-F3B0-4912-B0E1-352094195C30}"/>
+              </a:ext>
+            </a:extLst>
+          </p:cNvPr>
+          <p:cNvSpPr>
+            <a:spLocks noGrp="1"/>
+          </p:cNvSpPr>
+          <p:nvPr>
+            <p:ph type="body" sz="half" idx="2"/>
+          </p:nvPr>
+        </p:nvSpPr>
+        <p:spPr>
+          <a:xfrm>
+            <a:off x="839788" y="2057400"/>
+            <a:ext cx="3932237" cy="3811588"/>
+          </a:xfrm>
+        </p:spPr>
+        <p:txBody>
+          <a:bodyPr rtlCol="0">
+            <a:normAutofit/>
+          </a:bodyPr>
+          <a:lstStyle/>
+          <a:p>
+            <a:pPr rtl="0"/>
+            <a:r>
+              <a:rPr lang="it-IT" dirty="0"/>
+              <a:t>La pagina mobile è studiata in modo tale da rendere semplice all’utente il trovare un contenuto ed accedere velocemente alle sezioni del sito.</a:t>
+            </a:r>
+          </a:p>
+          <a:p>
+            <a:pPr rtl="0"/>
+            <a:r>
+              <a:rPr lang="it-IT" dirty="0"/>
+              <a:t>L’header diventa senza immagine di background mostrando solo il minimo indispensabile, ovvero la search bar con l’icona del profilo. La posizione è fixed così come quella della navbar. L’utente può dunque raggiungere i comandi in modo semplice.</a:t>
+            </a:r>
+          </a:p>
+          <a:p>
+            <a:pPr rtl="0"/>
+            <a:r>
+              <a:rPr lang="it-IT" dirty="0"/>
+              <a:t>Le card hanno una UI più user-friendly con titolo e creatore in basso, sotto la copertina del video.</a:t>
+            </a:r>
+          </a:p>
+          <a:p>
+            <a:pPr rtl="0"/>
+            <a:endParaRPr lang="it-IT" dirty="0"/>
+          </a:p>
+        </p:txBody>
+      </p:sp>
+      <p:sp>
+        <p:nvSpPr>
+          <p:cNvPr id="9" name="Segnaposto data 8">
+            <a:extLst>
+              <a:ext uri="{FF2B5EF4-FFF2-40B4-BE49-F238E27FC236}">
+                <a16:creationId xmlns:a16="http://schemas.microsoft.com/office/drawing/2014/main" id="{D45C472E-4078-40A0-83A2-652E8356EDCB}"/>
+              </a:ext>
+            </a:extLst>
+          </p:cNvPr>
+          <p:cNvSpPr>
+            <a:spLocks noGrp="1"/>
+          </p:cNvSpPr>
+          <p:nvPr>
+            <p:ph type="dt" sz="half" idx="10"/>
+          </p:nvPr>
+        </p:nvSpPr>
+        <p:spPr>
+          <a:xfrm>
+            <a:off x="838200" y="6356350"/>
+            <a:ext cx="2743200" cy="365125"/>
+          </a:xfrm>
+        </p:spPr>
+        <p:txBody>
+          <a:bodyPr rtlCol="0" anchor="ctr">
+            <a:normAutofit/>
+          </a:bodyPr>
+          <a:lstStyle/>
+          <a:p>
+            <a:pPr rtl="0">
+              <a:spcAft>
+                <a:spcPts val="600"/>
+              </a:spcAft>
+            </a:pPr>
+            <a:r>
+              <a:rPr lang="it-IT" dirty="0"/>
+              <a:t>Sito MOBILE</a:t>
+            </a:r>
+          </a:p>
+        </p:txBody>
+      </p:sp>
+      <p:sp>
+        <p:nvSpPr>
+          <p:cNvPr id="10" name="Segnaposto piè di pagina 9">
+            <a:extLst>
+              <a:ext uri="{FF2B5EF4-FFF2-40B4-BE49-F238E27FC236}">
+                <a16:creationId xmlns:a16="http://schemas.microsoft.com/office/drawing/2014/main" id="{A8C7C3A0-5E78-49C8-B8D4-F3DF62B2BC93}"/>
+              </a:ext>
+            </a:extLst>
+          </p:cNvPr>
+          <p:cNvSpPr>
+            <a:spLocks noGrp="1"/>
+          </p:cNvSpPr>
+          <p:nvPr>
+            <p:ph type="ftr" sz="quarter" idx="11"/>
+          </p:nvPr>
+        </p:nvSpPr>
+        <p:spPr>
+          <a:xfrm>
+            <a:off x="4038600" y="6356350"/>
+            <a:ext cx="4114800" cy="365125"/>
+          </a:xfrm>
+        </p:spPr>
+        <p:txBody>
+          <a:bodyPr rtlCol="0" anchor="ctr">
+            <a:normAutofit/>
+          </a:bodyPr>
+          <a:lstStyle/>
+          <a:p>
+            <a:pPr rtl="0">
+              <a:spcAft>
+                <a:spcPts val="600"/>
+              </a:spcAft>
+            </a:pPr>
+            <a:r>
+              <a:rPr lang="it-IT" dirty="0"/>
+              <a:t>MHW1 o46002042</a:t>
+            </a:r>
+          </a:p>
+        </p:txBody>
+      </p:sp>
+      <p:sp>
+        <p:nvSpPr>
+          <p:cNvPr id="11" name="Segnaposto numero diapositiva 10">
+            <a:extLst>
+              <a:ext uri="{FF2B5EF4-FFF2-40B4-BE49-F238E27FC236}">
+                <a16:creationId xmlns:a16="http://schemas.microsoft.com/office/drawing/2014/main" id="{56AE2454-CE9A-4A6B-AB5A-349E0D967654}"/>
+              </a:ext>
+            </a:extLst>
+          </p:cNvPr>
+          <p:cNvSpPr>
+            <a:spLocks noGrp="1"/>
+          </p:cNvSpPr>
+          <p:nvPr>
+            <p:ph type="sldNum" sz="quarter" idx="12"/>
+          </p:nvPr>
+        </p:nvSpPr>
+        <p:spPr>
+          <a:xfrm>
+            <a:off x="8610600" y="6356350"/>
+            <a:ext cx="2743200" cy="365125"/>
+          </a:xfrm>
+        </p:spPr>
+        <p:txBody>
+          <a:bodyPr rtlCol="0" anchor="ctr">
+            <a:normAutofit/>
+          </a:bodyPr>
+          <a:lstStyle/>
+          <a:p>
+            <a:pPr rtl="0">
+              <a:spcAft>
+                <a:spcPts val="600"/>
+              </a:spcAft>
+            </a:pPr>
+            <a:fld id="{D8DA9DAA-006C-4F4B-980E-E3DF019B24E2}" type="slidenum">
+              <a:rPr lang="it-IT" smtClean="0"/>
+              <a:pPr rtl="0">
+                <a:spcAft>
+                  <a:spcPts val="600"/>
+                </a:spcAft>
+              </a:pPr>
+              <a:t>14</a:t>
             </a:fld>
             <a:endParaRPr lang="it-IT" dirty="0"/>
           </a:p>
@@ -16257,10 +16893,10 @@
       </p:grpSpPr>
       <p:sp>
         <p:nvSpPr>
-          <p:cNvPr id="2" name="Titolo 1">
-            <a:extLst>
-              <a:ext uri="{FF2B5EF4-FFF2-40B4-BE49-F238E27FC236}">
-                <a16:creationId xmlns:a16="http://schemas.microsoft.com/office/drawing/2014/main" id="{009FB28F-C9D7-439B-B863-44B4E851A0B0}"/>
+          <p:cNvPr id="3" name="Titolo 2">
+            <a:extLst>
+              <a:ext uri="{FF2B5EF4-FFF2-40B4-BE49-F238E27FC236}">
+                <a16:creationId xmlns:a16="http://schemas.microsoft.com/office/drawing/2014/main" id="{6B425D86-FC30-4C30-A6E9-530F59CDE3BE}"/>
               </a:ext>
             </a:extLst>
           </p:cNvPr>
@@ -16268,148 +16904,32 @@
             <a:spLocks noGrp="1"/>
           </p:cNvSpPr>
           <p:nvPr>
-            <p:ph type="ctrTitle"/>
+            <p:ph type="title"/>
           </p:nvPr>
         </p:nvSpPr>
-        <p:spPr/>
-        <p:txBody>
-          <a:bodyPr rtlCol="0"/>
+        <p:spPr>
+          <a:xfrm>
+            <a:off x="92765" y="982834"/>
+            <a:ext cx="6190488" cy="1179576"/>
+          </a:xfrm>
+        </p:spPr>
+        <p:txBody>
+          <a:bodyPr/>
           <a:lstStyle/>
           <a:p>
-            <a:pPr rtl="0"/>
             <a:r>
               <a:rPr lang="it-IT" dirty="0"/>
-              <a:t>Profilo</a:t>
-            </a:r>
-          </a:p>
-        </p:txBody>
-      </p:sp>
-      <p:sp>
-        <p:nvSpPr>
-          <p:cNvPr id="8" name="Sottotitolo 7">
-            <a:extLst>
-              <a:ext uri="{FF2B5EF4-FFF2-40B4-BE49-F238E27FC236}">
-                <a16:creationId xmlns:a16="http://schemas.microsoft.com/office/drawing/2014/main" id="{50061247-EA4F-4DFA-AFCE-648487762CF7}"/>
-              </a:ext>
-            </a:extLst>
-          </p:cNvPr>
-          <p:cNvSpPr>
-            <a:spLocks noGrp="1"/>
-          </p:cNvSpPr>
-          <p:nvPr>
-            <p:ph type="subTitle" idx="1"/>
-          </p:nvPr>
-        </p:nvSpPr>
-        <p:spPr/>
-        <p:txBody>
-          <a:bodyPr rtlCol="0"/>
-          <a:lstStyle/>
-          <a:p>
-            <a:pPr rtl="0"/>
-            <a:r>
-              <a:rPr lang="it-IT" dirty="0"/>
-              <a:t>Nell’header è inclusa una zona dedicata al profilo dell’utente, con immagine, nome e una breve descrizione.</a:t>
-            </a:r>
-          </a:p>
-          <a:p>
-            <a:pPr rtl="0"/>
-            <a:r>
-              <a:rPr lang="it-IT" dirty="0"/>
-              <a:t>L’icona ha bordo bianco solido e rotondo.</a:t>
-            </a:r>
-          </a:p>
-        </p:txBody>
-      </p:sp>
-      <p:pic>
-        <p:nvPicPr>
-          <p:cNvPr id="22" name="Segnaposto immagine 21">
-            <a:extLst>
-              <a:ext uri="{FF2B5EF4-FFF2-40B4-BE49-F238E27FC236}">
-                <a16:creationId xmlns:a16="http://schemas.microsoft.com/office/drawing/2014/main" id="{D8AC51EB-1C22-4303-8354-FC97950C7DE6}"/>
-              </a:ext>
-            </a:extLst>
-          </p:cNvPr>
-          <p:cNvPicPr>
-            <a:picLocks noGrp="1" noChangeAspect="1"/>
-          </p:cNvPicPr>
-          <p:nvPr>
-            <p:ph type="pic" sz="quarter" idx="13"/>
-          </p:nvPr>
-        </p:nvPicPr>
-        <p:blipFill>
-          <a:blip r:embed="rId3"/>
-          <a:srcRect l="5139" r="5139"/>
-          <a:stretch/>
-        </p:blipFill>
-        <p:spPr>
-          <a:xfrm>
-            <a:off x="283464" y="3108960"/>
-            <a:ext cx="5221224" cy="3447288"/>
-          </a:xfrm>
-        </p:spPr>
-      </p:pic>
-      <p:pic>
-        <p:nvPicPr>
-          <p:cNvPr id="18" name="Segnaposto immagine 17">
-            <a:extLst>
-              <a:ext uri="{FF2B5EF4-FFF2-40B4-BE49-F238E27FC236}">
-                <a16:creationId xmlns:a16="http://schemas.microsoft.com/office/drawing/2014/main" id="{B503D699-E643-4969-9463-5C6331D0C869}"/>
-              </a:ext>
-            </a:extLst>
-          </p:cNvPr>
-          <p:cNvPicPr>
-            <a:picLocks noGrp="1" noChangeAspect="1"/>
-          </p:cNvPicPr>
-          <p:nvPr>
-            <p:ph type="pic" sz="quarter" idx="14"/>
-          </p:nvPr>
-        </p:nvPicPr>
-        <p:blipFill>
-          <a:blip r:embed="rId4"/>
-          <a:srcRect l="912" r="912"/>
-          <a:stretch/>
-        </p:blipFill>
-        <p:spPr>
-          <a:xfrm>
-            <a:off x="283464" y="301752"/>
-            <a:ext cx="2459736" cy="2505456"/>
-          </a:xfrm>
-        </p:spPr>
-      </p:pic>
-      <p:pic>
-        <p:nvPicPr>
-          <p:cNvPr id="20" name="Segnaposto immagine 19">
-            <a:extLst>
-              <a:ext uri="{FF2B5EF4-FFF2-40B4-BE49-F238E27FC236}">
-                <a16:creationId xmlns:a16="http://schemas.microsoft.com/office/drawing/2014/main" id="{B8714555-7486-4DD7-A96C-52C276483584}"/>
-              </a:ext>
-            </a:extLst>
-          </p:cNvPr>
-          <p:cNvPicPr>
-            <a:picLocks noGrp="1" noChangeAspect="1"/>
-          </p:cNvPicPr>
-          <p:nvPr>
-            <p:ph type="pic" sz="quarter" idx="15"/>
-          </p:nvPr>
-        </p:nvPicPr>
-        <p:blipFill>
-          <a:blip r:embed="rId5"/>
-          <a:srcRect l="912" r="912"/>
-          <a:stretch/>
-        </p:blipFill>
-        <p:spPr>
-          <a:xfrm>
-            <a:off x="3044952" y="301752"/>
-            <a:ext cx="2459736" cy="2505456"/>
-          </a:xfrm>
-        </p:spPr>
-      </p:pic>
-      <p:sp>
-        <p:nvSpPr>
-          <p:cNvPr id="23" name="Segnaposto piè di pagina 22">
-            <a:extLst>
-              <a:ext uri="{FF2B5EF4-FFF2-40B4-BE49-F238E27FC236}">
-                <a16:creationId xmlns:a16="http://schemas.microsoft.com/office/drawing/2014/main" id="{249ACE4E-0038-4BA2-8883-8C3F73B79C44}"/>
+              <a:t>L’HEADER</a:t>
+            </a:r>
+          </a:p>
+        </p:txBody>
+      </p:sp>
+      <p:sp>
+        <p:nvSpPr>
+          <p:cNvPr id="6" name="Segnaposto piè di pagina 5">
+            <a:extLst>
+              <a:ext uri="{FF2B5EF4-FFF2-40B4-BE49-F238E27FC236}">
+                <a16:creationId xmlns:a16="http://schemas.microsoft.com/office/drawing/2014/main" id="{55E6BF8A-AFD2-46EC-823B-C55B35F547CA}"/>
               </a:ext>
             </a:extLst>
           </p:cNvPr>
@@ -16420,17 +16940,12 @@
             <p:ph type="ftr" sz="quarter" idx="11"/>
           </p:nvPr>
         </p:nvSpPr>
-        <p:spPr>
-          <a:xfrm rot="16200000">
-            <a:off x="10657491" y="2437035"/>
-            <a:ext cx="1855915" cy="365125"/>
-          </a:xfrm>
-        </p:spPr>
-        <p:txBody>
-          <a:bodyPr rtlCol="0"/>
+        <p:spPr/>
+        <p:txBody>
+          <a:bodyPr/>
           <a:lstStyle/>
           <a:p>
-            <a:pPr rtl="0">
+            <a:pPr algn="l" rtl="0">
               <a:spcAft>
                 <a:spcPts val="600"/>
               </a:spcAft>
@@ -16444,10 +16959,10 @@
       </p:sp>
       <p:sp>
         <p:nvSpPr>
-          <p:cNvPr id="24" name="Segnaposto numero diapositiva 23">
-            <a:extLst>
-              <a:ext uri="{FF2B5EF4-FFF2-40B4-BE49-F238E27FC236}">
-                <a16:creationId xmlns:a16="http://schemas.microsoft.com/office/drawing/2014/main" id="{9A686A52-7630-4675-B383-8C2AD252EC1F}"/>
+          <p:cNvPr id="7" name="Segnaposto numero diapositiva 6">
+            <a:extLst>
+              <a:ext uri="{FF2B5EF4-FFF2-40B4-BE49-F238E27FC236}">
+                <a16:creationId xmlns:a16="http://schemas.microsoft.com/office/drawing/2014/main" id="{A83546F4-6906-42D2-95D5-AF3655091208}"/>
               </a:ext>
             </a:extLst>
           </p:cNvPr>
@@ -16460,67 +16975,55 @@
         </p:nvSpPr>
         <p:spPr/>
         <p:txBody>
-          <a:bodyPr rtlCol="0"/>
+          <a:bodyPr/>
           <a:lstStyle/>
           <a:p>
             <a:pPr rtl="0"/>
             <a:fld id="{D8DA9DAA-006C-4F4B-980E-E3DF019B24E2}" type="slidenum">
-              <a:rPr lang="it-IT" smtClean="0"/>
+              <a:rPr lang="it-IT" noProof="0" smtClean="0"/>
               <a:pPr rtl="0"/>
               <a:t>5</a:t>
             </a:fld>
-            <a:endParaRPr lang="it-IT" dirty="0"/>
-          </a:p>
-        </p:txBody>
-      </p:sp>
-      <p:cxnSp>
-        <p:nvCxnSpPr>
-          <p:cNvPr id="4" name="Connettore diritto 3">
-            <a:extLst>
-              <a:ext uri="{FF2B5EF4-FFF2-40B4-BE49-F238E27FC236}">
-                <a16:creationId xmlns:a16="http://schemas.microsoft.com/office/drawing/2014/main" id="{52494D68-EA4F-47EE-8501-282FF2539B0A}"/>
-              </a:ext>
-            </a:extLst>
-          </p:cNvPr>
-          <p:cNvCxnSpPr>
-            <a:cxnSpLocks/>
-          </p:cNvCxnSpPr>
+            <a:endParaRPr lang="it-IT" noProof="0" dirty="0"/>
+          </a:p>
+        </p:txBody>
+      </p:sp>
+      <p:pic>
+        <p:nvPicPr>
+          <p:cNvPr id="9" name="Immagine 8">
+            <a:extLst>
+              <a:ext uri="{FF2B5EF4-FFF2-40B4-BE49-F238E27FC236}">
+                <a16:creationId xmlns:a16="http://schemas.microsoft.com/office/drawing/2014/main" id="{486081FB-550C-484E-BD38-D37338163864}"/>
+              </a:ext>
+            </a:extLst>
+          </p:cNvPr>
+          <p:cNvPicPr>
+            <a:picLocks noChangeAspect="1"/>
+          </p:cNvPicPr>
           <p:nvPr/>
-        </p:nvCxnSpPr>
-        <p:spPr>
-          <a:xfrm>
-            <a:off x="585215" y="4304714"/>
-            <a:ext cx="2917640" cy="1153551"/>
-          </a:xfrm>
-          <a:prstGeom prst="line">
+        </p:nvPicPr>
+        <p:blipFill>
+          <a:blip r:embed="rId2"/>
+          <a:stretch>
+            <a:fillRect/>
+          </a:stretch>
+        </p:blipFill>
+        <p:spPr>
+          <a:xfrm>
+            <a:off x="92765" y="3551663"/>
+            <a:ext cx="12006469" cy="2287791"/>
+          </a:xfrm>
+          <a:prstGeom prst="rect">
             <a:avLst/>
           </a:prstGeom>
-          <a:ln w="50800">
-            <a:headEnd type="oval" w="med" len="med"/>
-            <a:tailEnd type="oval" w="lg" len="lg"/>
-          </a:ln>
-        </p:spPr>
-        <p:style>
-          <a:lnRef idx="3">
-            <a:schemeClr val="accent6"/>
-          </a:lnRef>
-          <a:fillRef idx="0">
-            <a:schemeClr val="accent6"/>
-          </a:fillRef>
-          <a:effectRef idx="2">
-            <a:schemeClr val="accent6"/>
-          </a:effectRef>
-          <a:fontRef idx="minor">
-            <a:schemeClr val="tx1"/>
-          </a:fontRef>
-        </p:style>
-      </p:cxnSp>
-      <p:sp>
-        <p:nvSpPr>
-          <p:cNvPr id="7" name="CasellaDiTesto 6">
-            <a:extLst>
-              <a:ext uri="{FF2B5EF4-FFF2-40B4-BE49-F238E27FC236}">
-                <a16:creationId xmlns:a16="http://schemas.microsoft.com/office/drawing/2014/main" id="{4A328B4E-EE7F-4106-8426-C4D6C87CA8DA}"/>
+        </p:spPr>
+      </p:pic>
+      <p:sp>
+        <p:nvSpPr>
+          <p:cNvPr id="10" name="CasellaDiTesto 9">
+            <a:extLst>
+              <a:ext uri="{FF2B5EF4-FFF2-40B4-BE49-F238E27FC236}">
+                <a16:creationId xmlns:a16="http://schemas.microsoft.com/office/drawing/2014/main" id="{23E272F3-90DC-4E55-B135-BEF3384DD8D5}"/>
               </a:ext>
             </a:extLst>
           </p:cNvPr>
@@ -16529,8 +17032,8 @@
         </p:nvSpPr>
         <p:spPr>
           <a:xfrm>
-            <a:off x="640899" y="3275797"/>
-            <a:ext cx="4808105" cy="1477328"/>
+            <a:off x="92765" y="2162410"/>
+            <a:ext cx="11893694" cy="1200329"/>
           </a:xfrm>
           <a:prstGeom prst="rect">
             <a:avLst/>
@@ -16543,275 +17046,25 @@
           </a:bodyPr>
           <a:lstStyle/>
           <a:p>
-            <a:pPr algn="r"/>
-            <a:r>
-              <a:rPr lang="it-IT" dirty="0">
-                <a:highlight>
-                  <a:srgbClr val="C0C0C0"/>
-                </a:highlight>
-              </a:rPr>
-              <a:t>Il box delle info è in position absolute</a:t>
-            </a:r>
-          </a:p>
-          <a:p>
-            <a:pPr algn="r"/>
-            <a:r>
-              <a:rPr lang="it-IT" dirty="0">
-                <a:highlight>
-                  <a:srgbClr val="C0C0C0"/>
-                </a:highlight>
-              </a:rPr>
-              <a:t> e discosta dalla sua posizione originale</a:t>
-            </a:r>
-          </a:p>
-          <a:p>
-            <a:pPr algn="r"/>
-            <a:r>
-              <a:rPr lang="it-IT" dirty="0">
-                <a:highlight>
-                  <a:srgbClr val="C0C0C0"/>
-                </a:highlight>
-              </a:rPr>
-              <a:t>-20vh e -23vw. Il suo contenitore è il</a:t>
-            </a:r>
-          </a:p>
-          <a:p>
-            <a:pPr algn="r"/>
-            <a:r>
-              <a:rPr lang="it-IT" dirty="0">
-                <a:highlight>
-                  <a:srgbClr val="C0C0C0"/>
-                </a:highlight>
-              </a:rPr>
-              <a:t>div#info relative. Si trova accanto la</a:t>
-            </a:r>
-          </a:p>
-          <a:p>
-            <a:pPr algn="r"/>
-            <a:r>
-              <a:rPr lang="it-IT" dirty="0">
-                <a:highlight>
-                  <a:srgbClr val="C0C0C0"/>
-                </a:highlight>
-              </a:rPr>
-              <a:t>search bar</a:t>
-            </a:r>
-          </a:p>
-        </p:txBody>
-      </p:sp>
-      <p:cxnSp>
-        <p:nvCxnSpPr>
-          <p:cNvPr id="14" name="Connettore 2 13">
-            <a:extLst>
-              <a:ext uri="{FF2B5EF4-FFF2-40B4-BE49-F238E27FC236}">
-                <a16:creationId xmlns:a16="http://schemas.microsoft.com/office/drawing/2014/main" id="{BFF30C23-25AB-4531-B705-88F11D28B3BF}"/>
-              </a:ext>
-            </a:extLst>
-          </p:cNvPr>
-          <p:cNvCxnSpPr>
-            <a:cxnSpLocks/>
-          </p:cNvCxnSpPr>
-          <p:nvPr/>
-        </p:nvCxnSpPr>
-        <p:spPr>
-          <a:xfrm flipH="1">
-            <a:off x="283465" y="1364566"/>
-            <a:ext cx="2262787" cy="0"/>
-          </a:xfrm>
-          <a:prstGeom prst="straightConnector1">
-            <a:avLst/>
-          </a:prstGeom>
-          <a:ln w="88900">
-            <a:solidFill>
-              <a:srgbClr val="FFC000"/>
-            </a:solidFill>
-            <a:tailEnd type="triangle"/>
-          </a:ln>
-        </p:spPr>
-        <p:style>
-          <a:lnRef idx="3">
-            <a:schemeClr val="accent4"/>
-          </a:lnRef>
-          <a:fillRef idx="0">
-            <a:schemeClr val="accent4"/>
-          </a:fillRef>
-          <a:effectRef idx="2">
-            <a:schemeClr val="accent4"/>
-          </a:effectRef>
-          <a:fontRef idx="minor">
-            <a:schemeClr val="tx1"/>
-          </a:fontRef>
-        </p:style>
-      </p:cxnSp>
-      <p:sp>
-        <p:nvSpPr>
-          <p:cNvPr id="17" name="CasellaDiTesto 16">
-            <a:extLst>
-              <a:ext uri="{FF2B5EF4-FFF2-40B4-BE49-F238E27FC236}">
-                <a16:creationId xmlns:a16="http://schemas.microsoft.com/office/drawing/2014/main" id="{56C35739-A812-46A1-BEE3-70819B71FFBB}"/>
-              </a:ext>
-            </a:extLst>
-          </p:cNvPr>
-          <p:cNvSpPr txBox="1"/>
-          <p:nvPr/>
-        </p:nvSpPr>
-        <p:spPr>
-          <a:xfrm>
-            <a:off x="283463" y="331439"/>
-            <a:ext cx="2459737" cy="923330"/>
-          </a:xfrm>
-          <a:prstGeom prst="rect">
-            <a:avLst/>
-          </a:prstGeom>
-          <a:noFill/>
-        </p:spPr>
-        <p:txBody>
-          <a:bodyPr wrap="square" rtlCol="0">
-            <a:spAutoFit/>
-          </a:bodyPr>
-          <a:lstStyle/>
-          <a:p>
-            <a:r>
-              <a:rPr lang="it-IT" dirty="0">
-                <a:solidFill>
-                  <a:schemeClr val="bg1"/>
-                </a:solidFill>
-                <a:highlight>
-                  <a:srgbClr val="814DFF"/>
-                </a:highlight>
-              </a:rPr>
-              <a:t>Le informazioni hanno text-align: right</a:t>
-            </a:r>
-          </a:p>
-        </p:txBody>
-      </p:sp>
-      <p:cxnSp>
-        <p:nvCxnSpPr>
-          <p:cNvPr id="21" name="Connettore 2 20">
-            <a:extLst>
-              <a:ext uri="{FF2B5EF4-FFF2-40B4-BE49-F238E27FC236}">
-                <a16:creationId xmlns:a16="http://schemas.microsoft.com/office/drawing/2014/main" id="{BDC50735-7A74-48D4-BA48-607276609D8D}"/>
-              </a:ext>
-            </a:extLst>
-          </p:cNvPr>
-          <p:cNvCxnSpPr>
-            <a:cxnSpLocks/>
-          </p:cNvCxnSpPr>
-          <p:nvPr/>
-        </p:nvCxnSpPr>
-        <p:spPr>
-          <a:xfrm>
-            <a:off x="3044951" y="2524540"/>
-            <a:ext cx="352629" cy="0"/>
-          </a:xfrm>
-          <a:prstGeom prst="straightConnector1">
-            <a:avLst/>
-          </a:prstGeom>
-          <a:ln w="38100">
-            <a:headEnd type="oval" w="med" len="med"/>
-            <a:tailEnd type="oval"/>
-          </a:ln>
-        </p:spPr>
-        <p:style>
-          <a:lnRef idx="3">
-            <a:schemeClr val="accent6"/>
-          </a:lnRef>
-          <a:fillRef idx="0">
-            <a:schemeClr val="accent6"/>
-          </a:fillRef>
-          <a:effectRef idx="2">
-            <a:schemeClr val="accent6"/>
-          </a:effectRef>
-          <a:fontRef idx="minor">
-            <a:schemeClr val="tx1"/>
-          </a:fontRef>
-        </p:style>
-      </p:cxnSp>
-      <p:cxnSp>
-        <p:nvCxnSpPr>
-          <p:cNvPr id="27" name="Connettore diritto 26">
-            <a:extLst>
-              <a:ext uri="{FF2B5EF4-FFF2-40B4-BE49-F238E27FC236}">
-                <a16:creationId xmlns:a16="http://schemas.microsoft.com/office/drawing/2014/main" id="{774EEA44-CD7F-49E1-89F2-568F59323509}"/>
-              </a:ext>
-            </a:extLst>
-          </p:cNvPr>
-          <p:cNvCxnSpPr>
-            <a:cxnSpLocks/>
-          </p:cNvCxnSpPr>
-          <p:nvPr/>
-        </p:nvCxnSpPr>
-        <p:spPr>
-          <a:xfrm flipV="1">
-            <a:off x="3397580" y="473103"/>
-            <a:ext cx="0" cy="2051437"/>
-          </a:xfrm>
-          <a:prstGeom prst="line">
-            <a:avLst/>
-          </a:prstGeom>
-          <a:ln w="38100" cap="flat" cmpd="sng" algn="ctr">
-            <a:solidFill>
-              <a:schemeClr val="accent6"/>
-            </a:solidFill>
-            <a:prstDash val="dash"/>
-            <a:round/>
-            <a:headEnd type="none" w="med" len="med"/>
-            <a:tailEnd type="none" w="med" len="med"/>
-          </a:ln>
-        </p:spPr>
-        <p:style>
-          <a:lnRef idx="0">
-            <a:scrgbClr r="0" g="0" b="0"/>
-          </a:lnRef>
-          <a:fillRef idx="0">
-            <a:scrgbClr r="0" g="0" b="0"/>
-          </a:fillRef>
-          <a:effectRef idx="0">
-            <a:scrgbClr r="0" g="0" b="0"/>
-          </a:effectRef>
-          <a:fontRef idx="minor">
-            <a:schemeClr val="tx1"/>
-          </a:fontRef>
-        </p:style>
-      </p:cxnSp>
-      <p:sp>
-        <p:nvSpPr>
-          <p:cNvPr id="31" name="CasellaDiTesto 30">
-            <a:extLst>
-              <a:ext uri="{FF2B5EF4-FFF2-40B4-BE49-F238E27FC236}">
-                <a16:creationId xmlns:a16="http://schemas.microsoft.com/office/drawing/2014/main" id="{28D32543-2AFB-4A99-8DC0-FB676E0B4CED}"/>
-              </a:ext>
-            </a:extLst>
-          </p:cNvPr>
-          <p:cNvSpPr txBox="1"/>
-          <p:nvPr/>
-        </p:nvSpPr>
-        <p:spPr>
-          <a:xfrm>
-            <a:off x="2926374" y="2600110"/>
-            <a:ext cx="1348446" cy="276999"/>
-          </a:xfrm>
-          <a:prstGeom prst="rect">
-            <a:avLst/>
-          </a:prstGeom>
-          <a:noFill/>
-        </p:spPr>
-        <p:txBody>
-          <a:bodyPr wrap="none" rtlCol="0">
-            <a:spAutoFit/>
-          </a:bodyPr>
-          <a:lstStyle/>
-          <a:p>
-            <a:r>
-              <a:rPr lang="it-IT" sz="1200" dirty="0">
-                <a:solidFill>
-                  <a:schemeClr val="bg1"/>
-                </a:solidFill>
-                <a:highlight>
-                  <a:srgbClr val="1A98FF"/>
-                </a:highlight>
-              </a:rPr>
-              <a:t>Margine sx: 8px</a:t>
+            <a:r>
+              <a:rPr lang="it-IT" dirty="0"/>
+              <a:t>L’</a:t>
+            </a:r>
+            <a:r>
+              <a:rPr lang="it-IT" dirty="0" err="1"/>
+              <a:t>header</a:t>
+            </a:r>
+            <a:r>
+              <a:rPr lang="it-IT" dirty="0"/>
+              <a:t> come da consegna ha un’immagine di sfondo con dimensione cover e posizione centrata; Ha un overlay scuro semitrasparente e contiene una barra di ricerca che in realtà è un div. La barra di ricerca presenta un testo h4 e due immagini, uno il tasto di ricerca e uno nascosto che verrà fuori in versione mobile. Accanto all’</a:t>
+            </a:r>
+            <a:r>
+              <a:rPr lang="it-IT" dirty="0" err="1"/>
+              <a:t>header</a:t>
+            </a:r>
+            <a:r>
+              <a:rPr lang="it-IT" dirty="0"/>
+              <a:t> è presente una sezione che descrive il profilo loggato sul sito.</a:t>
             </a:r>
           </a:p>
         </p:txBody>
@@ -16819,7 +17072,7 @@
     </p:spTree>
     <p:extLst>
       <p:ext uri="{BB962C8B-B14F-4D97-AF65-F5344CB8AC3E}">
-        <p14:creationId xmlns:p14="http://schemas.microsoft.com/office/powerpoint/2010/main" val="3584772686"/>
+        <p14:creationId xmlns:p14="http://schemas.microsoft.com/office/powerpoint/2010/main" val="4271627454"/>
       </p:ext>
     </p:extLst>
   </p:cSld>
@@ -16851,7 +17104,7 @@
           <p:cNvPr id="2" name="Titolo 1">
             <a:extLst>
               <a:ext uri="{FF2B5EF4-FFF2-40B4-BE49-F238E27FC236}">
-                <a16:creationId xmlns:a16="http://schemas.microsoft.com/office/drawing/2014/main" id="{4B8DD7A1-1638-4569-8479-370257A0FE22}"/>
+                <a16:creationId xmlns:a16="http://schemas.microsoft.com/office/drawing/2014/main" id="{009FB28F-C9D7-439B-B863-44B4E851A0B0}"/>
               </a:ext>
             </a:extLst>
           </p:cNvPr>
@@ -16862,29 +17115,25 @@
             <p:ph type="ctrTitle"/>
           </p:nvPr>
         </p:nvSpPr>
-        <p:spPr>
-          <a:xfrm>
-            <a:off x="6236366" y="195844"/>
-            <a:ext cx="4434840" cy="687301"/>
-          </a:xfrm>
-        </p:spPr>
-        <p:txBody>
-          <a:bodyPr/>
+        <p:spPr/>
+        <p:txBody>
+          <a:bodyPr rtlCol="0"/>
           <a:lstStyle/>
           <a:p>
+            <a:pPr rtl="0"/>
             <a:r>
               <a:rPr lang="it-IT" dirty="0"/>
-              <a:t>div.card</a:t>
-            </a:r>
-          </a:p>
-        </p:txBody>
-      </p:sp>
-      <p:sp>
-        <p:nvSpPr>
-          <p:cNvPr id="3" name="Sottotitolo 2">
-            <a:extLst>
-              <a:ext uri="{FF2B5EF4-FFF2-40B4-BE49-F238E27FC236}">
-                <a16:creationId xmlns:a16="http://schemas.microsoft.com/office/drawing/2014/main" id="{E08C6B40-BA3D-45AD-9B60-806F6658D47C}"/>
+              <a:t>Profilo</a:t>
+            </a:r>
+          </a:p>
+        </p:txBody>
+      </p:sp>
+      <p:sp>
+        <p:nvSpPr>
+          <p:cNvPr id="8" name="Sottotitolo 7">
+            <a:extLst>
+              <a:ext uri="{FF2B5EF4-FFF2-40B4-BE49-F238E27FC236}">
+                <a16:creationId xmlns:a16="http://schemas.microsoft.com/office/drawing/2014/main" id="{50061247-EA4F-4DFA-AFCE-648487762CF7}"/>
               </a:ext>
             </a:extLst>
           </p:cNvPr>
@@ -16895,71 +17144,32 @@
             <p:ph type="subTitle" idx="1"/>
           </p:nvPr>
         </p:nvSpPr>
-        <p:spPr>
-          <a:xfrm>
-            <a:off x="6236366" y="930699"/>
-            <a:ext cx="5117433" cy="2971973"/>
-          </a:xfrm>
-        </p:spPr>
-        <p:txBody>
-          <a:bodyPr>
-            <a:normAutofit/>
-          </a:bodyPr>
+        <p:spPr/>
+        <p:txBody>
+          <a:bodyPr rtlCol="0"/>
           <a:lstStyle/>
           <a:p>
+            <a:pPr rtl="0"/>
             <a:r>
               <a:rPr lang="it-IT" dirty="0"/>
-              <a:t>Il corpo principale è diviso in section, ogni section rappresenta un genere. Il section contiene un h2 e uno ‘’Show-case’’ che mostra tre card. Le card sono composte da un’immagine in 16:9 (la copertina del video), da un h5 che indica il titolo del video e un p che invece contiene chi lo ha pubblicato.</a:t>
-            </a:r>
-          </a:p>
-          <a:p>
+              <a:t>Nell’header è inclusa una zona dedicata al profilo dell’utente, con immagine, nome e una breve descrizione.</a:t>
+            </a:r>
+          </a:p>
+          <a:p>
+            <a:pPr rtl="0"/>
             <a:r>
               <a:rPr lang="it-IT" dirty="0"/>
-              <a:t>Titolo e il nome del creatore hanno un margine di 4px; la card ne ha uno di 8px.</a:t>
-            </a:r>
-          </a:p>
-          <a:p>
-            <a:endParaRPr lang="it-IT" dirty="0"/>
-          </a:p>
-        </p:txBody>
-      </p:sp>
-      <p:sp>
-        <p:nvSpPr>
-          <p:cNvPr id="5" name="Segnaposto numero diapositiva 4">
-            <a:extLst>
-              <a:ext uri="{FF2B5EF4-FFF2-40B4-BE49-F238E27FC236}">
-                <a16:creationId xmlns:a16="http://schemas.microsoft.com/office/drawing/2014/main" id="{E6F662B7-5CB8-4467-AAF6-343C62617EAB}"/>
-              </a:ext>
-            </a:extLst>
-          </p:cNvPr>
-          <p:cNvSpPr>
-            <a:spLocks noGrp="1"/>
-          </p:cNvSpPr>
-          <p:nvPr>
-            <p:ph type="sldNum" sz="quarter" idx="12"/>
-          </p:nvPr>
-        </p:nvSpPr>
-        <p:spPr/>
-        <p:txBody>
-          <a:bodyPr/>
-          <a:lstStyle/>
-          <a:p>
-            <a:pPr rtl="0"/>
-            <a:fld id="{D8DA9DAA-006C-4F4B-980E-E3DF019B24E2}" type="slidenum">
-              <a:rPr lang="it-IT" noProof="0" smtClean="0"/>
-              <a:pPr rtl="0"/>
-              <a:t>6</a:t>
-            </a:fld>
-            <a:endParaRPr lang="it-IT" noProof="0" dirty="0"/>
+              <a:t>L’icona ha bordo bianco solido e rotondo.</a:t>
+            </a:r>
           </a:p>
         </p:txBody>
       </p:sp>
       <p:pic>
         <p:nvPicPr>
-          <p:cNvPr id="8" name="Segnaposto immagine 7" descr="Immagine che contiene testo, monitor, montato, mano&#10;&#10;Descrizione generata automaticamente">
-            <a:extLst>
-              <a:ext uri="{FF2B5EF4-FFF2-40B4-BE49-F238E27FC236}">
-                <a16:creationId xmlns:a16="http://schemas.microsoft.com/office/drawing/2014/main" id="{07FEC86E-5045-4118-994A-E100A374A47B}"/>
+          <p:cNvPr id="22" name="Segnaposto immagine 21">
+            <a:extLst>
+              <a:ext uri="{FF2B5EF4-FFF2-40B4-BE49-F238E27FC236}">
+                <a16:creationId xmlns:a16="http://schemas.microsoft.com/office/drawing/2014/main" id="{D8AC51EB-1C22-4303-8354-FC97950C7DE6}"/>
               </a:ext>
             </a:extLst>
           </p:cNvPr>
@@ -16971,20 +17181,148 @@
           </p:nvPr>
         </p:nvPicPr>
         <p:blipFill>
-          <a:blip r:embed="rId2"/>
-          <a:srcRect l="6981" r="6981"/>
-          <a:stretch>
-            <a:fillRect/>
-          </a:stretch>
+          <a:blip r:embed="rId3"/>
+          <a:srcRect l="5139" r="5139"/>
+          <a:stretch/>
         </p:blipFill>
+        <p:spPr>
+          <a:xfrm>
+            <a:off x="283464" y="3108960"/>
+            <a:ext cx="5221224" cy="3447288"/>
+          </a:xfrm>
+        </p:spPr>
+      </p:pic>
+      <p:pic>
+        <p:nvPicPr>
+          <p:cNvPr id="18" name="Segnaposto immagine 17">
+            <a:extLst>
+              <a:ext uri="{FF2B5EF4-FFF2-40B4-BE49-F238E27FC236}">
+                <a16:creationId xmlns:a16="http://schemas.microsoft.com/office/drawing/2014/main" id="{B503D699-E643-4969-9463-5C6331D0C869}"/>
+              </a:ext>
+            </a:extLst>
+          </p:cNvPr>
+          <p:cNvPicPr>
+            <a:picLocks noGrp="1" noChangeAspect="1"/>
+          </p:cNvPicPr>
+          <p:nvPr>
+            <p:ph type="pic" sz="quarter" idx="14"/>
+          </p:nvPr>
+        </p:nvPicPr>
+        <p:blipFill>
+          <a:blip r:embed="rId4"/>
+          <a:srcRect l="912" r="912"/>
+          <a:stretch/>
+        </p:blipFill>
+        <p:spPr>
+          <a:xfrm>
+            <a:off x="283464" y="301752"/>
+            <a:ext cx="2459736" cy="2505456"/>
+          </a:xfrm>
+        </p:spPr>
+      </p:pic>
+      <p:pic>
+        <p:nvPicPr>
+          <p:cNvPr id="20" name="Segnaposto immagine 19">
+            <a:extLst>
+              <a:ext uri="{FF2B5EF4-FFF2-40B4-BE49-F238E27FC236}">
+                <a16:creationId xmlns:a16="http://schemas.microsoft.com/office/drawing/2014/main" id="{B8714555-7486-4DD7-A96C-52C276483584}"/>
+              </a:ext>
+            </a:extLst>
+          </p:cNvPr>
+          <p:cNvPicPr>
+            <a:picLocks noGrp="1" noChangeAspect="1"/>
+          </p:cNvPicPr>
+          <p:nvPr>
+            <p:ph type="pic" sz="quarter" idx="15"/>
+          </p:nvPr>
+        </p:nvPicPr>
+        <p:blipFill>
+          <a:blip r:embed="rId5"/>
+          <a:srcRect l="912" r="912"/>
+          <a:stretch/>
+        </p:blipFill>
+        <p:spPr>
+          <a:xfrm>
+            <a:off x="3044952" y="301752"/>
+            <a:ext cx="2459736" cy="2505456"/>
+          </a:xfrm>
+        </p:spPr>
+      </p:pic>
+      <p:sp>
+        <p:nvSpPr>
+          <p:cNvPr id="23" name="Segnaposto piè di pagina 22">
+            <a:extLst>
+              <a:ext uri="{FF2B5EF4-FFF2-40B4-BE49-F238E27FC236}">
+                <a16:creationId xmlns:a16="http://schemas.microsoft.com/office/drawing/2014/main" id="{249ACE4E-0038-4BA2-8883-8C3F73B79C44}"/>
+              </a:ext>
+            </a:extLst>
+          </p:cNvPr>
+          <p:cNvSpPr>
+            <a:spLocks noGrp="1"/>
+          </p:cNvSpPr>
+          <p:nvPr>
+            <p:ph type="ftr" sz="quarter" idx="11"/>
+          </p:nvPr>
+        </p:nvSpPr>
+        <p:spPr>
+          <a:xfrm rot="16200000">
+            <a:off x="10657491" y="2437035"/>
+            <a:ext cx="1855915" cy="365125"/>
+          </a:xfrm>
+        </p:spPr>
+        <p:txBody>
+          <a:bodyPr rtlCol="0"/>
+          <a:lstStyle/>
+          <a:p>
+            <a:pPr rtl="0">
+              <a:spcAft>
+                <a:spcPts val="600"/>
+              </a:spcAft>
+            </a:pPr>
+            <a:r>
+              <a:rPr lang="it-IT" dirty="0"/>
+              <a:t>MHW1 o46002042</a:t>
+            </a:r>
+          </a:p>
+        </p:txBody>
+      </p:sp>
+      <p:sp>
+        <p:nvSpPr>
+          <p:cNvPr id="24" name="Segnaposto numero diapositiva 23">
+            <a:extLst>
+              <a:ext uri="{FF2B5EF4-FFF2-40B4-BE49-F238E27FC236}">
+                <a16:creationId xmlns:a16="http://schemas.microsoft.com/office/drawing/2014/main" id="{9A686A52-7630-4675-B383-8C2AD252EC1F}"/>
+              </a:ext>
+            </a:extLst>
+          </p:cNvPr>
+          <p:cNvSpPr>
+            <a:spLocks noGrp="1"/>
+          </p:cNvSpPr>
+          <p:nvPr>
+            <p:ph type="sldNum" sz="quarter" idx="12"/>
+          </p:nvPr>
+        </p:nvSpPr>
         <p:spPr/>
-      </p:pic>
+        <p:txBody>
+          <a:bodyPr rtlCol="0"/>
+          <a:lstStyle/>
+          <a:p>
+            <a:pPr rtl="0"/>
+            <a:fld id="{D8DA9DAA-006C-4F4B-980E-E3DF019B24E2}" type="slidenum">
+              <a:rPr lang="it-IT" smtClean="0"/>
+              <a:pPr rtl="0"/>
+              <a:t>6</a:t>
+            </a:fld>
+            <a:endParaRPr lang="it-IT" dirty="0"/>
+          </a:p>
+        </p:txBody>
+      </p:sp>
       <p:cxnSp>
         <p:nvCxnSpPr>
-          <p:cNvPr id="10" name="Connettore 2 9">
-            <a:extLst>
-              <a:ext uri="{FF2B5EF4-FFF2-40B4-BE49-F238E27FC236}">
-                <a16:creationId xmlns:a16="http://schemas.microsoft.com/office/drawing/2014/main" id="{B5414B28-0CD8-407F-9F34-C3B0B799CB40}"/>
+          <p:cNvPr id="4" name="Connettore diritto 3">
+            <a:extLst>
+              <a:ext uri="{FF2B5EF4-FFF2-40B4-BE49-F238E27FC236}">
+                <a16:creationId xmlns:a16="http://schemas.microsoft.com/office/drawing/2014/main" id="{52494D68-EA4F-47EE-8501-282FF2539B0A}"/>
               </a:ext>
             </a:extLst>
           </p:cNvPr>
@@ -16995,26 +17333,238 @@
         </p:nvCxnSpPr>
         <p:spPr>
           <a:xfrm>
-            <a:off x="832513" y="2088108"/>
-            <a:ext cx="2792104" cy="0"/>
+            <a:off x="585215" y="4304714"/>
+            <a:ext cx="2917640" cy="1153551"/>
+          </a:xfrm>
+          <a:prstGeom prst="line">
+            <a:avLst/>
+          </a:prstGeom>
+          <a:ln w="50800">
+            <a:headEnd type="oval" w="med" len="med"/>
+            <a:tailEnd type="oval" w="lg" len="lg"/>
+          </a:ln>
+        </p:spPr>
+        <p:style>
+          <a:lnRef idx="3">
+            <a:schemeClr val="accent6"/>
+          </a:lnRef>
+          <a:fillRef idx="0">
+            <a:schemeClr val="accent6"/>
+          </a:fillRef>
+          <a:effectRef idx="2">
+            <a:schemeClr val="accent6"/>
+          </a:effectRef>
+          <a:fontRef idx="minor">
+            <a:schemeClr val="tx1"/>
+          </a:fontRef>
+        </p:style>
+      </p:cxnSp>
+      <p:sp>
+        <p:nvSpPr>
+          <p:cNvPr id="7" name="CasellaDiTesto 6">
+            <a:extLst>
+              <a:ext uri="{FF2B5EF4-FFF2-40B4-BE49-F238E27FC236}">
+                <a16:creationId xmlns:a16="http://schemas.microsoft.com/office/drawing/2014/main" id="{4A328B4E-EE7F-4106-8426-C4D6C87CA8DA}"/>
+              </a:ext>
+            </a:extLst>
+          </p:cNvPr>
+          <p:cNvSpPr txBox="1"/>
+          <p:nvPr/>
+        </p:nvSpPr>
+        <p:spPr>
+          <a:xfrm>
+            <a:off x="640899" y="3275797"/>
+            <a:ext cx="4808105" cy="1477328"/>
+          </a:xfrm>
+          <a:prstGeom prst="rect">
+            <a:avLst/>
+          </a:prstGeom>
+          <a:noFill/>
+        </p:spPr>
+        <p:txBody>
+          <a:bodyPr wrap="square" rtlCol="0">
+            <a:spAutoFit/>
+          </a:bodyPr>
+          <a:lstStyle/>
+          <a:p>
+            <a:pPr algn="r"/>
+            <a:r>
+              <a:rPr lang="it-IT" dirty="0">
+                <a:highlight>
+                  <a:srgbClr val="C0C0C0"/>
+                </a:highlight>
+              </a:rPr>
+              <a:t>Il box delle info è in position absolute</a:t>
+            </a:r>
+          </a:p>
+          <a:p>
+            <a:pPr algn="r"/>
+            <a:r>
+              <a:rPr lang="it-IT" dirty="0">
+                <a:highlight>
+                  <a:srgbClr val="C0C0C0"/>
+                </a:highlight>
+              </a:rPr>
+              <a:t> e discosta dalla sua posizione originale</a:t>
+            </a:r>
+          </a:p>
+          <a:p>
+            <a:pPr algn="r"/>
+            <a:r>
+              <a:rPr lang="it-IT" dirty="0">
+                <a:highlight>
+                  <a:srgbClr val="C0C0C0"/>
+                </a:highlight>
+              </a:rPr>
+              <a:t>-20vh e -23vw. Il suo contenitore è il</a:t>
+            </a:r>
+          </a:p>
+          <a:p>
+            <a:pPr algn="r"/>
+            <a:r>
+              <a:rPr lang="it-IT" dirty="0">
+                <a:highlight>
+                  <a:srgbClr val="C0C0C0"/>
+                </a:highlight>
+              </a:rPr>
+              <a:t>div#info relative. Si trova accanto la</a:t>
+            </a:r>
+          </a:p>
+          <a:p>
+            <a:pPr algn="r"/>
+            <a:r>
+              <a:rPr lang="it-IT" dirty="0">
+                <a:highlight>
+                  <a:srgbClr val="C0C0C0"/>
+                </a:highlight>
+              </a:rPr>
+              <a:t>search bar</a:t>
+            </a:r>
+          </a:p>
+        </p:txBody>
+      </p:sp>
+      <p:cxnSp>
+        <p:nvCxnSpPr>
+          <p:cNvPr id="14" name="Connettore 2 13">
+            <a:extLst>
+              <a:ext uri="{FF2B5EF4-FFF2-40B4-BE49-F238E27FC236}">
+                <a16:creationId xmlns:a16="http://schemas.microsoft.com/office/drawing/2014/main" id="{BFF30C23-25AB-4531-B705-88F11D28B3BF}"/>
+              </a:ext>
+            </a:extLst>
+          </p:cNvPr>
+          <p:cNvCxnSpPr>
+            <a:cxnSpLocks/>
+          </p:cNvCxnSpPr>
+          <p:nvPr/>
+        </p:nvCxnSpPr>
+        <p:spPr>
+          <a:xfrm flipH="1">
+            <a:off x="283465" y="1364566"/>
+            <a:ext cx="2262787" cy="0"/>
+          </a:xfrm>
+          <a:prstGeom prst="straightConnector1">
+            <a:avLst/>
+          </a:prstGeom>
+          <a:ln w="88900">
+            <a:solidFill>
+              <a:srgbClr val="FFC000"/>
+            </a:solidFill>
+            <a:tailEnd type="triangle"/>
+          </a:ln>
+        </p:spPr>
+        <p:style>
+          <a:lnRef idx="3">
+            <a:schemeClr val="accent4"/>
+          </a:lnRef>
+          <a:fillRef idx="0">
+            <a:schemeClr val="accent4"/>
+          </a:fillRef>
+          <a:effectRef idx="2">
+            <a:schemeClr val="accent4"/>
+          </a:effectRef>
+          <a:fontRef idx="minor">
+            <a:schemeClr val="tx1"/>
+          </a:fontRef>
+        </p:style>
+      </p:cxnSp>
+      <p:sp>
+        <p:nvSpPr>
+          <p:cNvPr id="17" name="CasellaDiTesto 16">
+            <a:extLst>
+              <a:ext uri="{FF2B5EF4-FFF2-40B4-BE49-F238E27FC236}">
+                <a16:creationId xmlns:a16="http://schemas.microsoft.com/office/drawing/2014/main" id="{56C35739-A812-46A1-BEE3-70819B71FFBB}"/>
+              </a:ext>
+            </a:extLst>
+          </p:cNvPr>
+          <p:cNvSpPr txBox="1"/>
+          <p:nvPr/>
+        </p:nvSpPr>
+        <p:spPr>
+          <a:xfrm>
+            <a:off x="283463" y="331439"/>
+            <a:ext cx="2459737" cy="923330"/>
+          </a:xfrm>
+          <a:prstGeom prst="rect">
+            <a:avLst/>
+          </a:prstGeom>
+          <a:noFill/>
+        </p:spPr>
+        <p:txBody>
+          <a:bodyPr wrap="square" rtlCol="0">
+            <a:spAutoFit/>
+          </a:bodyPr>
+          <a:lstStyle/>
+          <a:p>
+            <a:r>
+              <a:rPr lang="it-IT" dirty="0">
+                <a:solidFill>
+                  <a:schemeClr val="bg1"/>
+                </a:solidFill>
+                <a:highlight>
+                  <a:srgbClr val="814DFF"/>
+                </a:highlight>
+              </a:rPr>
+              <a:t>Le informazioni hanno text-align: right</a:t>
+            </a:r>
+          </a:p>
+        </p:txBody>
+      </p:sp>
+      <p:cxnSp>
+        <p:nvCxnSpPr>
+          <p:cNvPr id="21" name="Connettore 2 20">
+            <a:extLst>
+              <a:ext uri="{FF2B5EF4-FFF2-40B4-BE49-F238E27FC236}">
+                <a16:creationId xmlns:a16="http://schemas.microsoft.com/office/drawing/2014/main" id="{BDC50735-7A74-48D4-BA48-607276609D8D}"/>
+              </a:ext>
+            </a:extLst>
+          </p:cNvPr>
+          <p:cNvCxnSpPr>
+            <a:cxnSpLocks/>
+          </p:cNvCxnSpPr>
+          <p:nvPr/>
+        </p:nvCxnSpPr>
+        <p:spPr>
+          <a:xfrm>
+            <a:off x="3044951" y="2524540"/>
+            <a:ext cx="352629" cy="0"/>
           </a:xfrm>
           <a:prstGeom prst="straightConnector1">
             <a:avLst/>
           </a:prstGeom>
           <a:ln w="38100">
-            <a:headEnd type="triangle"/>
-            <a:tailEnd type="triangle"/>
+            <a:headEnd type="oval" w="med" len="med"/>
+            <a:tailEnd type="oval"/>
           </a:ln>
         </p:spPr>
         <p:style>
           <a:lnRef idx="3">
-            <a:schemeClr val="dk1"/>
+            <a:schemeClr val="accent6"/>
           </a:lnRef>
           <a:fillRef idx="0">
-            <a:schemeClr val="dk1"/>
+            <a:schemeClr val="accent6"/>
           </a:fillRef>
           <a:effectRef idx="2">
-            <a:schemeClr val="dk1"/>
+            <a:schemeClr val="accent6"/>
           </a:effectRef>
           <a:fontRef idx="minor">
             <a:schemeClr val="tx1"/>
@@ -17023,10 +17573,10 @@
       </p:cxnSp>
       <p:cxnSp>
         <p:nvCxnSpPr>
-          <p:cNvPr id="12" name="Connettore 2 11">
-            <a:extLst>
-              <a:ext uri="{FF2B5EF4-FFF2-40B4-BE49-F238E27FC236}">
-                <a16:creationId xmlns:a16="http://schemas.microsoft.com/office/drawing/2014/main" id="{20B0A465-D461-4358-BF73-F3E933AA021F}"/>
+          <p:cNvPr id="27" name="Connettore diritto 26">
+            <a:extLst>
+              <a:ext uri="{FF2B5EF4-FFF2-40B4-BE49-F238E27FC236}">
+                <a16:creationId xmlns:a16="http://schemas.microsoft.com/office/drawing/2014/main" id="{774EEA44-CD7F-49E1-89F2-568F59323509}"/>
               </a:ext>
             </a:extLst>
           </p:cNvPr>
@@ -17036,27 +17586,32 @@
           <p:nvPr/>
         </p:nvCxnSpPr>
         <p:spPr>
-          <a:xfrm>
-            <a:off x="3624617" y="2088108"/>
-            <a:ext cx="0" cy="1609572"/>
-          </a:xfrm>
-          <a:prstGeom prst="straightConnector1">
+          <a:xfrm flipV="1">
+            <a:off x="3397580" y="473103"/>
+            <a:ext cx="0" cy="2051437"/>
+          </a:xfrm>
+          <a:prstGeom prst="line">
             <a:avLst/>
           </a:prstGeom>
-          <a:ln w="38100">
-            <a:headEnd type="triangle"/>
-            <a:tailEnd type="triangle"/>
+          <a:ln w="38100" cap="flat" cmpd="sng" algn="ctr">
+            <a:solidFill>
+              <a:schemeClr val="accent6"/>
+            </a:solidFill>
+            <a:prstDash val="dash"/>
+            <a:round/>
+            <a:headEnd type="none" w="med" len="med"/>
+            <a:tailEnd type="none" w="med" len="med"/>
           </a:ln>
         </p:spPr>
         <p:style>
-          <a:lnRef idx="3">
-            <a:schemeClr val="dk1"/>
+          <a:lnRef idx="0">
+            <a:scrgbClr r="0" g="0" b="0"/>
           </a:lnRef>
           <a:fillRef idx="0">
-            <a:schemeClr val="dk1"/>
+            <a:scrgbClr r="0" g="0" b="0"/>
           </a:fillRef>
-          <a:effectRef idx="2">
-            <a:schemeClr val="dk1"/>
+          <a:effectRef idx="0">
+            <a:scrgbClr r="0" g="0" b="0"/>
           </a:effectRef>
           <a:fontRef idx="minor">
             <a:schemeClr val="tx1"/>
@@ -17065,10 +17620,10 @@
       </p:cxnSp>
       <p:sp>
         <p:nvSpPr>
-          <p:cNvPr id="16" name="CasellaDiTesto 15">
-            <a:extLst>
-              <a:ext uri="{FF2B5EF4-FFF2-40B4-BE49-F238E27FC236}">
-                <a16:creationId xmlns:a16="http://schemas.microsoft.com/office/drawing/2014/main" id="{7133FB3C-9EC8-4B78-9ACF-2938A4C64DE3}"/>
+          <p:cNvPr id="31" name="CasellaDiTesto 30">
+            <a:extLst>
+              <a:ext uri="{FF2B5EF4-FFF2-40B4-BE49-F238E27FC236}">
+                <a16:creationId xmlns:a16="http://schemas.microsoft.com/office/drawing/2014/main" id="{28D32543-2AFB-4A99-8DC0-FB676E0B4CED}"/>
               </a:ext>
             </a:extLst>
           </p:cNvPr>
@@ -17077,8 +17632,8 @@
         </p:nvSpPr>
         <p:spPr>
           <a:xfrm>
-            <a:off x="1847692" y="2088108"/>
-            <a:ext cx="761747" cy="369332"/>
+            <a:off x="2926374" y="2600110"/>
+            <a:ext cx="1348446" cy="276999"/>
           </a:xfrm>
           <a:prstGeom prst="rect">
             <a:avLst/>
@@ -17092,547 +17647,23 @@
           <a:lstStyle/>
           <a:p>
             <a:r>
-              <a:rPr lang="it-IT" dirty="0"/>
-              <a:t>18vw</a:t>
-            </a:r>
-          </a:p>
-        </p:txBody>
-      </p:sp>
-      <p:sp>
-        <p:nvSpPr>
-          <p:cNvPr id="17" name="CasellaDiTesto 16">
-            <a:extLst>
-              <a:ext uri="{FF2B5EF4-FFF2-40B4-BE49-F238E27FC236}">
-                <a16:creationId xmlns:a16="http://schemas.microsoft.com/office/drawing/2014/main" id="{6397A274-55EC-44D1-8B26-854F64BE5FEA}"/>
-              </a:ext>
-            </a:extLst>
-          </p:cNvPr>
-          <p:cNvSpPr txBox="1"/>
-          <p:nvPr/>
-        </p:nvSpPr>
-        <p:spPr>
-          <a:xfrm rot="16200000">
-            <a:off x="2770537" y="2757522"/>
-            <a:ext cx="1338828" cy="369332"/>
-          </a:xfrm>
-          <a:prstGeom prst="rect">
-            <a:avLst/>
-          </a:prstGeom>
-          <a:noFill/>
-        </p:spPr>
-        <p:txBody>
-          <a:bodyPr wrap="none" rtlCol="0">
-            <a:spAutoFit/>
-          </a:bodyPr>
-          <a:lstStyle/>
-          <a:p>
-            <a:r>
-              <a:rPr lang="it-IT" dirty="0"/>
-              <a:t>18vw*9/16</a:t>
-            </a:r>
-          </a:p>
-        </p:txBody>
-      </p:sp>
-      <p:sp>
-        <p:nvSpPr>
-          <p:cNvPr id="23" name="Parentesi graffa chiusa 22">
-            <a:extLst>
-              <a:ext uri="{FF2B5EF4-FFF2-40B4-BE49-F238E27FC236}">
-                <a16:creationId xmlns:a16="http://schemas.microsoft.com/office/drawing/2014/main" id="{E9A20C38-DADE-44BF-BF80-F2C58A01AFA1}"/>
-              </a:ext>
-            </a:extLst>
-          </p:cNvPr>
-          <p:cNvSpPr/>
-          <p:nvPr/>
-        </p:nvSpPr>
-        <p:spPr>
-          <a:xfrm>
-            <a:off x="1515762" y="3697679"/>
-            <a:ext cx="45719" cy="79367"/>
-          </a:xfrm>
-          <a:prstGeom prst="rightBrace">
-            <a:avLst/>
-          </a:prstGeom>
-        </p:spPr>
-        <p:style>
-          <a:lnRef idx="1">
-            <a:schemeClr val="dk1"/>
-          </a:lnRef>
-          <a:fillRef idx="0">
-            <a:schemeClr val="dk1"/>
-          </a:fillRef>
-          <a:effectRef idx="0">
-            <a:schemeClr val="dk1"/>
-          </a:effectRef>
-          <a:fontRef idx="minor">
-            <a:schemeClr val="tx1"/>
-          </a:fontRef>
-        </p:style>
-        <p:txBody>
-          <a:bodyPr rtlCol="0" anchor="ctr"/>
-          <a:lstStyle/>
-          <a:p>
-            <a:pPr algn="ctr"/>
-            <a:endParaRPr lang="it-IT" dirty="0"/>
-          </a:p>
-        </p:txBody>
-      </p:sp>
-      <p:sp>
-        <p:nvSpPr>
-          <p:cNvPr id="24" name="Parentesi graffa chiusa 23">
-            <a:extLst>
-              <a:ext uri="{FF2B5EF4-FFF2-40B4-BE49-F238E27FC236}">
-                <a16:creationId xmlns:a16="http://schemas.microsoft.com/office/drawing/2014/main" id="{C3770C7D-F249-4D92-AE98-4F1462C596A7}"/>
-              </a:ext>
-            </a:extLst>
-          </p:cNvPr>
-          <p:cNvSpPr/>
-          <p:nvPr/>
-        </p:nvSpPr>
-        <p:spPr>
-          <a:xfrm>
-            <a:off x="1515762" y="3948933"/>
-            <a:ext cx="45719" cy="79367"/>
-          </a:xfrm>
-          <a:prstGeom prst="rightBrace">
-            <a:avLst/>
-          </a:prstGeom>
-        </p:spPr>
-        <p:style>
-          <a:lnRef idx="1">
-            <a:schemeClr val="dk1"/>
-          </a:lnRef>
-          <a:fillRef idx="0">
-            <a:schemeClr val="dk1"/>
-          </a:fillRef>
-          <a:effectRef idx="0">
-            <a:schemeClr val="dk1"/>
-          </a:effectRef>
-          <a:fontRef idx="minor">
-            <a:schemeClr val="tx1"/>
-          </a:fontRef>
-        </p:style>
-        <p:txBody>
-          <a:bodyPr rtlCol="0" anchor="ctr"/>
-          <a:lstStyle/>
-          <a:p>
-            <a:pPr algn="ctr"/>
-            <a:endParaRPr lang="it-IT" dirty="0"/>
-          </a:p>
-        </p:txBody>
-      </p:sp>
-      <p:sp>
-        <p:nvSpPr>
-          <p:cNvPr id="25" name="Parentesi graffa chiusa 24">
-            <a:extLst>
-              <a:ext uri="{FF2B5EF4-FFF2-40B4-BE49-F238E27FC236}">
-                <a16:creationId xmlns:a16="http://schemas.microsoft.com/office/drawing/2014/main" id="{E0414B68-C5AC-45A7-B56F-1F2650E7C05B}"/>
-              </a:ext>
-            </a:extLst>
-          </p:cNvPr>
-          <p:cNvSpPr/>
-          <p:nvPr/>
-        </p:nvSpPr>
-        <p:spPr>
-          <a:xfrm>
-            <a:off x="1515762" y="4028300"/>
-            <a:ext cx="45719" cy="79367"/>
-          </a:xfrm>
-          <a:prstGeom prst="rightBrace">
-            <a:avLst/>
-          </a:prstGeom>
-        </p:spPr>
-        <p:style>
-          <a:lnRef idx="1">
-            <a:schemeClr val="dk1"/>
-          </a:lnRef>
-          <a:fillRef idx="0">
-            <a:schemeClr val="dk1"/>
-          </a:fillRef>
-          <a:effectRef idx="0">
-            <a:schemeClr val="dk1"/>
-          </a:effectRef>
-          <a:fontRef idx="minor">
-            <a:schemeClr val="tx1"/>
-          </a:fontRef>
-        </p:style>
-        <p:txBody>
-          <a:bodyPr rtlCol="0" anchor="ctr"/>
-          <a:lstStyle/>
-          <a:p>
-            <a:pPr algn="ctr"/>
-            <a:endParaRPr lang="it-IT" dirty="0"/>
-          </a:p>
-        </p:txBody>
-      </p:sp>
-      <p:sp>
-        <p:nvSpPr>
-          <p:cNvPr id="27" name="CasellaDiTesto 26">
-            <a:extLst>
-              <a:ext uri="{FF2B5EF4-FFF2-40B4-BE49-F238E27FC236}">
-                <a16:creationId xmlns:a16="http://schemas.microsoft.com/office/drawing/2014/main" id="{9B3E268D-5EA5-4F58-BE0C-9BEE2AC525C0}"/>
-              </a:ext>
-            </a:extLst>
-          </p:cNvPr>
-          <p:cNvSpPr txBox="1"/>
-          <p:nvPr/>
-        </p:nvSpPr>
-        <p:spPr>
-          <a:xfrm>
-            <a:off x="1700240" y="3700630"/>
-            <a:ext cx="582211" cy="369332"/>
-          </a:xfrm>
-          <a:prstGeom prst="rect">
-            <a:avLst/>
-          </a:prstGeom>
-          <a:noFill/>
-        </p:spPr>
-        <p:txBody>
-          <a:bodyPr wrap="none" rtlCol="0">
-            <a:spAutoFit/>
-          </a:bodyPr>
-          <a:lstStyle/>
-          <a:p>
-            <a:r>
-              <a:rPr lang="it-IT" dirty="0"/>
-              <a:t>4px</a:t>
-            </a:r>
-          </a:p>
-        </p:txBody>
-      </p:sp>
-      <p:cxnSp>
-        <p:nvCxnSpPr>
-          <p:cNvPr id="31" name="Connettore diritto 30">
-            <a:extLst>
-              <a:ext uri="{FF2B5EF4-FFF2-40B4-BE49-F238E27FC236}">
-                <a16:creationId xmlns:a16="http://schemas.microsoft.com/office/drawing/2014/main" id="{E5413922-761A-46D8-A9FD-2E11806D7A6D}"/>
-              </a:ext>
-            </a:extLst>
-          </p:cNvPr>
-          <p:cNvCxnSpPr>
-            <a:cxnSpLocks/>
-          </p:cNvCxnSpPr>
-          <p:nvPr/>
-        </p:nvCxnSpPr>
-        <p:spPr>
-          <a:xfrm>
-            <a:off x="1585974" y="3737362"/>
-            <a:ext cx="0" cy="330621"/>
-          </a:xfrm>
-          <a:prstGeom prst="line">
-            <a:avLst/>
-          </a:prstGeom>
-        </p:spPr>
-        <p:style>
-          <a:lnRef idx="1">
-            <a:schemeClr val="dk1"/>
-          </a:lnRef>
-          <a:fillRef idx="0">
-            <a:schemeClr val="dk1"/>
-          </a:fillRef>
-          <a:effectRef idx="0">
-            <a:schemeClr val="dk1"/>
-          </a:effectRef>
-          <a:fontRef idx="minor">
-            <a:schemeClr val="tx1"/>
-          </a:fontRef>
-        </p:style>
-      </p:cxnSp>
-      <p:cxnSp>
-        <p:nvCxnSpPr>
-          <p:cNvPr id="33" name="Connettore 2 32">
-            <a:extLst>
-              <a:ext uri="{FF2B5EF4-FFF2-40B4-BE49-F238E27FC236}">
-                <a16:creationId xmlns:a16="http://schemas.microsoft.com/office/drawing/2014/main" id="{F1704D51-381E-42B1-A6FA-99C3BA44516B}"/>
-              </a:ext>
-            </a:extLst>
-          </p:cNvPr>
-          <p:cNvCxnSpPr>
-            <a:cxnSpLocks/>
-            <a:endCxn id="27" idx="1"/>
-          </p:cNvCxnSpPr>
-          <p:nvPr/>
-        </p:nvCxnSpPr>
-        <p:spPr>
-          <a:xfrm>
-            <a:off x="1585974" y="3885296"/>
-            <a:ext cx="114266" cy="0"/>
-          </a:xfrm>
-          <a:prstGeom prst="straightConnector1">
-            <a:avLst/>
-          </a:prstGeom>
-          <a:ln>
-            <a:tailEnd type="triangle"/>
-          </a:ln>
-        </p:spPr>
-        <p:style>
-          <a:lnRef idx="1">
-            <a:schemeClr val="dk1"/>
-          </a:lnRef>
-          <a:fillRef idx="0">
-            <a:schemeClr val="dk1"/>
-          </a:fillRef>
-          <a:effectRef idx="0">
-            <a:schemeClr val="dk1"/>
-          </a:effectRef>
-          <a:fontRef idx="minor">
-            <a:schemeClr val="tx1"/>
-          </a:fontRef>
-        </p:style>
-      </p:cxnSp>
-      <p:cxnSp>
-        <p:nvCxnSpPr>
-          <p:cNvPr id="36" name="Connettore 2 35">
-            <a:extLst>
-              <a:ext uri="{FF2B5EF4-FFF2-40B4-BE49-F238E27FC236}">
-                <a16:creationId xmlns:a16="http://schemas.microsoft.com/office/drawing/2014/main" id="{07D531AB-6F65-4340-8512-6DFAB2CE07A2}"/>
-              </a:ext>
-            </a:extLst>
-          </p:cNvPr>
-          <p:cNvCxnSpPr>
-            <a:cxnSpLocks/>
-          </p:cNvCxnSpPr>
-          <p:nvPr/>
-        </p:nvCxnSpPr>
-        <p:spPr>
-          <a:xfrm>
-            <a:off x="3946359" y="2112598"/>
-            <a:ext cx="0" cy="2843715"/>
-          </a:xfrm>
-          <a:prstGeom prst="straightConnector1">
-            <a:avLst/>
-          </a:prstGeom>
-          <a:ln w="63500">
-            <a:solidFill>
-              <a:srgbClr val="FF83B6"/>
-            </a:solidFill>
-            <a:headEnd type="triangle"/>
-            <a:tailEnd type="triangle"/>
-          </a:ln>
-        </p:spPr>
-        <p:style>
-          <a:lnRef idx="3">
-            <a:schemeClr val="accent5"/>
-          </a:lnRef>
-          <a:fillRef idx="0">
-            <a:schemeClr val="accent5"/>
-          </a:fillRef>
-          <a:effectRef idx="2">
-            <a:schemeClr val="accent5"/>
-          </a:effectRef>
-          <a:fontRef idx="minor">
-            <a:schemeClr val="tx1"/>
-          </a:fontRef>
-        </p:style>
-      </p:cxnSp>
-      <p:sp>
-        <p:nvSpPr>
-          <p:cNvPr id="38" name="CasellaDiTesto 37">
-            <a:extLst>
-              <a:ext uri="{FF2B5EF4-FFF2-40B4-BE49-F238E27FC236}">
-                <a16:creationId xmlns:a16="http://schemas.microsoft.com/office/drawing/2014/main" id="{D084F21D-514E-4CC6-99A7-04A14CC04F97}"/>
-              </a:ext>
-            </a:extLst>
-          </p:cNvPr>
-          <p:cNvSpPr txBox="1"/>
-          <p:nvPr/>
-        </p:nvSpPr>
-        <p:spPr>
-          <a:xfrm>
-            <a:off x="3930516" y="3255167"/>
-            <a:ext cx="1117614" cy="584775"/>
-          </a:xfrm>
-          <a:prstGeom prst="rect">
-            <a:avLst/>
-          </a:prstGeom>
-          <a:noFill/>
-        </p:spPr>
-        <p:txBody>
-          <a:bodyPr wrap="none" rtlCol="0">
-            <a:spAutoFit/>
-          </a:bodyPr>
-          <a:lstStyle/>
-          <a:p>
-            <a:r>
-              <a:rPr lang="it-IT" sz="3200" dirty="0">
+              <a:rPr lang="it-IT" sz="1200" dirty="0">
+                <a:solidFill>
+                  <a:schemeClr val="bg1"/>
+                </a:solidFill>
                 <a:highlight>
-                  <a:srgbClr val="FF83B6"/>
+                  <a:srgbClr val="1A98FF"/>
                 </a:highlight>
               </a:rPr>
-              <a:t>30vh</a:t>
-            </a:r>
-            <a:endParaRPr lang="it-IT" dirty="0">
-              <a:highlight>
-                <a:srgbClr val="FF83B6"/>
-              </a:highlight>
-            </a:endParaRPr>
-          </a:p>
-        </p:txBody>
-      </p:sp>
-      <p:sp>
-        <p:nvSpPr>
-          <p:cNvPr id="42" name="Segnaposto piè di pagina 22">
-            <a:extLst>
-              <a:ext uri="{FF2B5EF4-FFF2-40B4-BE49-F238E27FC236}">
-                <a16:creationId xmlns:a16="http://schemas.microsoft.com/office/drawing/2014/main" id="{0C437115-6A8A-4569-96E8-2AED3BDC3126}"/>
-              </a:ext>
-            </a:extLst>
-          </p:cNvPr>
-          <p:cNvSpPr>
-            <a:spLocks noGrp="1"/>
-          </p:cNvSpPr>
-          <p:nvPr>
-            <p:ph type="ftr" sz="quarter" idx="11"/>
-          </p:nvPr>
-        </p:nvSpPr>
-        <p:spPr>
-          <a:xfrm rot="16200000">
-            <a:off x="10657491" y="2437035"/>
-            <a:ext cx="1855915" cy="365125"/>
-          </a:xfrm>
-        </p:spPr>
-        <p:txBody>
-          <a:bodyPr rtlCol="0"/>
-          <a:lstStyle/>
-          <a:p>
-            <a:pPr rtl="0">
-              <a:spcAft>
-                <a:spcPts val="600"/>
-              </a:spcAft>
-            </a:pPr>
-            <a:r>
-              <a:rPr lang="it-IT" dirty="0"/>
-              <a:t>MHW1 o46002042</a:t>
-            </a:r>
-          </a:p>
-        </p:txBody>
-      </p:sp>
-      <p:pic>
-        <p:nvPicPr>
-          <p:cNvPr id="44" name="Immagine 43">
-            <a:extLst>
-              <a:ext uri="{FF2B5EF4-FFF2-40B4-BE49-F238E27FC236}">
-                <a16:creationId xmlns:a16="http://schemas.microsoft.com/office/drawing/2014/main" id="{C99481B8-8026-479A-8A64-D055082F1CD8}"/>
-              </a:ext>
-            </a:extLst>
-          </p:cNvPr>
-          <p:cNvPicPr>
-            <a:picLocks noChangeAspect="1"/>
-          </p:cNvPicPr>
-          <p:nvPr/>
-        </p:nvPicPr>
-        <p:blipFill>
-          <a:blip r:embed="rId3"/>
-          <a:stretch>
-            <a:fillRect/>
-          </a:stretch>
-        </p:blipFill>
-        <p:spPr>
-          <a:xfrm>
-            <a:off x="7168596" y="3902672"/>
-            <a:ext cx="3046993" cy="2822214"/>
-          </a:xfrm>
-          <a:prstGeom prst="rect">
-            <a:avLst/>
-          </a:prstGeom>
-        </p:spPr>
-      </p:pic>
-      <p:sp>
-        <p:nvSpPr>
-          <p:cNvPr id="9" name="Rettangolo 8">
-            <a:extLst>
-              <a:ext uri="{FF2B5EF4-FFF2-40B4-BE49-F238E27FC236}">
-                <a16:creationId xmlns:a16="http://schemas.microsoft.com/office/drawing/2014/main" id="{95744387-6B61-4C74-BB10-C6235AD7039C}"/>
-              </a:ext>
-            </a:extLst>
-          </p:cNvPr>
-          <p:cNvSpPr/>
-          <p:nvPr/>
-        </p:nvSpPr>
-        <p:spPr>
-          <a:xfrm>
-            <a:off x="3754628" y="4956313"/>
-            <a:ext cx="567053" cy="124567"/>
-          </a:xfrm>
-          <a:prstGeom prst="rect">
-            <a:avLst/>
-          </a:prstGeom>
-        </p:spPr>
-        <p:style>
-          <a:lnRef idx="2">
-            <a:schemeClr val="accent1">
-              <a:shade val="50000"/>
-            </a:schemeClr>
-          </a:lnRef>
-          <a:fillRef idx="1">
-            <a:schemeClr val="accent1"/>
-          </a:fillRef>
-          <a:effectRef idx="0">
-            <a:schemeClr val="accent1"/>
-          </a:effectRef>
-          <a:fontRef idx="minor">
-            <a:schemeClr val="lt1"/>
-          </a:fontRef>
-        </p:style>
-        <p:txBody>
-          <a:bodyPr rtlCol="0" anchor="ctr"/>
-          <a:lstStyle/>
-          <a:p>
-            <a:pPr algn="ctr"/>
-            <a:endParaRPr lang="it-IT" dirty="0"/>
-          </a:p>
-        </p:txBody>
-      </p:sp>
-      <p:sp>
-        <p:nvSpPr>
-          <p:cNvPr id="26" name="Rettangolo 25">
-            <a:extLst>
-              <a:ext uri="{FF2B5EF4-FFF2-40B4-BE49-F238E27FC236}">
-                <a16:creationId xmlns:a16="http://schemas.microsoft.com/office/drawing/2014/main" id="{3CF8762D-F35C-4AD7-8F38-A9498C6AD002}"/>
-              </a:ext>
-            </a:extLst>
-          </p:cNvPr>
-          <p:cNvSpPr/>
-          <p:nvPr/>
-        </p:nvSpPr>
-        <p:spPr>
-          <a:xfrm>
-            <a:off x="3754627" y="1988031"/>
-            <a:ext cx="567053" cy="124567"/>
-          </a:xfrm>
-          <a:prstGeom prst="rect">
-            <a:avLst/>
-          </a:prstGeom>
-        </p:spPr>
-        <p:style>
-          <a:lnRef idx="2">
-            <a:schemeClr val="accent1">
-              <a:shade val="50000"/>
-            </a:schemeClr>
-          </a:lnRef>
-          <a:fillRef idx="1">
-            <a:schemeClr val="accent1"/>
-          </a:fillRef>
-          <a:effectRef idx="0">
-            <a:schemeClr val="accent1"/>
-          </a:effectRef>
-          <a:fontRef idx="minor">
-            <a:schemeClr val="lt1"/>
-          </a:fontRef>
-        </p:style>
-        <p:txBody>
-          <a:bodyPr rtlCol="0" anchor="ctr"/>
-          <a:lstStyle/>
-          <a:p>
-            <a:pPr algn="ctr"/>
-            <a:endParaRPr lang="it-IT" dirty="0"/>
+              <a:t>Margine sx: 8px</a:t>
+            </a:r>
           </a:p>
         </p:txBody>
       </p:sp>
     </p:spTree>
     <p:extLst>
       <p:ext uri="{BB962C8B-B14F-4D97-AF65-F5344CB8AC3E}">
-        <p14:creationId xmlns:p14="http://schemas.microsoft.com/office/powerpoint/2010/main" val="2158300552"/>
+        <p14:creationId xmlns:p14="http://schemas.microsoft.com/office/powerpoint/2010/main" val="3584772686"/>
       </p:ext>
     </p:extLst>
   </p:cSld>
@@ -17661,541 +17692,6 @@
       </p:grpSpPr>
       <p:sp>
         <p:nvSpPr>
-          <p:cNvPr id="3" name="Titolo 2">
-            <a:extLst>
-              <a:ext uri="{FF2B5EF4-FFF2-40B4-BE49-F238E27FC236}">
-                <a16:creationId xmlns:a16="http://schemas.microsoft.com/office/drawing/2014/main" id="{521F2F04-BD37-485B-A8DD-2EA952F6A8A3}"/>
-              </a:ext>
-            </a:extLst>
-          </p:cNvPr>
-          <p:cNvSpPr>
-            <a:spLocks noGrp="1"/>
-          </p:cNvSpPr>
-          <p:nvPr>
-            <p:ph type="title"/>
-          </p:nvPr>
-        </p:nvSpPr>
-        <p:spPr>
-          <a:xfrm>
-            <a:off x="850392" y="986917"/>
-            <a:ext cx="6190488" cy="1179576"/>
-          </a:xfrm>
-        </p:spPr>
-        <p:txBody>
-          <a:bodyPr/>
-          <a:lstStyle/>
-          <a:p>
-            <a:r>
-              <a:rPr lang="it-IT" dirty="0"/>
-              <a:t>Footer</a:t>
-            </a:r>
-          </a:p>
-        </p:txBody>
-      </p:sp>
-      <p:sp>
-        <p:nvSpPr>
-          <p:cNvPr id="6" name="Segnaposto piè di pagina 5">
-            <a:extLst>
-              <a:ext uri="{FF2B5EF4-FFF2-40B4-BE49-F238E27FC236}">
-                <a16:creationId xmlns:a16="http://schemas.microsoft.com/office/drawing/2014/main" id="{6C749850-EB3B-4D69-B97A-C893450ADE67}"/>
-              </a:ext>
-            </a:extLst>
-          </p:cNvPr>
-          <p:cNvSpPr>
-            <a:spLocks noGrp="1"/>
-          </p:cNvSpPr>
-          <p:nvPr>
-            <p:ph type="ftr" sz="quarter" idx="11"/>
-          </p:nvPr>
-        </p:nvSpPr>
-        <p:spPr/>
-        <p:txBody>
-          <a:bodyPr/>
-          <a:lstStyle/>
-          <a:p>
-            <a:pPr algn="l" rtl="0">
-              <a:spcAft>
-                <a:spcPts val="600"/>
-              </a:spcAft>
-            </a:pPr>
-            <a:r>
-              <a:rPr lang="it-IT" dirty="0"/>
-              <a:t>MHW1 o46002042</a:t>
-            </a:r>
-          </a:p>
-        </p:txBody>
-      </p:sp>
-      <p:sp>
-        <p:nvSpPr>
-          <p:cNvPr id="7" name="Segnaposto numero diapositiva 6">
-            <a:extLst>
-              <a:ext uri="{FF2B5EF4-FFF2-40B4-BE49-F238E27FC236}">
-                <a16:creationId xmlns:a16="http://schemas.microsoft.com/office/drawing/2014/main" id="{2AC01978-DF16-45D2-B13C-7E6C03356894}"/>
-              </a:ext>
-            </a:extLst>
-          </p:cNvPr>
-          <p:cNvSpPr>
-            <a:spLocks noGrp="1"/>
-          </p:cNvSpPr>
-          <p:nvPr>
-            <p:ph type="sldNum" sz="quarter" idx="12"/>
-          </p:nvPr>
-        </p:nvSpPr>
-        <p:spPr/>
-        <p:txBody>
-          <a:bodyPr/>
-          <a:lstStyle/>
-          <a:p>
-            <a:pPr rtl="0"/>
-            <a:fld id="{D8DA9DAA-006C-4F4B-980E-E3DF019B24E2}" type="slidenum">
-              <a:rPr lang="it-IT" noProof="0" smtClean="0"/>
-              <a:pPr rtl="0"/>
-              <a:t>7</a:t>
-            </a:fld>
-            <a:endParaRPr lang="it-IT" noProof="0" dirty="0"/>
-          </a:p>
-        </p:txBody>
-      </p:sp>
-      <p:pic>
-        <p:nvPicPr>
-          <p:cNvPr id="13" name="Segnaposto contenuto 12" descr="Immagine che contiene testo, monitor, schermo, televisione&#10;&#10;Descrizione generata automaticamente">
-            <a:extLst>
-              <a:ext uri="{FF2B5EF4-FFF2-40B4-BE49-F238E27FC236}">
-                <a16:creationId xmlns:a16="http://schemas.microsoft.com/office/drawing/2014/main" id="{06841D5A-C251-4527-A508-E62DFDE249AC}"/>
-              </a:ext>
-            </a:extLst>
-          </p:cNvPr>
-          <p:cNvPicPr>
-            <a:picLocks noGrp="1" noChangeAspect="1"/>
-          </p:cNvPicPr>
-          <p:nvPr>
-            <p:ph idx="1"/>
-          </p:nvPr>
-        </p:nvPicPr>
-        <p:blipFill>
-          <a:blip r:embed="rId2"/>
-          <a:stretch>
-            <a:fillRect/>
-          </a:stretch>
-        </p:blipFill>
-        <p:spPr>
-          <a:xfrm>
-            <a:off x="182035" y="3316872"/>
-            <a:ext cx="11827929" cy="2095534"/>
-          </a:xfrm>
-        </p:spPr>
-      </p:pic>
-      <p:cxnSp>
-        <p:nvCxnSpPr>
-          <p:cNvPr id="15" name="Connettore 2 14">
-            <a:extLst>
-              <a:ext uri="{FF2B5EF4-FFF2-40B4-BE49-F238E27FC236}">
-                <a16:creationId xmlns:a16="http://schemas.microsoft.com/office/drawing/2014/main" id="{D5732477-CC8C-4E7D-9049-DA0FD7D1CE3C}"/>
-              </a:ext>
-            </a:extLst>
-          </p:cNvPr>
-          <p:cNvCxnSpPr>
-            <a:cxnSpLocks/>
-          </p:cNvCxnSpPr>
-          <p:nvPr/>
-        </p:nvCxnSpPr>
-        <p:spPr>
-          <a:xfrm>
-            <a:off x="373422" y="4869712"/>
-            <a:ext cx="0" cy="526285"/>
-          </a:xfrm>
-          <a:prstGeom prst="straightConnector1">
-            <a:avLst/>
-          </a:prstGeom>
-          <a:ln w="9525" cap="flat" cmpd="sng" algn="ctr">
-            <a:solidFill>
-              <a:schemeClr val="bg1"/>
-            </a:solidFill>
-            <a:prstDash val="dash"/>
-            <a:round/>
-            <a:headEnd type="none" w="med" len="med"/>
-            <a:tailEnd type="none" w="med" len="med"/>
-          </a:ln>
-        </p:spPr>
-        <p:style>
-          <a:lnRef idx="0">
-            <a:scrgbClr r="0" g="0" b="0"/>
-          </a:lnRef>
-          <a:fillRef idx="0">
-            <a:scrgbClr r="0" g="0" b="0"/>
-          </a:fillRef>
-          <a:effectRef idx="0">
-            <a:scrgbClr r="0" g="0" b="0"/>
-          </a:effectRef>
-          <a:fontRef idx="minor">
-            <a:schemeClr val="tx1"/>
-          </a:fontRef>
-        </p:style>
-      </p:cxnSp>
-      <p:cxnSp>
-        <p:nvCxnSpPr>
-          <p:cNvPr id="18" name="Connettore 2 17">
-            <a:extLst>
-              <a:ext uri="{FF2B5EF4-FFF2-40B4-BE49-F238E27FC236}">
-                <a16:creationId xmlns:a16="http://schemas.microsoft.com/office/drawing/2014/main" id="{1BDEEC68-B8D2-4D3B-89A5-C82B2A978AEB}"/>
-              </a:ext>
-            </a:extLst>
-          </p:cNvPr>
-          <p:cNvCxnSpPr>
-            <a:cxnSpLocks/>
-          </p:cNvCxnSpPr>
-          <p:nvPr/>
-        </p:nvCxnSpPr>
-        <p:spPr>
-          <a:xfrm>
-            <a:off x="11818577" y="4886121"/>
-            <a:ext cx="0" cy="526285"/>
-          </a:xfrm>
-          <a:prstGeom prst="straightConnector1">
-            <a:avLst/>
-          </a:prstGeom>
-          <a:ln w="9525" cap="flat" cmpd="sng" algn="ctr">
-            <a:solidFill>
-              <a:schemeClr val="bg1"/>
-            </a:solidFill>
-            <a:prstDash val="dash"/>
-            <a:round/>
-            <a:headEnd type="none" w="med" len="med"/>
-            <a:tailEnd type="none" w="med" len="med"/>
-          </a:ln>
-        </p:spPr>
-        <p:style>
-          <a:lnRef idx="0">
-            <a:scrgbClr r="0" g="0" b="0"/>
-          </a:lnRef>
-          <a:fillRef idx="0">
-            <a:scrgbClr r="0" g="0" b="0"/>
-          </a:fillRef>
-          <a:effectRef idx="0">
-            <a:scrgbClr r="0" g="0" b="0"/>
-          </a:effectRef>
-          <a:fontRef idx="minor">
-            <a:schemeClr val="tx1"/>
-          </a:fontRef>
-        </p:style>
-      </p:cxnSp>
-      <p:cxnSp>
-        <p:nvCxnSpPr>
-          <p:cNvPr id="20" name="Connettore 2 19">
-            <a:extLst>
-              <a:ext uri="{FF2B5EF4-FFF2-40B4-BE49-F238E27FC236}">
-                <a16:creationId xmlns:a16="http://schemas.microsoft.com/office/drawing/2014/main" id="{FE901111-A9C1-4D42-A967-9204E9C89883}"/>
-              </a:ext>
-            </a:extLst>
-          </p:cNvPr>
-          <p:cNvCxnSpPr>
-            <a:cxnSpLocks/>
-          </p:cNvCxnSpPr>
-          <p:nvPr/>
-        </p:nvCxnSpPr>
-        <p:spPr>
-          <a:xfrm>
-            <a:off x="182035" y="4869712"/>
-            <a:ext cx="191387" cy="1"/>
-          </a:xfrm>
-          <a:prstGeom prst="straightConnector1">
-            <a:avLst/>
-          </a:prstGeom>
-          <a:ln w="19050">
-            <a:solidFill>
-              <a:schemeClr val="bg1"/>
-            </a:solidFill>
-            <a:headEnd type="triangle" w="med" len="sm"/>
-            <a:tailEnd type="triangle" w="med" len="sm"/>
-          </a:ln>
-        </p:spPr>
-        <p:style>
-          <a:lnRef idx="1">
-            <a:schemeClr val="accent1"/>
-          </a:lnRef>
-          <a:fillRef idx="0">
-            <a:schemeClr val="accent1"/>
-          </a:fillRef>
-          <a:effectRef idx="0">
-            <a:schemeClr val="accent1"/>
-          </a:effectRef>
-          <a:fontRef idx="minor">
-            <a:schemeClr val="tx1"/>
-          </a:fontRef>
-        </p:style>
-      </p:cxnSp>
-      <p:cxnSp>
-        <p:nvCxnSpPr>
-          <p:cNvPr id="22" name="Connettore 2 21">
-            <a:extLst>
-              <a:ext uri="{FF2B5EF4-FFF2-40B4-BE49-F238E27FC236}">
-                <a16:creationId xmlns:a16="http://schemas.microsoft.com/office/drawing/2014/main" id="{B4888AA4-7A3B-4565-A5E4-A15EFE6DC0B3}"/>
-              </a:ext>
-            </a:extLst>
-          </p:cNvPr>
-          <p:cNvCxnSpPr>
-            <a:cxnSpLocks/>
-          </p:cNvCxnSpPr>
-          <p:nvPr/>
-        </p:nvCxnSpPr>
-        <p:spPr>
-          <a:xfrm>
-            <a:off x="11818577" y="4886121"/>
-            <a:ext cx="191387" cy="1"/>
-          </a:xfrm>
-          <a:prstGeom prst="straightConnector1">
-            <a:avLst/>
-          </a:prstGeom>
-          <a:ln w="19050">
-            <a:solidFill>
-              <a:schemeClr val="bg1"/>
-            </a:solidFill>
-            <a:headEnd type="triangle" w="med" len="sm"/>
-            <a:tailEnd type="triangle" w="med" len="sm"/>
-          </a:ln>
-        </p:spPr>
-        <p:style>
-          <a:lnRef idx="1">
-            <a:schemeClr val="accent1"/>
-          </a:lnRef>
-          <a:fillRef idx="0">
-            <a:schemeClr val="accent1"/>
-          </a:fillRef>
-          <a:effectRef idx="0">
-            <a:schemeClr val="accent1"/>
-          </a:effectRef>
-          <a:fontRef idx="minor">
-            <a:schemeClr val="tx1"/>
-          </a:fontRef>
-        </p:style>
-      </p:cxnSp>
-      <p:sp>
-        <p:nvSpPr>
-          <p:cNvPr id="23" name="CasellaDiTesto 22">
-            <a:extLst>
-              <a:ext uri="{FF2B5EF4-FFF2-40B4-BE49-F238E27FC236}">
-                <a16:creationId xmlns:a16="http://schemas.microsoft.com/office/drawing/2014/main" id="{1AAE6728-7E2C-4603-8347-CDC52EE393A3}"/>
-              </a:ext>
-            </a:extLst>
-          </p:cNvPr>
-          <p:cNvSpPr txBox="1"/>
-          <p:nvPr/>
-        </p:nvSpPr>
-        <p:spPr>
-          <a:xfrm>
-            <a:off x="230321" y="4516789"/>
-            <a:ext cx="710451" cy="369332"/>
-          </a:xfrm>
-          <a:prstGeom prst="rect">
-            <a:avLst/>
-          </a:prstGeom>
-          <a:noFill/>
-        </p:spPr>
-        <p:txBody>
-          <a:bodyPr wrap="none" rtlCol="0">
-            <a:spAutoFit/>
-          </a:bodyPr>
-          <a:lstStyle/>
-          <a:p>
-            <a:r>
-              <a:rPr lang="it-IT" dirty="0">
-                <a:solidFill>
-                  <a:schemeClr val="bg1"/>
-                </a:solidFill>
-              </a:rPr>
-              <a:t>24px</a:t>
-            </a:r>
-          </a:p>
-        </p:txBody>
-      </p:sp>
-      <p:sp>
-        <p:nvSpPr>
-          <p:cNvPr id="24" name="CasellaDiTesto 23">
-            <a:extLst>
-              <a:ext uri="{FF2B5EF4-FFF2-40B4-BE49-F238E27FC236}">
-                <a16:creationId xmlns:a16="http://schemas.microsoft.com/office/drawing/2014/main" id="{CEE6FA87-0FB0-4450-99C9-625A9450E3CD}"/>
-              </a:ext>
-            </a:extLst>
-          </p:cNvPr>
-          <p:cNvSpPr txBox="1"/>
-          <p:nvPr/>
-        </p:nvSpPr>
-        <p:spPr>
-          <a:xfrm>
-            <a:off x="11251228" y="4516789"/>
-            <a:ext cx="710451" cy="369332"/>
-          </a:xfrm>
-          <a:prstGeom prst="rect">
-            <a:avLst/>
-          </a:prstGeom>
-          <a:noFill/>
-        </p:spPr>
-        <p:txBody>
-          <a:bodyPr wrap="none" rtlCol="0">
-            <a:spAutoFit/>
-          </a:bodyPr>
-          <a:lstStyle/>
-          <a:p>
-            <a:r>
-              <a:rPr lang="it-IT" dirty="0">
-                <a:solidFill>
-                  <a:schemeClr val="bg1"/>
-                </a:solidFill>
-              </a:rPr>
-              <a:t>24px</a:t>
-            </a:r>
-          </a:p>
-        </p:txBody>
-      </p:sp>
-      <p:cxnSp>
-        <p:nvCxnSpPr>
-          <p:cNvPr id="26" name="Connettore 2 25">
-            <a:extLst>
-              <a:ext uri="{FF2B5EF4-FFF2-40B4-BE49-F238E27FC236}">
-                <a16:creationId xmlns:a16="http://schemas.microsoft.com/office/drawing/2014/main" id="{C580ABFF-C7FC-4EB2-BE18-0CD1DB8A985D}"/>
-              </a:ext>
-            </a:extLst>
-          </p:cNvPr>
-          <p:cNvCxnSpPr/>
-          <p:nvPr/>
-        </p:nvCxnSpPr>
-        <p:spPr>
-          <a:xfrm>
-            <a:off x="1219200" y="5149263"/>
-            <a:ext cx="6256421" cy="0"/>
-          </a:xfrm>
-          <a:prstGeom prst="straightConnector1">
-            <a:avLst/>
-          </a:prstGeom>
-          <a:ln>
-            <a:solidFill>
-              <a:schemeClr val="bg1"/>
-            </a:solidFill>
-            <a:headEnd type="triangle"/>
-            <a:tailEnd type="triangle"/>
-          </a:ln>
-        </p:spPr>
-        <p:style>
-          <a:lnRef idx="1">
-            <a:schemeClr val="accent1"/>
-          </a:lnRef>
-          <a:fillRef idx="0">
-            <a:schemeClr val="accent1"/>
-          </a:fillRef>
-          <a:effectRef idx="0">
-            <a:schemeClr val="accent1"/>
-          </a:effectRef>
-          <a:fontRef idx="minor">
-            <a:schemeClr val="tx1"/>
-          </a:fontRef>
-        </p:style>
-      </p:cxnSp>
-      <p:sp>
-        <p:nvSpPr>
-          <p:cNvPr id="27" name="CasellaDiTesto 26">
-            <a:extLst>
-              <a:ext uri="{FF2B5EF4-FFF2-40B4-BE49-F238E27FC236}">
-                <a16:creationId xmlns:a16="http://schemas.microsoft.com/office/drawing/2014/main" id="{B41C3BA1-3967-48BB-9AD5-C53041463469}"/>
-              </a:ext>
-            </a:extLst>
-          </p:cNvPr>
-          <p:cNvSpPr txBox="1"/>
-          <p:nvPr/>
-        </p:nvSpPr>
-        <p:spPr>
-          <a:xfrm>
-            <a:off x="3013329" y="4701455"/>
-            <a:ext cx="1864613" cy="369332"/>
-          </a:xfrm>
-          <a:prstGeom prst="rect">
-            <a:avLst/>
-          </a:prstGeom>
-          <a:noFill/>
-        </p:spPr>
-        <p:txBody>
-          <a:bodyPr wrap="none" rtlCol="0">
-            <a:spAutoFit/>
-          </a:bodyPr>
-          <a:lstStyle/>
-          <a:p>
-            <a:r>
-              <a:rPr lang="it-IT" dirty="0">
-                <a:solidFill>
-                  <a:schemeClr val="bg1"/>
-                </a:solidFill>
-              </a:rPr>
-              <a:t>Space Between</a:t>
-            </a:r>
-          </a:p>
-        </p:txBody>
-      </p:sp>
-      <p:sp>
-        <p:nvSpPr>
-          <p:cNvPr id="28" name="CasellaDiTesto 27">
-            <a:extLst>
-              <a:ext uri="{FF2B5EF4-FFF2-40B4-BE49-F238E27FC236}">
-                <a16:creationId xmlns:a16="http://schemas.microsoft.com/office/drawing/2014/main" id="{66F8DC48-671F-48E4-9497-D79CF5F174B7}"/>
-              </a:ext>
-            </a:extLst>
-          </p:cNvPr>
-          <p:cNvSpPr txBox="1"/>
-          <p:nvPr/>
-        </p:nvSpPr>
-        <p:spPr>
-          <a:xfrm>
-            <a:off x="940773" y="2166493"/>
-            <a:ext cx="10413028" cy="1015663"/>
-          </a:xfrm>
-          <a:prstGeom prst="rect">
-            <a:avLst/>
-          </a:prstGeom>
-          <a:noFill/>
-        </p:spPr>
-        <p:txBody>
-          <a:bodyPr wrap="square" rtlCol="0">
-            <a:spAutoFit/>
-          </a:bodyPr>
-          <a:lstStyle/>
-          <a:p>
-            <a:r>
-              <a:rPr lang="it-IT" sz="2000" dirty="0"/>
-              <a:t>Il footer è un flex container con padding 24px e disposizione space between. Il testo ha dimensioni 0.8rem. Contiene 3 link ai miei social e il mio nome, cognome e numero di matricola.</a:t>
-            </a:r>
-          </a:p>
-        </p:txBody>
-      </p:sp>
-    </p:spTree>
-    <p:extLst>
-      <p:ext uri="{BB962C8B-B14F-4D97-AF65-F5344CB8AC3E}">
-        <p14:creationId xmlns:p14="http://schemas.microsoft.com/office/powerpoint/2010/main" val="3184484411"/>
-      </p:ext>
-    </p:extLst>
-  </p:cSld>
-  <p:clrMapOvr>
-    <a:masterClrMapping/>
-  </p:clrMapOvr>
-</p:sld>
-</file>
-
-<file path=ppt/slides/slide8.xml><?xml version="1.0" encoding="utf-8"?>
-<p:sld xmlns:a="http://schemas.openxmlformats.org/drawingml/2006/main" xmlns:r="http://schemas.openxmlformats.org/officeDocument/2006/relationships" xmlns:p="http://schemas.openxmlformats.org/presentationml/2006/main">
-  <p:cSld>
-    <p:spTree>
-      <p:nvGrpSpPr>
-        <p:cNvPr id="1" name=""/>
-        <p:cNvGrpSpPr/>
-        <p:nvPr/>
-      </p:nvGrpSpPr>
-      <p:grpSpPr>
-        <a:xfrm>
-          <a:off x="0" y="0"/>
-          <a:ext cx="0" cy="0"/>
-          <a:chOff x="0" y="0"/>
-          <a:chExt cx="0" cy="0"/>
-        </a:xfrm>
-      </p:grpSpPr>
-      <p:sp>
-        <p:nvSpPr>
           <p:cNvPr id="20" name="Title 1">
             <a:extLst>
               <a:ext uri="{FF2B5EF4-FFF2-40B4-BE49-F238E27FC236}">
@@ -18362,7 +17858,7 @@
                   <a:spcPts val="600"/>
                 </a:spcAft>
               </a:pPr>
-              <a:t>8</a:t>
+              <a:t>7</a:t>
             </a:fld>
             <a:endParaRPr lang="it-IT" noProof="0" dirty="0"/>
           </a:p>
@@ -19076,6 +18572,254 @@
 </p:sld>
 </file>
 
+<file path=ppt/slides/slide8.xml><?xml version="1.0" encoding="utf-8"?>
+<p:sld xmlns:a="http://schemas.openxmlformats.org/drawingml/2006/main" xmlns:r="http://schemas.openxmlformats.org/officeDocument/2006/relationships" xmlns:p="http://schemas.openxmlformats.org/presentationml/2006/main">
+  <p:cSld>
+    <p:spTree>
+      <p:nvGrpSpPr>
+        <p:cNvPr id="1" name=""/>
+        <p:cNvGrpSpPr/>
+        <p:nvPr/>
+      </p:nvGrpSpPr>
+      <p:grpSpPr>
+        <a:xfrm>
+          <a:off x="0" y="0"/>
+          <a:ext cx="0" cy="0"/>
+          <a:chOff x="0" y="0"/>
+          <a:chExt cx="0" cy="0"/>
+        </a:xfrm>
+      </p:grpSpPr>
+      <p:sp>
+        <p:nvSpPr>
+          <p:cNvPr id="2" name="Titolo 1">
+            <a:extLst>
+              <a:ext uri="{FF2B5EF4-FFF2-40B4-BE49-F238E27FC236}">
+                <a16:creationId xmlns:a16="http://schemas.microsoft.com/office/drawing/2014/main" id="{4C23E436-9A11-45BF-81AD-DF24C87B5210}"/>
+              </a:ext>
+            </a:extLst>
+          </p:cNvPr>
+          <p:cNvSpPr>
+            <a:spLocks noGrp="1"/>
+          </p:cNvSpPr>
+          <p:nvPr>
+            <p:ph type="title"/>
+          </p:nvPr>
+        </p:nvSpPr>
+        <p:spPr/>
+        <p:txBody>
+          <a:bodyPr/>
+          <a:lstStyle/>
+          <a:p>
+            <a:r>
+              <a:rPr lang="it-IT" dirty="0"/>
+              <a:t>SEZIONE DEI CONTENUTI</a:t>
+            </a:r>
+          </a:p>
+        </p:txBody>
+      </p:sp>
+      <p:pic>
+        <p:nvPicPr>
+          <p:cNvPr id="6" name="Immagine 5">
+            <a:extLst>
+              <a:ext uri="{FF2B5EF4-FFF2-40B4-BE49-F238E27FC236}">
+                <a16:creationId xmlns:a16="http://schemas.microsoft.com/office/drawing/2014/main" id="{458755D0-7BCB-47BD-B3DD-E5BC409668E9}"/>
+              </a:ext>
+            </a:extLst>
+          </p:cNvPr>
+          <p:cNvPicPr>
+            <a:picLocks noChangeAspect="1"/>
+          </p:cNvPicPr>
+          <p:nvPr/>
+        </p:nvPicPr>
+        <p:blipFill>
+          <a:blip r:embed="rId2"/>
+          <a:stretch>
+            <a:fillRect/>
+          </a:stretch>
+        </p:blipFill>
+        <p:spPr>
+          <a:xfrm>
+            <a:off x="765778" y="1965586"/>
+            <a:ext cx="6566130" cy="3562872"/>
+          </a:xfrm>
+          <a:prstGeom prst="rect">
+            <a:avLst/>
+          </a:prstGeom>
+        </p:spPr>
+      </p:pic>
+      <p:sp>
+        <p:nvSpPr>
+          <p:cNvPr id="8" name="Rettangolo 7">
+            <a:extLst>
+              <a:ext uri="{FF2B5EF4-FFF2-40B4-BE49-F238E27FC236}">
+                <a16:creationId xmlns:a16="http://schemas.microsoft.com/office/drawing/2014/main" id="{0A6DC488-6B93-4444-851E-A7380D8E0FF3}"/>
+              </a:ext>
+            </a:extLst>
+          </p:cNvPr>
+          <p:cNvSpPr/>
+          <p:nvPr/>
+        </p:nvSpPr>
+        <p:spPr>
+          <a:xfrm>
+            <a:off x="765777" y="2058351"/>
+            <a:ext cx="6566131" cy="1961321"/>
+          </a:xfrm>
+          <a:prstGeom prst="rect">
+            <a:avLst/>
+          </a:prstGeom>
+          <a:solidFill>
+            <a:schemeClr val="accent6">
+              <a:alpha val="50000"/>
+            </a:schemeClr>
+          </a:solidFill>
+          <a:ln>
+            <a:noFill/>
+          </a:ln>
+        </p:spPr>
+        <p:style>
+          <a:lnRef idx="0">
+            <a:scrgbClr r="0" g="0" b="0"/>
+          </a:lnRef>
+          <a:fillRef idx="0">
+            <a:scrgbClr r="0" g="0" b="0"/>
+          </a:fillRef>
+          <a:effectRef idx="0">
+            <a:scrgbClr r="0" g="0" b="0"/>
+          </a:effectRef>
+          <a:fontRef idx="minor">
+            <a:schemeClr val="lt1"/>
+          </a:fontRef>
+        </p:style>
+        <p:txBody>
+          <a:bodyPr rtlCol="0" anchor="ctr"/>
+          <a:lstStyle/>
+          <a:p>
+            <a:pPr algn="ctr"/>
+            <a:endParaRPr lang="it-IT"/>
+          </a:p>
+        </p:txBody>
+      </p:sp>
+      <p:sp>
+        <p:nvSpPr>
+          <p:cNvPr id="9" name="CasellaDiTesto 8">
+            <a:extLst>
+              <a:ext uri="{FF2B5EF4-FFF2-40B4-BE49-F238E27FC236}">
+                <a16:creationId xmlns:a16="http://schemas.microsoft.com/office/drawing/2014/main" id="{1202CB5B-65AC-430A-854E-48F65B402907}"/>
+              </a:ext>
+            </a:extLst>
+          </p:cNvPr>
+          <p:cNvSpPr txBox="1"/>
+          <p:nvPr/>
+        </p:nvSpPr>
+        <p:spPr>
+          <a:xfrm>
+            <a:off x="9965706" y="1965585"/>
+            <a:ext cx="2001078" cy="3693319"/>
+          </a:xfrm>
+          <a:prstGeom prst="rect">
+            <a:avLst/>
+          </a:prstGeom>
+          <a:noFill/>
+        </p:spPr>
+        <p:txBody>
+          <a:bodyPr wrap="square" rtlCol="0">
+            <a:spAutoFit/>
+          </a:bodyPr>
+          <a:lstStyle/>
+          <a:p>
+            <a:r>
+              <a:rPr lang="it-IT" dirty="0"/>
+              <a:t>La sezione dei contenuti occupa l’80% della pagina, il 20% è occupato dalla </a:t>
+            </a:r>
+            <a:r>
+              <a:rPr lang="it-IT" dirty="0" err="1"/>
+              <a:t>nav</a:t>
+            </a:r>
+            <a:r>
+              <a:rPr lang="it-IT" dirty="0"/>
+              <a:t>, e contiene le card per accedere ai video. Le proprietà delle card sono spiegate nella slide successiva.</a:t>
+            </a:r>
+          </a:p>
+        </p:txBody>
+      </p:sp>
+      <p:pic>
+        <p:nvPicPr>
+          <p:cNvPr id="11" name="Immagine 10">
+            <a:extLst>
+              <a:ext uri="{FF2B5EF4-FFF2-40B4-BE49-F238E27FC236}">
+                <a16:creationId xmlns:a16="http://schemas.microsoft.com/office/drawing/2014/main" id="{1F5D20C5-474E-435B-AD00-1A3868BA4A22}"/>
+              </a:ext>
+            </a:extLst>
+          </p:cNvPr>
+          <p:cNvPicPr>
+            <a:picLocks noChangeAspect="1"/>
+          </p:cNvPicPr>
+          <p:nvPr/>
+        </p:nvPicPr>
+        <p:blipFill>
+          <a:blip r:embed="rId3"/>
+          <a:stretch>
+            <a:fillRect/>
+          </a:stretch>
+        </p:blipFill>
+        <p:spPr>
+          <a:xfrm>
+            <a:off x="7331907" y="1965585"/>
+            <a:ext cx="2633799" cy="3562873"/>
+          </a:xfrm>
+          <a:prstGeom prst="rect">
+            <a:avLst/>
+          </a:prstGeom>
+        </p:spPr>
+      </p:pic>
+      <p:sp>
+        <p:nvSpPr>
+          <p:cNvPr id="12" name="CasellaDiTesto 11">
+            <a:extLst>
+              <a:ext uri="{FF2B5EF4-FFF2-40B4-BE49-F238E27FC236}">
+                <a16:creationId xmlns:a16="http://schemas.microsoft.com/office/drawing/2014/main" id="{1ACC4350-8322-4E69-97BD-C01809E1A013}"/>
+              </a:ext>
+            </a:extLst>
+          </p:cNvPr>
+          <p:cNvSpPr txBox="1"/>
+          <p:nvPr/>
+        </p:nvSpPr>
+        <p:spPr>
+          <a:xfrm>
+            <a:off x="765777" y="5658904"/>
+            <a:ext cx="5557932" cy="369332"/>
+          </a:xfrm>
+          <a:prstGeom prst="rect">
+            <a:avLst/>
+          </a:prstGeom>
+          <a:noFill/>
+        </p:spPr>
+        <p:txBody>
+          <a:bodyPr wrap="none" rtlCol="0">
+            <a:spAutoFit/>
+          </a:bodyPr>
+          <a:lstStyle/>
+          <a:p>
+            <a:r>
+              <a:rPr lang="it-IT" dirty="0"/>
+              <a:t>Il font che indica il genere ha dimensione 1.8rem.</a:t>
+            </a:r>
+          </a:p>
+        </p:txBody>
+      </p:sp>
+    </p:spTree>
+    <p:extLst>
+      <p:ext uri="{BB962C8B-B14F-4D97-AF65-F5344CB8AC3E}">
+        <p14:creationId xmlns:p14="http://schemas.microsoft.com/office/powerpoint/2010/main" val="111190608"/>
+      </p:ext>
+    </p:extLst>
+  </p:cSld>
+  <p:clrMapOvr>
+    <a:masterClrMapping/>
+  </p:clrMapOvr>
+</p:sld>
+</file>
+
 <file path=ppt/slides/slide9.xml><?xml version="1.0" encoding="utf-8"?>
 <p:sld xmlns:a="http://schemas.openxmlformats.org/drawingml/2006/main" xmlns:r="http://schemas.openxmlformats.org/officeDocument/2006/relationships" xmlns:p="http://schemas.openxmlformats.org/presentationml/2006/main">
   <p:cSld>
@@ -19098,7 +18842,7 @@
           <p:cNvPr id="2" name="Titolo 1">
             <a:extLst>
               <a:ext uri="{FF2B5EF4-FFF2-40B4-BE49-F238E27FC236}">
-                <a16:creationId xmlns:a16="http://schemas.microsoft.com/office/drawing/2014/main" id="{C5F2FB0B-15EC-453B-BC9B-69AD35DDCEA3}"/>
+                <a16:creationId xmlns:a16="http://schemas.microsoft.com/office/drawing/2014/main" id="{4B8DD7A1-1638-4569-8479-370257A0FE22}"/>
               </a:ext>
             </a:extLst>
           </p:cNvPr>
@@ -19109,22 +18853,22 @@
             <p:ph type="ctrTitle"/>
           </p:nvPr>
         </p:nvSpPr>
-        <p:spPr/>
-        <p:txBody>
-          <a:bodyPr rtlCol="0"/>
+        <p:spPr>
+          <a:xfrm>
+            <a:off x="6236366" y="195844"/>
+            <a:ext cx="5166520" cy="687301"/>
+          </a:xfrm>
+        </p:spPr>
+        <p:txBody>
+          <a:bodyPr>
+            <a:normAutofit/>
+          </a:bodyPr>
           <a:lstStyle/>
           <a:p>
-            <a:pPr rtl="0"/>
-            <a:r>
-              <a:rPr lang="it-IT" b="1" cap="all" spc="400" dirty="0">
-                <a:solidFill>
-                  <a:schemeClr val="bg1"/>
-                </a:solidFill>
-                <a:latin typeface="+mn-lt"/>
-              </a:rPr>
-              <a:t>Modalità tablet</a:t>
-            </a:r>
-            <a:endParaRPr lang="it-IT" dirty="0"/>
+            <a:r>
+              <a:rPr lang="it-IT" dirty="0"/>
+              <a:t>Sezione dei Contenuti</a:t>
+            </a:r>
           </a:p>
         </p:txBody>
       </p:sp>
@@ -19133,7 +18877,7 @@
           <p:cNvPr id="3" name="Sottotitolo 2">
             <a:extLst>
               <a:ext uri="{FF2B5EF4-FFF2-40B4-BE49-F238E27FC236}">
-                <a16:creationId xmlns:a16="http://schemas.microsoft.com/office/drawing/2014/main" id="{05408798-0DB3-46BF-880E-7BB904D700F6}"/>
+                <a16:creationId xmlns:a16="http://schemas.microsoft.com/office/drawing/2014/main" id="{E08C6B40-BA3D-45AD-9B60-806F6658D47C}"/>
               </a:ext>
             </a:extLst>
           </p:cNvPr>
@@ -19144,20 +18888,736 @@
             <p:ph type="subTitle" idx="1"/>
           </p:nvPr>
         </p:nvSpPr>
+        <p:spPr>
+          <a:xfrm>
+            <a:off x="6236366" y="930699"/>
+            <a:ext cx="5117433" cy="2971973"/>
+          </a:xfrm>
+        </p:spPr>
+        <p:txBody>
+          <a:bodyPr>
+            <a:normAutofit/>
+          </a:bodyPr>
+          <a:lstStyle/>
+          <a:p>
+            <a:r>
+              <a:rPr lang="it-IT" dirty="0"/>
+              <a:t>Il corpo principale è diviso in section, ogni section rappresenta un genere. Il section contiene un h2 e uno ‘’Show-case’’ che mostra tre card. Le card sono composte da un’immagine in 16:9 (la copertina del video), da un h5 che indica il titolo del video e un p che invece contiene chi lo ha pubblicato.</a:t>
+            </a:r>
+          </a:p>
+          <a:p>
+            <a:r>
+              <a:rPr lang="it-IT" dirty="0"/>
+              <a:t>Titolo e il nome del creatore hanno un margine di 4px; la card ne ha uno di 8px.</a:t>
+            </a:r>
+          </a:p>
+          <a:p>
+            <a:endParaRPr lang="it-IT" dirty="0"/>
+          </a:p>
+        </p:txBody>
+      </p:sp>
+      <p:sp>
+        <p:nvSpPr>
+          <p:cNvPr id="5" name="Segnaposto numero diapositiva 4">
+            <a:extLst>
+              <a:ext uri="{FF2B5EF4-FFF2-40B4-BE49-F238E27FC236}">
+                <a16:creationId xmlns:a16="http://schemas.microsoft.com/office/drawing/2014/main" id="{E6F662B7-5CB8-4467-AAF6-343C62617EAB}"/>
+              </a:ext>
+            </a:extLst>
+          </p:cNvPr>
+          <p:cNvSpPr>
+            <a:spLocks noGrp="1"/>
+          </p:cNvSpPr>
+          <p:nvPr>
+            <p:ph type="sldNum" sz="quarter" idx="12"/>
+          </p:nvPr>
+        </p:nvSpPr>
         <p:spPr/>
+        <p:txBody>
+          <a:bodyPr/>
+          <a:lstStyle/>
+          <a:p>
+            <a:pPr rtl="0"/>
+            <a:fld id="{D8DA9DAA-006C-4F4B-980E-E3DF019B24E2}" type="slidenum">
+              <a:rPr lang="it-IT" noProof="0" smtClean="0"/>
+              <a:pPr rtl="0"/>
+              <a:t>9</a:t>
+            </a:fld>
+            <a:endParaRPr lang="it-IT" noProof="0" dirty="0"/>
+          </a:p>
+        </p:txBody>
+      </p:sp>
+      <p:pic>
+        <p:nvPicPr>
+          <p:cNvPr id="8" name="Segnaposto immagine 7" descr="Immagine che contiene testo, monitor, montato, mano&#10;&#10;Descrizione generata automaticamente">
+            <a:extLst>
+              <a:ext uri="{FF2B5EF4-FFF2-40B4-BE49-F238E27FC236}">
+                <a16:creationId xmlns:a16="http://schemas.microsoft.com/office/drawing/2014/main" id="{07FEC86E-5045-4118-994A-E100A374A47B}"/>
+              </a:ext>
+            </a:extLst>
+          </p:cNvPr>
+          <p:cNvPicPr>
+            <a:picLocks noGrp="1" noChangeAspect="1"/>
+          </p:cNvPicPr>
+          <p:nvPr>
+            <p:ph type="pic" sz="quarter" idx="13"/>
+          </p:nvPr>
+        </p:nvPicPr>
+        <p:blipFill>
+          <a:blip r:embed="rId2"/>
+          <a:srcRect l="6981" r="6981"/>
+          <a:stretch>
+            <a:fillRect/>
+          </a:stretch>
+        </p:blipFill>
+        <p:spPr/>
+      </p:pic>
+      <p:cxnSp>
+        <p:nvCxnSpPr>
+          <p:cNvPr id="10" name="Connettore 2 9">
+            <a:extLst>
+              <a:ext uri="{FF2B5EF4-FFF2-40B4-BE49-F238E27FC236}">
+                <a16:creationId xmlns:a16="http://schemas.microsoft.com/office/drawing/2014/main" id="{B5414B28-0CD8-407F-9F34-C3B0B799CB40}"/>
+              </a:ext>
+            </a:extLst>
+          </p:cNvPr>
+          <p:cNvCxnSpPr>
+            <a:cxnSpLocks/>
+          </p:cNvCxnSpPr>
+          <p:nvPr/>
+        </p:nvCxnSpPr>
+        <p:spPr>
+          <a:xfrm>
+            <a:off x="832513" y="2088108"/>
+            <a:ext cx="2792104" cy="0"/>
+          </a:xfrm>
+          <a:prstGeom prst="straightConnector1">
+            <a:avLst/>
+          </a:prstGeom>
+          <a:ln w="38100">
+            <a:headEnd type="triangle"/>
+            <a:tailEnd type="triangle"/>
+          </a:ln>
+        </p:spPr>
+        <p:style>
+          <a:lnRef idx="3">
+            <a:schemeClr val="dk1"/>
+          </a:lnRef>
+          <a:fillRef idx="0">
+            <a:schemeClr val="dk1"/>
+          </a:fillRef>
+          <a:effectRef idx="2">
+            <a:schemeClr val="dk1"/>
+          </a:effectRef>
+          <a:fontRef idx="minor">
+            <a:schemeClr val="tx1"/>
+          </a:fontRef>
+        </p:style>
+      </p:cxnSp>
+      <p:cxnSp>
+        <p:nvCxnSpPr>
+          <p:cNvPr id="12" name="Connettore 2 11">
+            <a:extLst>
+              <a:ext uri="{FF2B5EF4-FFF2-40B4-BE49-F238E27FC236}">
+                <a16:creationId xmlns:a16="http://schemas.microsoft.com/office/drawing/2014/main" id="{20B0A465-D461-4358-BF73-F3E933AA021F}"/>
+              </a:ext>
+            </a:extLst>
+          </p:cNvPr>
+          <p:cNvCxnSpPr>
+            <a:cxnSpLocks/>
+          </p:cNvCxnSpPr>
+          <p:nvPr/>
+        </p:nvCxnSpPr>
+        <p:spPr>
+          <a:xfrm>
+            <a:off x="3624617" y="2088108"/>
+            <a:ext cx="0" cy="1609572"/>
+          </a:xfrm>
+          <a:prstGeom prst="straightConnector1">
+            <a:avLst/>
+          </a:prstGeom>
+          <a:ln w="38100">
+            <a:headEnd type="triangle"/>
+            <a:tailEnd type="triangle"/>
+          </a:ln>
+        </p:spPr>
+        <p:style>
+          <a:lnRef idx="3">
+            <a:schemeClr val="dk1"/>
+          </a:lnRef>
+          <a:fillRef idx="0">
+            <a:schemeClr val="dk1"/>
+          </a:fillRef>
+          <a:effectRef idx="2">
+            <a:schemeClr val="dk1"/>
+          </a:effectRef>
+          <a:fontRef idx="minor">
+            <a:schemeClr val="tx1"/>
+          </a:fontRef>
+        </p:style>
+      </p:cxnSp>
+      <p:sp>
+        <p:nvSpPr>
+          <p:cNvPr id="16" name="CasellaDiTesto 15">
+            <a:extLst>
+              <a:ext uri="{FF2B5EF4-FFF2-40B4-BE49-F238E27FC236}">
+                <a16:creationId xmlns:a16="http://schemas.microsoft.com/office/drawing/2014/main" id="{7133FB3C-9EC8-4B78-9ACF-2938A4C64DE3}"/>
+              </a:ext>
+            </a:extLst>
+          </p:cNvPr>
+          <p:cNvSpPr txBox="1"/>
+          <p:nvPr/>
+        </p:nvSpPr>
+        <p:spPr>
+          <a:xfrm>
+            <a:off x="1847692" y="2088108"/>
+            <a:ext cx="761747" cy="369332"/>
+          </a:xfrm>
+          <a:prstGeom prst="rect">
+            <a:avLst/>
+          </a:prstGeom>
+          <a:noFill/>
+        </p:spPr>
+        <p:txBody>
+          <a:bodyPr wrap="none" rtlCol="0">
+            <a:spAutoFit/>
+          </a:bodyPr>
+          <a:lstStyle/>
+          <a:p>
+            <a:r>
+              <a:rPr lang="it-IT" dirty="0"/>
+              <a:t>18vw</a:t>
+            </a:r>
+          </a:p>
+        </p:txBody>
+      </p:sp>
+      <p:sp>
+        <p:nvSpPr>
+          <p:cNvPr id="17" name="CasellaDiTesto 16">
+            <a:extLst>
+              <a:ext uri="{FF2B5EF4-FFF2-40B4-BE49-F238E27FC236}">
+                <a16:creationId xmlns:a16="http://schemas.microsoft.com/office/drawing/2014/main" id="{6397A274-55EC-44D1-8B26-854F64BE5FEA}"/>
+              </a:ext>
+            </a:extLst>
+          </p:cNvPr>
+          <p:cNvSpPr txBox="1"/>
+          <p:nvPr/>
+        </p:nvSpPr>
+        <p:spPr>
+          <a:xfrm rot="16200000">
+            <a:off x="2770537" y="2757522"/>
+            <a:ext cx="1338828" cy="369332"/>
+          </a:xfrm>
+          <a:prstGeom prst="rect">
+            <a:avLst/>
+          </a:prstGeom>
+          <a:noFill/>
+        </p:spPr>
+        <p:txBody>
+          <a:bodyPr wrap="none" rtlCol="0">
+            <a:spAutoFit/>
+          </a:bodyPr>
+          <a:lstStyle/>
+          <a:p>
+            <a:r>
+              <a:rPr lang="it-IT" dirty="0"/>
+              <a:t>18vw*9/16</a:t>
+            </a:r>
+          </a:p>
+        </p:txBody>
+      </p:sp>
+      <p:sp>
+        <p:nvSpPr>
+          <p:cNvPr id="23" name="Parentesi graffa chiusa 22">
+            <a:extLst>
+              <a:ext uri="{FF2B5EF4-FFF2-40B4-BE49-F238E27FC236}">
+                <a16:creationId xmlns:a16="http://schemas.microsoft.com/office/drawing/2014/main" id="{E9A20C38-DADE-44BF-BF80-F2C58A01AFA1}"/>
+              </a:ext>
+            </a:extLst>
+          </p:cNvPr>
+          <p:cNvSpPr/>
+          <p:nvPr/>
+        </p:nvSpPr>
+        <p:spPr>
+          <a:xfrm>
+            <a:off x="1515762" y="3697679"/>
+            <a:ext cx="45719" cy="79367"/>
+          </a:xfrm>
+          <a:prstGeom prst="rightBrace">
+            <a:avLst/>
+          </a:prstGeom>
+        </p:spPr>
+        <p:style>
+          <a:lnRef idx="1">
+            <a:schemeClr val="dk1"/>
+          </a:lnRef>
+          <a:fillRef idx="0">
+            <a:schemeClr val="dk1"/>
+          </a:fillRef>
+          <a:effectRef idx="0">
+            <a:schemeClr val="dk1"/>
+          </a:effectRef>
+          <a:fontRef idx="minor">
+            <a:schemeClr val="tx1"/>
+          </a:fontRef>
+        </p:style>
+        <p:txBody>
+          <a:bodyPr rtlCol="0" anchor="ctr"/>
+          <a:lstStyle/>
+          <a:p>
+            <a:pPr algn="ctr"/>
+            <a:endParaRPr lang="it-IT" dirty="0"/>
+          </a:p>
+        </p:txBody>
+      </p:sp>
+      <p:sp>
+        <p:nvSpPr>
+          <p:cNvPr id="24" name="Parentesi graffa chiusa 23">
+            <a:extLst>
+              <a:ext uri="{FF2B5EF4-FFF2-40B4-BE49-F238E27FC236}">
+                <a16:creationId xmlns:a16="http://schemas.microsoft.com/office/drawing/2014/main" id="{C3770C7D-F249-4D92-AE98-4F1462C596A7}"/>
+              </a:ext>
+            </a:extLst>
+          </p:cNvPr>
+          <p:cNvSpPr/>
+          <p:nvPr/>
+        </p:nvSpPr>
+        <p:spPr>
+          <a:xfrm>
+            <a:off x="1515762" y="3948933"/>
+            <a:ext cx="45719" cy="79367"/>
+          </a:xfrm>
+          <a:prstGeom prst="rightBrace">
+            <a:avLst/>
+          </a:prstGeom>
+        </p:spPr>
+        <p:style>
+          <a:lnRef idx="1">
+            <a:schemeClr val="dk1"/>
+          </a:lnRef>
+          <a:fillRef idx="0">
+            <a:schemeClr val="dk1"/>
+          </a:fillRef>
+          <a:effectRef idx="0">
+            <a:schemeClr val="dk1"/>
+          </a:effectRef>
+          <a:fontRef idx="minor">
+            <a:schemeClr val="tx1"/>
+          </a:fontRef>
+        </p:style>
+        <p:txBody>
+          <a:bodyPr rtlCol="0" anchor="ctr"/>
+          <a:lstStyle/>
+          <a:p>
+            <a:pPr algn="ctr"/>
+            <a:endParaRPr lang="it-IT" dirty="0"/>
+          </a:p>
+        </p:txBody>
+      </p:sp>
+      <p:sp>
+        <p:nvSpPr>
+          <p:cNvPr id="25" name="Parentesi graffa chiusa 24">
+            <a:extLst>
+              <a:ext uri="{FF2B5EF4-FFF2-40B4-BE49-F238E27FC236}">
+                <a16:creationId xmlns:a16="http://schemas.microsoft.com/office/drawing/2014/main" id="{E0414B68-C5AC-45A7-B56F-1F2650E7C05B}"/>
+              </a:ext>
+            </a:extLst>
+          </p:cNvPr>
+          <p:cNvSpPr/>
+          <p:nvPr/>
+        </p:nvSpPr>
+        <p:spPr>
+          <a:xfrm>
+            <a:off x="1515762" y="4028300"/>
+            <a:ext cx="45719" cy="79367"/>
+          </a:xfrm>
+          <a:prstGeom prst="rightBrace">
+            <a:avLst/>
+          </a:prstGeom>
+        </p:spPr>
+        <p:style>
+          <a:lnRef idx="1">
+            <a:schemeClr val="dk1"/>
+          </a:lnRef>
+          <a:fillRef idx="0">
+            <a:schemeClr val="dk1"/>
+          </a:fillRef>
+          <a:effectRef idx="0">
+            <a:schemeClr val="dk1"/>
+          </a:effectRef>
+          <a:fontRef idx="minor">
+            <a:schemeClr val="tx1"/>
+          </a:fontRef>
+        </p:style>
+        <p:txBody>
+          <a:bodyPr rtlCol="0" anchor="ctr"/>
+          <a:lstStyle/>
+          <a:p>
+            <a:pPr algn="ctr"/>
+            <a:endParaRPr lang="it-IT" dirty="0"/>
+          </a:p>
+        </p:txBody>
+      </p:sp>
+      <p:sp>
+        <p:nvSpPr>
+          <p:cNvPr id="27" name="CasellaDiTesto 26">
+            <a:extLst>
+              <a:ext uri="{FF2B5EF4-FFF2-40B4-BE49-F238E27FC236}">
+                <a16:creationId xmlns:a16="http://schemas.microsoft.com/office/drawing/2014/main" id="{9B3E268D-5EA5-4F58-BE0C-9BEE2AC525C0}"/>
+              </a:ext>
+            </a:extLst>
+          </p:cNvPr>
+          <p:cNvSpPr txBox="1"/>
+          <p:nvPr/>
+        </p:nvSpPr>
+        <p:spPr>
+          <a:xfrm>
+            <a:off x="1700240" y="3700630"/>
+            <a:ext cx="582211" cy="369332"/>
+          </a:xfrm>
+          <a:prstGeom prst="rect">
+            <a:avLst/>
+          </a:prstGeom>
+          <a:noFill/>
+        </p:spPr>
+        <p:txBody>
+          <a:bodyPr wrap="none" rtlCol="0">
+            <a:spAutoFit/>
+          </a:bodyPr>
+          <a:lstStyle/>
+          <a:p>
+            <a:r>
+              <a:rPr lang="it-IT" dirty="0"/>
+              <a:t>4px</a:t>
+            </a:r>
+          </a:p>
+        </p:txBody>
+      </p:sp>
+      <p:cxnSp>
+        <p:nvCxnSpPr>
+          <p:cNvPr id="31" name="Connettore diritto 30">
+            <a:extLst>
+              <a:ext uri="{FF2B5EF4-FFF2-40B4-BE49-F238E27FC236}">
+                <a16:creationId xmlns:a16="http://schemas.microsoft.com/office/drawing/2014/main" id="{E5413922-761A-46D8-A9FD-2E11806D7A6D}"/>
+              </a:ext>
+            </a:extLst>
+          </p:cNvPr>
+          <p:cNvCxnSpPr>
+            <a:cxnSpLocks/>
+          </p:cNvCxnSpPr>
+          <p:nvPr/>
+        </p:nvCxnSpPr>
+        <p:spPr>
+          <a:xfrm>
+            <a:off x="1585974" y="3737362"/>
+            <a:ext cx="0" cy="330621"/>
+          </a:xfrm>
+          <a:prstGeom prst="line">
+            <a:avLst/>
+          </a:prstGeom>
+        </p:spPr>
+        <p:style>
+          <a:lnRef idx="1">
+            <a:schemeClr val="dk1"/>
+          </a:lnRef>
+          <a:fillRef idx="0">
+            <a:schemeClr val="dk1"/>
+          </a:fillRef>
+          <a:effectRef idx="0">
+            <a:schemeClr val="dk1"/>
+          </a:effectRef>
+          <a:fontRef idx="minor">
+            <a:schemeClr val="tx1"/>
+          </a:fontRef>
+        </p:style>
+      </p:cxnSp>
+      <p:cxnSp>
+        <p:nvCxnSpPr>
+          <p:cNvPr id="33" name="Connettore 2 32">
+            <a:extLst>
+              <a:ext uri="{FF2B5EF4-FFF2-40B4-BE49-F238E27FC236}">
+                <a16:creationId xmlns:a16="http://schemas.microsoft.com/office/drawing/2014/main" id="{F1704D51-381E-42B1-A6FA-99C3BA44516B}"/>
+              </a:ext>
+            </a:extLst>
+          </p:cNvPr>
+          <p:cNvCxnSpPr>
+            <a:cxnSpLocks/>
+            <a:endCxn id="27" idx="1"/>
+          </p:cNvCxnSpPr>
+          <p:nvPr/>
+        </p:nvCxnSpPr>
+        <p:spPr>
+          <a:xfrm>
+            <a:off x="1585974" y="3885296"/>
+            <a:ext cx="114266" cy="0"/>
+          </a:xfrm>
+          <a:prstGeom prst="straightConnector1">
+            <a:avLst/>
+          </a:prstGeom>
+          <a:ln>
+            <a:tailEnd type="triangle"/>
+          </a:ln>
+        </p:spPr>
+        <p:style>
+          <a:lnRef idx="1">
+            <a:schemeClr val="dk1"/>
+          </a:lnRef>
+          <a:fillRef idx="0">
+            <a:schemeClr val="dk1"/>
+          </a:fillRef>
+          <a:effectRef idx="0">
+            <a:schemeClr val="dk1"/>
+          </a:effectRef>
+          <a:fontRef idx="minor">
+            <a:schemeClr val="tx1"/>
+          </a:fontRef>
+        </p:style>
+      </p:cxnSp>
+      <p:cxnSp>
+        <p:nvCxnSpPr>
+          <p:cNvPr id="36" name="Connettore 2 35">
+            <a:extLst>
+              <a:ext uri="{FF2B5EF4-FFF2-40B4-BE49-F238E27FC236}">
+                <a16:creationId xmlns:a16="http://schemas.microsoft.com/office/drawing/2014/main" id="{07D531AB-6F65-4340-8512-6DFAB2CE07A2}"/>
+              </a:ext>
+            </a:extLst>
+          </p:cNvPr>
+          <p:cNvCxnSpPr>
+            <a:cxnSpLocks/>
+          </p:cNvCxnSpPr>
+          <p:nvPr/>
+        </p:nvCxnSpPr>
+        <p:spPr>
+          <a:xfrm>
+            <a:off x="3946359" y="2112598"/>
+            <a:ext cx="0" cy="2843715"/>
+          </a:xfrm>
+          <a:prstGeom prst="straightConnector1">
+            <a:avLst/>
+          </a:prstGeom>
+          <a:ln w="63500">
+            <a:solidFill>
+              <a:srgbClr val="FF83B6"/>
+            </a:solidFill>
+            <a:headEnd type="triangle"/>
+            <a:tailEnd type="triangle"/>
+          </a:ln>
+        </p:spPr>
+        <p:style>
+          <a:lnRef idx="3">
+            <a:schemeClr val="accent5"/>
+          </a:lnRef>
+          <a:fillRef idx="0">
+            <a:schemeClr val="accent5"/>
+          </a:fillRef>
+          <a:effectRef idx="2">
+            <a:schemeClr val="accent5"/>
+          </a:effectRef>
+          <a:fontRef idx="minor">
+            <a:schemeClr val="tx1"/>
+          </a:fontRef>
+        </p:style>
+      </p:cxnSp>
+      <p:sp>
+        <p:nvSpPr>
+          <p:cNvPr id="38" name="CasellaDiTesto 37">
+            <a:extLst>
+              <a:ext uri="{FF2B5EF4-FFF2-40B4-BE49-F238E27FC236}">
+                <a16:creationId xmlns:a16="http://schemas.microsoft.com/office/drawing/2014/main" id="{D084F21D-514E-4CC6-99A7-04A14CC04F97}"/>
+              </a:ext>
+            </a:extLst>
+          </p:cNvPr>
+          <p:cNvSpPr txBox="1"/>
+          <p:nvPr/>
+        </p:nvSpPr>
+        <p:spPr>
+          <a:xfrm>
+            <a:off x="3930516" y="3255167"/>
+            <a:ext cx="1117614" cy="584775"/>
+          </a:xfrm>
+          <a:prstGeom prst="rect">
+            <a:avLst/>
+          </a:prstGeom>
+          <a:noFill/>
+        </p:spPr>
+        <p:txBody>
+          <a:bodyPr wrap="none" rtlCol="0">
+            <a:spAutoFit/>
+          </a:bodyPr>
+          <a:lstStyle/>
+          <a:p>
+            <a:r>
+              <a:rPr lang="it-IT" sz="3200" dirty="0">
+                <a:highlight>
+                  <a:srgbClr val="FF83B6"/>
+                </a:highlight>
+              </a:rPr>
+              <a:t>30vh</a:t>
+            </a:r>
+            <a:endParaRPr lang="it-IT" dirty="0">
+              <a:highlight>
+                <a:srgbClr val="FF83B6"/>
+              </a:highlight>
+            </a:endParaRPr>
+          </a:p>
+        </p:txBody>
+      </p:sp>
+      <p:sp>
+        <p:nvSpPr>
+          <p:cNvPr id="42" name="Segnaposto piè di pagina 22">
+            <a:extLst>
+              <a:ext uri="{FF2B5EF4-FFF2-40B4-BE49-F238E27FC236}">
+                <a16:creationId xmlns:a16="http://schemas.microsoft.com/office/drawing/2014/main" id="{0C437115-6A8A-4569-96E8-2AED3BDC3126}"/>
+              </a:ext>
+            </a:extLst>
+          </p:cNvPr>
+          <p:cNvSpPr>
+            <a:spLocks noGrp="1"/>
+          </p:cNvSpPr>
+          <p:nvPr>
+            <p:ph type="ftr" sz="quarter" idx="11"/>
+          </p:nvPr>
+        </p:nvSpPr>
+        <p:spPr>
+          <a:xfrm rot="16200000">
+            <a:off x="10657491" y="2437035"/>
+            <a:ext cx="1855915" cy="365125"/>
+          </a:xfrm>
+        </p:spPr>
         <p:txBody>
           <a:bodyPr rtlCol="0"/>
           <a:lstStyle/>
           <a:p>
-            <a:pPr rtl="0"/>
-            <a:r>
-              <a:rPr lang="it-IT" sz="2000" dirty="0">
-                <a:solidFill>
-                  <a:schemeClr val="bg1"/>
-                </a:solidFill>
-              </a:rPr>
-              <a:t>_______________________________________</a:t>
-            </a:r>
+            <a:pPr rtl="0">
+              <a:spcAft>
+                <a:spcPts val="600"/>
+              </a:spcAft>
+            </a:pPr>
+            <a:r>
+              <a:rPr lang="it-IT" dirty="0"/>
+              <a:t>MHW1 o46002042</a:t>
+            </a:r>
+          </a:p>
+        </p:txBody>
+      </p:sp>
+      <p:pic>
+        <p:nvPicPr>
+          <p:cNvPr id="44" name="Immagine 43">
+            <a:extLst>
+              <a:ext uri="{FF2B5EF4-FFF2-40B4-BE49-F238E27FC236}">
+                <a16:creationId xmlns:a16="http://schemas.microsoft.com/office/drawing/2014/main" id="{C99481B8-8026-479A-8A64-D055082F1CD8}"/>
+              </a:ext>
+            </a:extLst>
+          </p:cNvPr>
+          <p:cNvPicPr>
+            <a:picLocks noChangeAspect="1"/>
+          </p:cNvPicPr>
+          <p:nvPr/>
+        </p:nvPicPr>
+        <p:blipFill>
+          <a:blip r:embed="rId3"/>
+          <a:stretch>
+            <a:fillRect/>
+          </a:stretch>
+        </p:blipFill>
+        <p:spPr>
+          <a:xfrm>
+            <a:off x="7168596" y="3902672"/>
+            <a:ext cx="3046993" cy="2822214"/>
+          </a:xfrm>
+          <a:prstGeom prst="rect">
+            <a:avLst/>
+          </a:prstGeom>
+        </p:spPr>
+      </p:pic>
+      <p:sp>
+        <p:nvSpPr>
+          <p:cNvPr id="9" name="Rettangolo 8">
+            <a:extLst>
+              <a:ext uri="{FF2B5EF4-FFF2-40B4-BE49-F238E27FC236}">
+                <a16:creationId xmlns:a16="http://schemas.microsoft.com/office/drawing/2014/main" id="{95744387-6B61-4C74-BB10-C6235AD7039C}"/>
+              </a:ext>
+            </a:extLst>
+          </p:cNvPr>
+          <p:cNvSpPr/>
+          <p:nvPr/>
+        </p:nvSpPr>
+        <p:spPr>
+          <a:xfrm>
+            <a:off x="3754628" y="4956313"/>
+            <a:ext cx="567053" cy="124567"/>
+          </a:xfrm>
+          <a:prstGeom prst="rect">
+            <a:avLst/>
+          </a:prstGeom>
+        </p:spPr>
+        <p:style>
+          <a:lnRef idx="2">
+            <a:schemeClr val="accent1">
+              <a:shade val="50000"/>
+            </a:schemeClr>
+          </a:lnRef>
+          <a:fillRef idx="1">
+            <a:schemeClr val="accent1"/>
+          </a:fillRef>
+          <a:effectRef idx="0">
+            <a:schemeClr val="accent1"/>
+          </a:effectRef>
+          <a:fontRef idx="minor">
+            <a:schemeClr val="lt1"/>
+          </a:fontRef>
+        </p:style>
+        <p:txBody>
+          <a:bodyPr rtlCol="0" anchor="ctr"/>
+          <a:lstStyle/>
+          <a:p>
+            <a:pPr algn="ctr"/>
+            <a:endParaRPr lang="it-IT" dirty="0"/>
+          </a:p>
+        </p:txBody>
+      </p:sp>
+      <p:sp>
+        <p:nvSpPr>
+          <p:cNvPr id="26" name="Rettangolo 25">
+            <a:extLst>
+              <a:ext uri="{FF2B5EF4-FFF2-40B4-BE49-F238E27FC236}">
+                <a16:creationId xmlns:a16="http://schemas.microsoft.com/office/drawing/2014/main" id="{3CF8762D-F35C-4AD7-8F38-A9498C6AD002}"/>
+              </a:ext>
+            </a:extLst>
+          </p:cNvPr>
+          <p:cNvSpPr/>
+          <p:nvPr/>
+        </p:nvSpPr>
+        <p:spPr>
+          <a:xfrm>
+            <a:off x="3754627" y="1988031"/>
+            <a:ext cx="567053" cy="124567"/>
+          </a:xfrm>
+          <a:prstGeom prst="rect">
+            <a:avLst/>
+          </a:prstGeom>
+        </p:spPr>
+        <p:style>
+          <a:lnRef idx="2">
+            <a:schemeClr val="accent1">
+              <a:shade val="50000"/>
+            </a:schemeClr>
+          </a:lnRef>
+          <a:fillRef idx="1">
+            <a:schemeClr val="accent1"/>
+          </a:fillRef>
+          <a:effectRef idx="0">
+            <a:schemeClr val="accent1"/>
+          </a:effectRef>
+          <a:fontRef idx="minor">
+            <a:schemeClr val="lt1"/>
+          </a:fontRef>
+        </p:style>
+        <p:txBody>
+          <a:bodyPr rtlCol="0" anchor="ctr"/>
+          <a:lstStyle/>
+          <a:p>
+            <a:pPr algn="ctr"/>
             <a:endParaRPr lang="it-IT" dirty="0"/>
           </a:p>
         </p:txBody>
@@ -19165,7 +19625,7 @@
     </p:spTree>
     <p:extLst>
       <p:ext uri="{BB962C8B-B14F-4D97-AF65-F5344CB8AC3E}">
-        <p14:creationId xmlns:p14="http://schemas.microsoft.com/office/powerpoint/2010/main" val="312504046"/>
+        <p14:creationId xmlns:p14="http://schemas.microsoft.com/office/powerpoint/2010/main" val="2158300552"/>
       </p:ext>
     </p:extLst>
   </p:cSld>
@@ -19967,12 +20427,12 @@
 </file>
 
 <file path=customXml/item1.xml><?xml version="1.0" encoding="utf-8"?>
-<?mso-contentType ?>
-<FormTemplates xmlns="http://schemas.microsoft.com/sharepoint/v3/contenttype/forms">
-  <Display>DocumentLibraryForm</Display>
-  <Edit>DocumentLibraryForm</Edit>
-  <New>DocumentLibraryForm</New>
-</FormTemplates>
+<p:properties xmlns:p="http://schemas.microsoft.com/office/2006/metadata/properties" xmlns:xsi="http://www.w3.org/2001/XMLSchema-instance" xmlns:pc="http://schemas.microsoft.com/office/infopath/2007/PartnerControls">
+  <documentManagement>
+    <Status xmlns="71af3243-3dd4-4a8d-8c0d-dd76da1f02a5">Not started</Status>
+    <MediaServiceKeyPoints xmlns="71af3243-3dd4-4a8d-8c0d-dd76da1f02a5" xsi:nil="true"/>
+  </documentManagement>
+</p:properties>
 </file>
 
 <file path=customXml/item2.xml><?xml version="1.0" encoding="utf-8"?>
@@ -20197,18 +20657,20 @@
 </file>
 
 <file path=customXml/item3.xml><?xml version="1.0" encoding="utf-8"?>
-<p:properties xmlns:p="http://schemas.microsoft.com/office/2006/metadata/properties" xmlns:xsi="http://www.w3.org/2001/XMLSchema-instance" xmlns:pc="http://schemas.microsoft.com/office/infopath/2007/PartnerControls">
-  <documentManagement>
-    <Status xmlns="71af3243-3dd4-4a8d-8c0d-dd76da1f02a5">Not started</Status>
-    <MediaServiceKeyPoints xmlns="71af3243-3dd4-4a8d-8c0d-dd76da1f02a5" xsi:nil="true"/>
-  </documentManagement>
-</p:properties>
+<?mso-contentType ?>
+<FormTemplates xmlns="http://schemas.microsoft.com/sharepoint/v3/contenttype/forms">
+  <Display>DocumentLibraryForm</Display>
+  <Edit>DocumentLibraryForm</Edit>
+  <New>DocumentLibraryForm</New>
+</FormTemplates>
 </file>
 
 <file path=customXml/itemProps1.xml><?xml version="1.0" encoding="utf-8"?>
-<ds:datastoreItem xmlns:ds="http://schemas.openxmlformats.org/officeDocument/2006/customXml" ds:itemID="{3C8E00D1-8EA3-4E42-801D-0253E1EAFC21}">
+<ds:datastoreItem xmlns:ds="http://schemas.openxmlformats.org/officeDocument/2006/customXml" ds:itemID="{99919F73-B6C2-4A43-95E2-833EC48925FE}">
   <ds:schemaRefs>
-    <ds:schemaRef ds:uri="http://schemas.microsoft.com/sharepoint/v3/contenttype/forms"/>
+    <ds:schemaRef ds:uri="http://schemas.microsoft.com/office/2006/metadata/properties"/>
+    <ds:schemaRef ds:uri="http://schemas.microsoft.com/office/infopath/2007/PartnerControls"/>
+    <ds:schemaRef ds:uri="71af3243-3dd4-4a8d-8c0d-dd76da1f02a5"/>
   </ds:schemaRefs>
 </ds:datastoreItem>
 </file>
@@ -20233,11 +20695,9 @@
 </file>
 
 <file path=customXml/itemProps3.xml><?xml version="1.0" encoding="utf-8"?>
-<ds:datastoreItem xmlns:ds="http://schemas.openxmlformats.org/officeDocument/2006/customXml" ds:itemID="{99919F73-B6C2-4A43-95E2-833EC48925FE}">
+<ds:datastoreItem xmlns:ds="http://schemas.openxmlformats.org/officeDocument/2006/customXml" ds:itemID="{3C8E00D1-8EA3-4E42-801D-0253E1EAFC21}">
   <ds:schemaRefs>
-    <ds:schemaRef ds:uri="http://schemas.microsoft.com/office/2006/metadata/properties"/>
-    <ds:schemaRef ds:uri="http://schemas.microsoft.com/office/infopath/2007/PartnerControls"/>
-    <ds:schemaRef ds:uri="71af3243-3dd4-4a8d-8c0d-dd76da1f02a5"/>
+    <ds:schemaRef ds:uri="http://schemas.microsoft.com/sharepoint/v3/contenttype/forms"/>
   </ds:schemaRefs>
 </ds:datastoreItem>
 </file>
--- a/mhw1.pptx
+++ b/mhw1.pptx
@@ -12318,6 +12318,18 @@
               </a:rPr>
               <a:t>Rosario Caggegi o46002042</a:t>
             </a:r>
+          </a:p>
+          <a:p>
+            <a:pPr rtl="0"/>
+            <a:r>
+              <a:rPr lang="it-IT" dirty="0"/>
+              <a:t>26/03/2021</a:t>
+            </a:r>
+            <a:endParaRPr lang="it-IT" sz="2000" dirty="0">
+              <a:solidFill>
+                <a:schemeClr val="bg1"/>
+              </a:solidFill>
+            </a:endParaRPr>
           </a:p>
           <a:p>
             <a:pPr rtl="0"/>
@@ -20427,12 +20439,12 @@
 </file>
 
 <file path=customXml/item1.xml><?xml version="1.0" encoding="utf-8"?>
-<p:properties xmlns:p="http://schemas.microsoft.com/office/2006/metadata/properties" xmlns:xsi="http://www.w3.org/2001/XMLSchema-instance" xmlns:pc="http://schemas.microsoft.com/office/infopath/2007/PartnerControls">
-  <documentManagement>
-    <Status xmlns="71af3243-3dd4-4a8d-8c0d-dd76da1f02a5">Not started</Status>
-    <MediaServiceKeyPoints xmlns="71af3243-3dd4-4a8d-8c0d-dd76da1f02a5" xsi:nil="true"/>
-  </documentManagement>
-</p:properties>
+<?mso-contentType ?>
+<FormTemplates xmlns="http://schemas.microsoft.com/sharepoint/v3/contenttype/forms">
+  <Display>DocumentLibraryForm</Display>
+  <Edit>DocumentLibraryForm</Edit>
+  <New>DocumentLibraryForm</New>
+</FormTemplates>
 </file>
 
 <file path=customXml/item2.xml><?xml version="1.0" encoding="utf-8"?>
@@ -20657,20 +20669,18 @@
 </file>
 
 <file path=customXml/item3.xml><?xml version="1.0" encoding="utf-8"?>
-<?mso-contentType ?>
-<FormTemplates xmlns="http://schemas.microsoft.com/sharepoint/v3/contenttype/forms">
-  <Display>DocumentLibraryForm</Display>
-  <Edit>DocumentLibraryForm</Edit>
-  <New>DocumentLibraryForm</New>
-</FormTemplates>
+<p:properties xmlns:p="http://schemas.microsoft.com/office/2006/metadata/properties" xmlns:xsi="http://www.w3.org/2001/XMLSchema-instance" xmlns:pc="http://schemas.microsoft.com/office/infopath/2007/PartnerControls">
+  <documentManagement>
+    <Status xmlns="71af3243-3dd4-4a8d-8c0d-dd76da1f02a5">Not started</Status>
+    <MediaServiceKeyPoints xmlns="71af3243-3dd4-4a8d-8c0d-dd76da1f02a5" xsi:nil="true"/>
+  </documentManagement>
+</p:properties>
 </file>
 
 <file path=customXml/itemProps1.xml><?xml version="1.0" encoding="utf-8"?>
-<ds:datastoreItem xmlns:ds="http://schemas.openxmlformats.org/officeDocument/2006/customXml" ds:itemID="{99919F73-B6C2-4A43-95E2-833EC48925FE}">
+<ds:datastoreItem xmlns:ds="http://schemas.openxmlformats.org/officeDocument/2006/customXml" ds:itemID="{3C8E00D1-8EA3-4E42-801D-0253E1EAFC21}">
   <ds:schemaRefs>
-    <ds:schemaRef ds:uri="http://schemas.microsoft.com/office/2006/metadata/properties"/>
-    <ds:schemaRef ds:uri="http://schemas.microsoft.com/office/infopath/2007/PartnerControls"/>
-    <ds:schemaRef ds:uri="71af3243-3dd4-4a8d-8c0d-dd76da1f02a5"/>
+    <ds:schemaRef ds:uri="http://schemas.microsoft.com/sharepoint/v3/contenttype/forms"/>
   </ds:schemaRefs>
 </ds:datastoreItem>
 </file>
@@ -20695,9 +20705,11 @@
 </file>
 
 <file path=customXml/itemProps3.xml><?xml version="1.0" encoding="utf-8"?>
-<ds:datastoreItem xmlns:ds="http://schemas.openxmlformats.org/officeDocument/2006/customXml" ds:itemID="{3C8E00D1-8EA3-4E42-801D-0253E1EAFC21}">
+<ds:datastoreItem xmlns:ds="http://schemas.openxmlformats.org/officeDocument/2006/customXml" ds:itemID="{99919F73-B6C2-4A43-95E2-833EC48925FE}">
   <ds:schemaRefs>
-    <ds:schemaRef ds:uri="http://schemas.microsoft.com/sharepoint/v3/contenttype/forms"/>
+    <ds:schemaRef ds:uri="http://schemas.microsoft.com/office/2006/metadata/properties"/>
+    <ds:schemaRef ds:uri="http://schemas.microsoft.com/office/infopath/2007/PartnerControls"/>
+    <ds:schemaRef ds:uri="71af3243-3dd4-4a8d-8c0d-dd76da1f02a5"/>
   </ds:schemaRefs>
 </ds:datastoreItem>
 </file>
--- a/mhw1.pptx
+++ b/mhw1.pptx
@@ -20439,12 +20439,12 @@
 </file>
 
 <file path=customXml/item1.xml><?xml version="1.0" encoding="utf-8"?>
-<?mso-contentType ?>
-<FormTemplates xmlns="http://schemas.microsoft.com/sharepoint/v3/contenttype/forms">
-  <Display>DocumentLibraryForm</Display>
-  <Edit>DocumentLibraryForm</Edit>
-  <New>DocumentLibraryForm</New>
-</FormTemplates>
+<p:properties xmlns:p="http://schemas.microsoft.com/office/2006/metadata/properties" xmlns:xsi="http://www.w3.org/2001/XMLSchema-instance" xmlns:pc="http://schemas.microsoft.com/office/infopath/2007/PartnerControls">
+  <documentManagement>
+    <Status xmlns="71af3243-3dd4-4a8d-8c0d-dd76da1f02a5">Not started</Status>
+    <MediaServiceKeyPoints xmlns="71af3243-3dd4-4a8d-8c0d-dd76da1f02a5" xsi:nil="true"/>
+  </documentManagement>
+</p:properties>
 </file>
 
 <file path=customXml/item2.xml><?xml version="1.0" encoding="utf-8"?>
@@ -20669,18 +20669,20 @@
 </file>
 
 <file path=customXml/item3.xml><?xml version="1.0" encoding="utf-8"?>
-<p:properties xmlns:p="http://schemas.microsoft.com/office/2006/metadata/properties" xmlns:xsi="http://www.w3.org/2001/XMLSchema-instance" xmlns:pc="http://schemas.microsoft.com/office/infopath/2007/PartnerControls">
-  <documentManagement>
-    <Status xmlns="71af3243-3dd4-4a8d-8c0d-dd76da1f02a5">Not started</Status>
-    <MediaServiceKeyPoints xmlns="71af3243-3dd4-4a8d-8c0d-dd76da1f02a5" xsi:nil="true"/>
-  </documentManagement>
-</p:properties>
+<?mso-contentType ?>
+<FormTemplates xmlns="http://schemas.microsoft.com/sharepoint/v3/contenttype/forms">
+  <Display>DocumentLibraryForm</Display>
+  <Edit>DocumentLibraryForm</Edit>
+  <New>DocumentLibraryForm</New>
+</FormTemplates>
 </file>
 
 <file path=customXml/itemProps1.xml><?xml version="1.0" encoding="utf-8"?>
-<ds:datastoreItem xmlns:ds="http://schemas.openxmlformats.org/officeDocument/2006/customXml" ds:itemID="{3C8E00D1-8EA3-4E42-801D-0253E1EAFC21}">
+<ds:datastoreItem xmlns:ds="http://schemas.openxmlformats.org/officeDocument/2006/customXml" ds:itemID="{99919F73-B6C2-4A43-95E2-833EC48925FE}">
   <ds:schemaRefs>
-    <ds:schemaRef ds:uri="http://schemas.microsoft.com/sharepoint/v3/contenttype/forms"/>
+    <ds:schemaRef ds:uri="http://schemas.microsoft.com/office/2006/metadata/properties"/>
+    <ds:schemaRef ds:uri="http://schemas.microsoft.com/office/infopath/2007/PartnerControls"/>
+    <ds:schemaRef ds:uri="71af3243-3dd4-4a8d-8c0d-dd76da1f02a5"/>
   </ds:schemaRefs>
 </ds:datastoreItem>
 </file>
@@ -20705,11 +20707,9 @@
 </file>
 
 <file path=customXml/itemProps3.xml><?xml version="1.0" encoding="utf-8"?>
-<ds:datastoreItem xmlns:ds="http://schemas.openxmlformats.org/officeDocument/2006/customXml" ds:itemID="{99919F73-B6C2-4A43-95E2-833EC48925FE}">
+<ds:datastoreItem xmlns:ds="http://schemas.openxmlformats.org/officeDocument/2006/customXml" ds:itemID="{3C8E00D1-8EA3-4E42-801D-0253E1EAFC21}">
   <ds:schemaRefs>
-    <ds:schemaRef ds:uri="http://schemas.microsoft.com/office/2006/metadata/properties"/>
-    <ds:schemaRef ds:uri="http://schemas.microsoft.com/office/infopath/2007/PartnerControls"/>
-    <ds:schemaRef ds:uri="71af3243-3dd4-4a8d-8c0d-dd76da1f02a5"/>
+    <ds:schemaRef ds:uri="http://schemas.microsoft.com/sharepoint/v3/contenttype/forms"/>
   </ds:schemaRefs>
 </ds:datastoreItem>
 </file>